--- a/02-languages/01-teoria/03 Programación Funcional.pptx
+++ b/02-languages/01-teoria/03 Programación Funcional.pptx
@@ -1,22 +1,22 @@
 
 <file path=ppt/presentation.xml><?xml version="1.0" encoding="utf-8"?>
-<p:presentation xmlns:a="http://schemas.openxmlformats.org/drawingml/2006/main" xmlns:r="http://schemas.openxmlformats.org/officeDocument/2006/relationships" xmlns:p="http://schemas.openxmlformats.org/presentationml/2006/main">
+<p:presentation xmlns:a="http://schemas.openxmlformats.org/drawingml/2006/main" xmlns:r="http://schemas.openxmlformats.org/officeDocument/2006/relationships" xmlns:p="http://schemas.openxmlformats.org/presentationml/2006/main" xmlns:m="http://schemas.openxmlformats.org/officeDocument/2006/math" xmlns:a14="http://schemas.microsoft.com/office/drawing/2010/main">
   <p:sldMasterIdLst>
-    <p:sldMasterId id="2147483648" r:id="rId1"/>
+    <p:sldMasterId id="2147483648" r:id="rId5"/>
   </p:sldMasterIdLst>
   <p:notesMasterIdLst>
-    <p:notesMasterId r:id="rId9"/>
+    <p:notesMasterId r:id="rId7"/>
   </p:notesMasterIdLst>
   <p:sldIdLst>
-    <p:sldId id="265" r:id="rId2"/>
-    <p:sldId id="269" r:id="rId3"/>
-    <p:sldId id="266" r:id="rId4"/>
-    <p:sldId id="271" r:id="rId5"/>
-    <p:sldId id="268" r:id="rId6"/>
-    <p:sldId id="274" r:id="rId7"/>
-    <p:sldId id="263" r:id="rId8"/>
+    <p:sldId id="256" r:id="rId8"/>
+    <p:sldId id="257" r:id="rId9"/>
+    <p:sldId id="258" r:id="rId10"/>
+    <p:sldId id="259" r:id="rId11"/>
+    <p:sldId id="260" r:id="rId12"/>
+    <p:sldId id="261" r:id="rId13"/>
+    <p:sldId id="262" r:id="rId14"/>
   </p:sldIdLst>
-  <p:sldSz cx="9144000" cy="5143500" type="screen16x9"/>
+  <p:sldSz cx="9144000" cy="5143500"/>
   <p:notesSz cx="6858000" cy="9144000"/>
   <p:defaultTextStyle>
     <a:defPPr marL="0" marR="0" indent="0" algn="l" defTabSz="914400" rtl="0" fontAlgn="auto" latinLnBrk="1" hangingPunct="0">
@@ -34,7 +34,7 @@
       <a:buFontTx/>
       <a:buNone/>
       <a:tabLst/>
-      <a:defRPr kumimoji="0" sz="1800" b="0" i="0" u="none" strike="noStrike" cap="none" spc="0" normalizeH="0" baseline="0">
+      <a:defRPr b="0" baseline="0" cap="none" i="0" spc="0" strike="noStrike" sz="1800" u="none" kumimoji="0" normalizeH="0">
         <a:ln>
           <a:noFill/>
         </a:ln>
@@ -60,7 +60,7 @@
       <a:buFontTx/>
       <a:buNone/>
       <a:tabLst/>
-      <a:defRPr kumimoji="0" sz="1800" b="0" i="0" u="none" strike="noStrike" cap="none" spc="0" normalizeH="0" baseline="0">
+      <a:defRPr b="0" baseline="0" cap="none" i="0" spc="0" strike="noStrike" sz="1800" u="none" kumimoji="0" normalizeH="0">
         <a:ln>
           <a:noFill/>
         </a:ln>
@@ -69,13 +69,13 @@
         </a:solidFill>
         <a:effectLst/>
         <a:uFillTx/>
-        <a:latin typeface="+mn-lt"/>
-        <a:ea typeface="+mn-ea"/>
-        <a:cs typeface="+mn-cs"/>
+        <a:latin typeface="+mj-lt"/>
+        <a:ea typeface="+mj-ea"/>
+        <a:cs typeface="+mj-cs"/>
         <a:sym typeface="Calibri"/>
       </a:defRPr>
     </a:lvl1pPr>
-    <a:lvl2pPr marL="0" marR="0" indent="457200" algn="l" defTabSz="457200" rtl="0" fontAlgn="auto" latinLnBrk="0" hangingPunct="0">
+    <a:lvl2pPr marL="0" marR="0" indent="0" algn="l" defTabSz="457200" rtl="0" fontAlgn="auto" latinLnBrk="0" hangingPunct="0">
       <a:lnSpc>
         <a:spcPct val="100000"/>
       </a:lnSpc>
@@ -90,7 +90,7 @@
       <a:buFontTx/>
       <a:buNone/>
       <a:tabLst/>
-      <a:defRPr kumimoji="0" sz="1800" b="0" i="0" u="none" strike="noStrike" cap="none" spc="0" normalizeH="0" baseline="0">
+      <a:defRPr b="0" baseline="0" cap="none" i="0" spc="0" strike="noStrike" sz="1800" u="none" kumimoji="0" normalizeH="0">
         <a:ln>
           <a:noFill/>
         </a:ln>
@@ -99,13 +99,13 @@
         </a:solidFill>
         <a:effectLst/>
         <a:uFillTx/>
-        <a:latin typeface="+mn-lt"/>
-        <a:ea typeface="+mn-ea"/>
-        <a:cs typeface="+mn-cs"/>
+        <a:latin typeface="+mj-lt"/>
+        <a:ea typeface="+mj-ea"/>
+        <a:cs typeface="+mj-cs"/>
         <a:sym typeface="Calibri"/>
       </a:defRPr>
     </a:lvl2pPr>
-    <a:lvl3pPr marL="0" marR="0" indent="914400" algn="l" defTabSz="457200" rtl="0" fontAlgn="auto" latinLnBrk="0" hangingPunct="0">
+    <a:lvl3pPr marL="0" marR="0" indent="0" algn="l" defTabSz="457200" rtl="0" fontAlgn="auto" latinLnBrk="0" hangingPunct="0">
       <a:lnSpc>
         <a:spcPct val="100000"/>
       </a:lnSpc>
@@ -120,7 +120,7 @@
       <a:buFontTx/>
       <a:buNone/>
       <a:tabLst/>
-      <a:defRPr kumimoji="0" sz="1800" b="0" i="0" u="none" strike="noStrike" cap="none" spc="0" normalizeH="0" baseline="0">
+      <a:defRPr b="0" baseline="0" cap="none" i="0" spc="0" strike="noStrike" sz="1800" u="none" kumimoji="0" normalizeH="0">
         <a:ln>
           <a:noFill/>
         </a:ln>
@@ -129,13 +129,13 @@
         </a:solidFill>
         <a:effectLst/>
         <a:uFillTx/>
-        <a:latin typeface="+mn-lt"/>
-        <a:ea typeface="+mn-ea"/>
-        <a:cs typeface="+mn-cs"/>
+        <a:latin typeface="+mj-lt"/>
+        <a:ea typeface="+mj-ea"/>
+        <a:cs typeface="+mj-cs"/>
         <a:sym typeface="Calibri"/>
       </a:defRPr>
     </a:lvl3pPr>
-    <a:lvl4pPr marL="0" marR="0" indent="1371600" algn="l" defTabSz="457200" rtl="0" fontAlgn="auto" latinLnBrk="0" hangingPunct="0">
+    <a:lvl4pPr marL="0" marR="0" indent="0" algn="l" defTabSz="457200" rtl="0" fontAlgn="auto" latinLnBrk="0" hangingPunct="0">
       <a:lnSpc>
         <a:spcPct val="100000"/>
       </a:lnSpc>
@@ -150,7 +150,7 @@
       <a:buFontTx/>
       <a:buNone/>
       <a:tabLst/>
-      <a:defRPr kumimoji="0" sz="1800" b="0" i="0" u="none" strike="noStrike" cap="none" spc="0" normalizeH="0" baseline="0">
+      <a:defRPr b="0" baseline="0" cap="none" i="0" spc="0" strike="noStrike" sz="1800" u="none" kumimoji="0" normalizeH="0">
         <a:ln>
           <a:noFill/>
         </a:ln>
@@ -159,13 +159,13 @@
         </a:solidFill>
         <a:effectLst/>
         <a:uFillTx/>
-        <a:latin typeface="+mn-lt"/>
-        <a:ea typeface="+mn-ea"/>
-        <a:cs typeface="+mn-cs"/>
+        <a:latin typeface="+mj-lt"/>
+        <a:ea typeface="+mj-ea"/>
+        <a:cs typeface="+mj-cs"/>
         <a:sym typeface="Calibri"/>
       </a:defRPr>
     </a:lvl4pPr>
-    <a:lvl5pPr marL="0" marR="0" indent="1828800" algn="l" defTabSz="457200" rtl="0" fontAlgn="auto" latinLnBrk="0" hangingPunct="0">
+    <a:lvl5pPr marL="0" marR="0" indent="0" algn="l" defTabSz="457200" rtl="0" fontAlgn="auto" latinLnBrk="0" hangingPunct="0">
       <a:lnSpc>
         <a:spcPct val="100000"/>
       </a:lnSpc>
@@ -180,7 +180,7 @@
       <a:buFontTx/>
       <a:buNone/>
       <a:tabLst/>
-      <a:defRPr kumimoji="0" sz="1800" b="0" i="0" u="none" strike="noStrike" cap="none" spc="0" normalizeH="0" baseline="0">
+      <a:defRPr b="0" baseline="0" cap="none" i="0" spc="0" strike="noStrike" sz="1800" u="none" kumimoji="0" normalizeH="0">
         <a:ln>
           <a:noFill/>
         </a:ln>
@@ -189,13 +189,13 @@
         </a:solidFill>
         <a:effectLst/>
         <a:uFillTx/>
-        <a:latin typeface="+mn-lt"/>
-        <a:ea typeface="+mn-ea"/>
-        <a:cs typeface="+mn-cs"/>
+        <a:latin typeface="+mj-lt"/>
+        <a:ea typeface="+mj-ea"/>
+        <a:cs typeface="+mj-cs"/>
         <a:sym typeface="Calibri"/>
       </a:defRPr>
     </a:lvl5pPr>
-    <a:lvl6pPr marL="0" marR="0" indent="2286000" algn="l" defTabSz="457200" rtl="0" fontAlgn="auto" latinLnBrk="0" hangingPunct="0">
+    <a:lvl6pPr marL="0" marR="0" indent="0" algn="l" defTabSz="457200" rtl="0" fontAlgn="auto" latinLnBrk="0" hangingPunct="0">
       <a:lnSpc>
         <a:spcPct val="100000"/>
       </a:lnSpc>
@@ -210,7 +210,7 @@
       <a:buFontTx/>
       <a:buNone/>
       <a:tabLst/>
-      <a:defRPr kumimoji="0" sz="1800" b="0" i="0" u="none" strike="noStrike" cap="none" spc="0" normalizeH="0" baseline="0">
+      <a:defRPr b="0" baseline="0" cap="none" i="0" spc="0" strike="noStrike" sz="1800" u="none" kumimoji="0" normalizeH="0">
         <a:ln>
           <a:noFill/>
         </a:ln>
@@ -219,13 +219,13 @@
         </a:solidFill>
         <a:effectLst/>
         <a:uFillTx/>
-        <a:latin typeface="+mn-lt"/>
-        <a:ea typeface="+mn-ea"/>
-        <a:cs typeface="+mn-cs"/>
+        <a:latin typeface="+mj-lt"/>
+        <a:ea typeface="+mj-ea"/>
+        <a:cs typeface="+mj-cs"/>
         <a:sym typeface="Calibri"/>
       </a:defRPr>
     </a:lvl6pPr>
-    <a:lvl7pPr marL="0" marR="0" indent="2743200" algn="l" defTabSz="457200" rtl="0" fontAlgn="auto" latinLnBrk="0" hangingPunct="0">
+    <a:lvl7pPr marL="0" marR="0" indent="0" algn="l" defTabSz="457200" rtl="0" fontAlgn="auto" latinLnBrk="0" hangingPunct="0">
       <a:lnSpc>
         <a:spcPct val="100000"/>
       </a:lnSpc>
@@ -240,7 +240,7 @@
       <a:buFontTx/>
       <a:buNone/>
       <a:tabLst/>
-      <a:defRPr kumimoji="0" sz="1800" b="0" i="0" u="none" strike="noStrike" cap="none" spc="0" normalizeH="0" baseline="0">
+      <a:defRPr b="0" baseline="0" cap="none" i="0" spc="0" strike="noStrike" sz="1800" u="none" kumimoji="0" normalizeH="0">
         <a:ln>
           <a:noFill/>
         </a:ln>
@@ -249,13 +249,13 @@
         </a:solidFill>
         <a:effectLst/>
         <a:uFillTx/>
-        <a:latin typeface="+mn-lt"/>
-        <a:ea typeface="+mn-ea"/>
-        <a:cs typeface="+mn-cs"/>
+        <a:latin typeface="+mj-lt"/>
+        <a:ea typeface="+mj-ea"/>
+        <a:cs typeface="+mj-cs"/>
         <a:sym typeface="Calibri"/>
       </a:defRPr>
     </a:lvl7pPr>
-    <a:lvl8pPr marL="0" marR="0" indent="3200400" algn="l" defTabSz="457200" rtl="0" fontAlgn="auto" latinLnBrk="0" hangingPunct="0">
+    <a:lvl8pPr marL="0" marR="0" indent="0" algn="l" defTabSz="457200" rtl="0" fontAlgn="auto" latinLnBrk="0" hangingPunct="0">
       <a:lnSpc>
         <a:spcPct val="100000"/>
       </a:lnSpc>
@@ -270,7 +270,7 @@
       <a:buFontTx/>
       <a:buNone/>
       <a:tabLst/>
-      <a:defRPr kumimoji="0" sz="1800" b="0" i="0" u="none" strike="noStrike" cap="none" spc="0" normalizeH="0" baseline="0">
+      <a:defRPr b="0" baseline="0" cap="none" i="0" spc="0" strike="noStrike" sz="1800" u="none" kumimoji="0" normalizeH="0">
         <a:ln>
           <a:noFill/>
         </a:ln>
@@ -279,13 +279,13 @@
         </a:solidFill>
         <a:effectLst/>
         <a:uFillTx/>
-        <a:latin typeface="+mn-lt"/>
-        <a:ea typeface="+mn-ea"/>
-        <a:cs typeface="+mn-cs"/>
+        <a:latin typeface="+mj-lt"/>
+        <a:ea typeface="+mj-ea"/>
+        <a:cs typeface="+mj-cs"/>
         <a:sym typeface="Calibri"/>
       </a:defRPr>
     </a:lvl8pPr>
-    <a:lvl9pPr marL="0" marR="0" indent="3657600" algn="l" defTabSz="457200" rtl="0" fontAlgn="auto" latinLnBrk="0" hangingPunct="0">
+    <a:lvl9pPr marL="0" marR="0" indent="0" algn="l" defTabSz="457200" rtl="0" fontAlgn="auto" latinLnBrk="0" hangingPunct="0">
       <a:lnSpc>
         <a:spcPct val="100000"/>
       </a:lnSpc>
@@ -300,7 +300,7 @@
       <a:buFontTx/>
       <a:buNone/>
       <a:tabLst/>
-      <a:defRPr kumimoji="0" sz="1800" b="0" i="0" u="none" strike="noStrike" cap="none" spc="0" normalizeH="0" baseline="0">
+      <a:defRPr b="0" baseline="0" cap="none" i="0" spc="0" strike="noStrike" sz="1800" u="none" kumimoji="0" normalizeH="0">
         <a:ln>
           <a:noFill/>
         </a:ln>
@@ -309,50 +309,23 @@
         </a:solidFill>
         <a:effectLst/>
         <a:uFillTx/>
-        <a:latin typeface="+mn-lt"/>
-        <a:ea typeface="+mn-ea"/>
-        <a:cs typeface="+mn-cs"/>
+        <a:latin typeface="+mj-lt"/>
+        <a:ea typeface="+mj-ea"/>
+        <a:cs typeface="+mj-cs"/>
         <a:sym typeface="Calibri"/>
       </a:defRPr>
     </a:lvl9pPr>
   </p:defaultTextStyle>
-  <p:extLst>
-    <p:ext uri="{EFAFB233-063F-42B5-8137-9DF3F51BA10A}">
-      <p15:sldGuideLst xmlns:p15="http://schemas.microsoft.com/office/powerpoint/2012/main">
-        <p15:guide id="1" orient="horz" pos="1620" userDrawn="1">
-          <p15:clr>
-            <a:srgbClr val="A4A3A4"/>
-          </p15:clr>
-        </p15:guide>
-        <p15:guide id="2" pos="2880" userDrawn="1">
-          <p15:clr>
-            <a:srgbClr val="A4A3A4"/>
-          </p15:clr>
-        </p15:guide>
-        <p15:guide id="3" pos="317" userDrawn="1">
-          <p15:clr>
-            <a:srgbClr val="A4A3A4"/>
-          </p15:clr>
-        </p15:guide>
-        <p15:guide id="4" pos="408" userDrawn="1">
-          <p15:clr>
-            <a:srgbClr val="A4A3A4"/>
-          </p15:clr>
-        </p15:guide>
-      </p15:sldGuideLst>
-    </p:ext>
-  </p:extLst>
 </p:presentation>
 </file>
 
+<file path=ppt/commentAuthors.xml><?xml version="1.0" encoding="utf-8"?>
+<p:cmAuthorLst xmlns:a="http://schemas.openxmlformats.org/drawingml/2006/main" xmlns:r="http://schemas.openxmlformats.org/officeDocument/2006/relationships" xmlns:p="http://schemas.openxmlformats.org/presentationml/2006/main" xmlns:m="http://schemas.openxmlformats.org/officeDocument/2006/math" xmlns:a14="http://schemas.microsoft.com/office/drawing/2010/main"/>
+</file>
+
 <file path=ppt/notesMasters/notesMaster1.xml><?xml version="1.0" encoding="utf-8"?>
-<p:notesMaster xmlns:a="http://schemas.openxmlformats.org/drawingml/2006/main" xmlns:r="http://schemas.openxmlformats.org/officeDocument/2006/relationships" xmlns:p="http://schemas.openxmlformats.org/presentationml/2006/main">
+<p:notesMaster xmlns:a="http://schemas.openxmlformats.org/drawingml/2006/main" xmlns:r="http://schemas.openxmlformats.org/officeDocument/2006/relationships" xmlns:p="http://schemas.openxmlformats.org/presentationml/2006/main" xmlns:m="http://schemas.openxmlformats.org/officeDocument/2006/math" xmlns:a14="http://schemas.microsoft.com/office/drawing/2010/main">
   <p:cSld>
-    <p:bg>
-      <p:bgRef idx="1001">
-        <a:schemeClr val="bg1"/>
-      </p:bgRef>
-    </p:bg>
     <p:spTree>
       <p:nvGrpSpPr>
         <p:cNvPr id="1" name=""/>
@@ -370,9 +343,7 @@
       <p:sp>
         <p:nvSpPr>
           <p:cNvPr id="109" name="Shape 109"/>
-          <p:cNvSpPr>
-            <a:spLocks noGrp="1" noRot="1" noChangeAspect="1"/>
-          </p:cNvSpPr>
+          <p:cNvSpPr/>
           <p:nvPr>
             <p:ph type="sldImg"/>
           </p:nvPr>
@@ -390,16 +361,14 @@
           <a:bodyPr/>
           <a:lstStyle/>
           <a:p>
-            <a:endParaRPr/>
+            <a:pPr/>
           </a:p>
         </p:txBody>
       </p:sp>
       <p:sp>
         <p:nvSpPr>
           <p:cNvPr id="110" name="Shape 110"/>
-          <p:cNvSpPr>
-            <a:spLocks noGrp="1"/>
-          </p:cNvSpPr>
+          <p:cNvSpPr/>
           <p:nvPr>
             <p:ph type="body" sz="quarter" idx="1"/>
           </p:nvPr>
@@ -417,7 +386,7 @@
           <a:bodyPr/>
           <a:lstStyle/>
           <a:p>
-            <a:endParaRPr/>
+            <a:pPr/>
           </a:p>
         </p:txBody>
       </p:sp>
@@ -427,73 +396,73 @@
   <p:notesStyle>
     <a:lvl1pPr latinLnBrk="0">
       <a:defRPr sz="1200">
-        <a:latin typeface="+mn-lt"/>
-        <a:ea typeface="+mn-ea"/>
-        <a:cs typeface="+mn-cs"/>
+        <a:latin typeface="+mj-lt"/>
+        <a:ea typeface="+mj-ea"/>
+        <a:cs typeface="+mj-cs"/>
         <a:sym typeface="Calibri"/>
       </a:defRPr>
     </a:lvl1pPr>
     <a:lvl2pPr indent="228600" latinLnBrk="0">
       <a:defRPr sz="1200">
-        <a:latin typeface="+mn-lt"/>
-        <a:ea typeface="+mn-ea"/>
-        <a:cs typeface="+mn-cs"/>
+        <a:latin typeface="+mj-lt"/>
+        <a:ea typeface="+mj-ea"/>
+        <a:cs typeface="+mj-cs"/>
         <a:sym typeface="Calibri"/>
       </a:defRPr>
     </a:lvl2pPr>
     <a:lvl3pPr indent="457200" latinLnBrk="0">
       <a:defRPr sz="1200">
-        <a:latin typeface="+mn-lt"/>
-        <a:ea typeface="+mn-ea"/>
-        <a:cs typeface="+mn-cs"/>
+        <a:latin typeface="+mj-lt"/>
+        <a:ea typeface="+mj-ea"/>
+        <a:cs typeface="+mj-cs"/>
         <a:sym typeface="Calibri"/>
       </a:defRPr>
     </a:lvl3pPr>
     <a:lvl4pPr indent="685800" latinLnBrk="0">
       <a:defRPr sz="1200">
-        <a:latin typeface="+mn-lt"/>
-        <a:ea typeface="+mn-ea"/>
-        <a:cs typeface="+mn-cs"/>
+        <a:latin typeface="+mj-lt"/>
+        <a:ea typeface="+mj-ea"/>
+        <a:cs typeface="+mj-cs"/>
         <a:sym typeface="Calibri"/>
       </a:defRPr>
     </a:lvl4pPr>
     <a:lvl5pPr indent="914400" latinLnBrk="0">
       <a:defRPr sz="1200">
-        <a:latin typeface="+mn-lt"/>
-        <a:ea typeface="+mn-ea"/>
-        <a:cs typeface="+mn-cs"/>
+        <a:latin typeface="+mj-lt"/>
+        <a:ea typeface="+mj-ea"/>
+        <a:cs typeface="+mj-cs"/>
         <a:sym typeface="Calibri"/>
       </a:defRPr>
     </a:lvl5pPr>
     <a:lvl6pPr indent="1143000" latinLnBrk="0">
       <a:defRPr sz="1200">
-        <a:latin typeface="+mn-lt"/>
-        <a:ea typeface="+mn-ea"/>
-        <a:cs typeface="+mn-cs"/>
+        <a:latin typeface="+mj-lt"/>
+        <a:ea typeface="+mj-ea"/>
+        <a:cs typeface="+mj-cs"/>
         <a:sym typeface="Calibri"/>
       </a:defRPr>
     </a:lvl6pPr>
     <a:lvl7pPr indent="1371600" latinLnBrk="0">
       <a:defRPr sz="1200">
-        <a:latin typeface="+mn-lt"/>
-        <a:ea typeface="+mn-ea"/>
-        <a:cs typeface="+mn-cs"/>
+        <a:latin typeface="+mj-lt"/>
+        <a:ea typeface="+mj-ea"/>
+        <a:cs typeface="+mj-cs"/>
         <a:sym typeface="Calibri"/>
       </a:defRPr>
     </a:lvl7pPr>
     <a:lvl8pPr indent="1600200" latinLnBrk="0">
       <a:defRPr sz="1200">
-        <a:latin typeface="+mn-lt"/>
-        <a:ea typeface="+mn-ea"/>
-        <a:cs typeface="+mn-cs"/>
+        <a:latin typeface="+mj-lt"/>
+        <a:ea typeface="+mj-ea"/>
+        <a:cs typeface="+mj-cs"/>
         <a:sym typeface="Calibri"/>
       </a:defRPr>
     </a:lvl8pPr>
     <a:lvl9pPr indent="1828800" latinLnBrk="0">
       <a:defRPr sz="1200">
-        <a:latin typeface="+mn-lt"/>
-        <a:ea typeface="+mn-ea"/>
-        <a:cs typeface="+mn-cs"/>
+        <a:latin typeface="+mj-lt"/>
+        <a:ea typeface="+mj-ea"/>
+        <a:cs typeface="+mj-cs"/>
         <a:sym typeface="Calibri"/>
       </a:defRPr>
     </a:lvl9pPr>
@@ -502,7 +471,7 @@
 </file>
 
 <file path=ppt/slideLayouts/slideLayout1.xml><?xml version="1.0" encoding="utf-8"?>
-<p:sldLayout xmlns:a="http://schemas.openxmlformats.org/drawingml/2006/main" xmlns:r="http://schemas.openxmlformats.org/officeDocument/2006/relationships" xmlns:p="http://schemas.openxmlformats.org/presentationml/2006/main" type="title">
+<p:sldLayout xmlns:a="http://schemas.openxmlformats.org/drawingml/2006/main" xmlns:r="http://schemas.openxmlformats.org/officeDocument/2006/relationships" xmlns:p="http://schemas.openxmlformats.org/presentationml/2006/main" xmlns:m="http://schemas.openxmlformats.org/officeDocument/2006/math" xmlns:a14="http://schemas.microsoft.com/office/drawing/2010/main" type="title" showMasterSp="1" showMasterPhAnim="1">
   <p:cSld name="Title Slide">
     <p:spTree>
       <p:nvGrpSpPr>
@@ -521,30 +490,21 @@
       <p:sp>
         <p:nvSpPr>
           <p:cNvPr id="11" name="Texto del título"/>
-          <p:cNvSpPr txBox="1">
-            <a:spLocks noGrp="1"/>
-          </p:cNvSpPr>
+          <p:cNvSpPr txBox="1"/>
           <p:nvPr>
             <p:ph type="title"/>
           </p:nvPr>
         </p:nvSpPr>
         <p:spPr>
-          <a:xfrm>
-            <a:off x="495300" y="2847975"/>
-            <a:ext cx="7772400" cy="933450"/>
-          </a:xfrm>
           <a:prstGeom prst="rect">
             <a:avLst/>
           </a:prstGeom>
         </p:spPr>
         <p:txBody>
           <a:bodyPr/>
-          <a:lstStyle>
-            <a:lvl1pPr>
-              <a:defRPr sz="7200" spc="-300"/>
-            </a:lvl1pPr>
-          </a:lstStyle>
-          <a:p>
+          <a:lstStyle/>
+          <a:p>
+            <a:pPr/>
             <a:r>
               <a:t>Texto del título</a:t>
             </a:r>
@@ -554,97 +514,21 @@
       <p:sp>
         <p:nvSpPr>
           <p:cNvPr id="12" name="Nivel de texto 1…"/>
-          <p:cNvSpPr txBox="1">
-            <a:spLocks noGrp="1"/>
-          </p:cNvSpPr>
+          <p:cNvSpPr txBox="1"/>
           <p:nvPr>
             <p:ph type="body" sz="quarter" idx="1"/>
           </p:nvPr>
         </p:nvSpPr>
         <p:spPr>
-          <a:xfrm>
-            <a:off x="533400" y="3657600"/>
-            <a:ext cx="8013700" cy="495300"/>
-          </a:xfrm>
           <a:prstGeom prst="rect">
             <a:avLst/>
           </a:prstGeom>
         </p:spPr>
         <p:txBody>
           <a:bodyPr/>
-          <a:lstStyle>
-            <a:lvl1pPr>
-              <a:spcBef>
-                <a:spcPts val="600"/>
-              </a:spcBef>
-              <a:defRPr sz="2800">
-                <a:solidFill>
-                  <a:srgbClr val="808080"/>
-                </a:solidFill>
-                <a:latin typeface="Neo Sans Std Light"/>
-                <a:ea typeface="Neo Sans Std Light"/>
-                <a:cs typeface="Neo Sans Std Light"/>
-                <a:sym typeface="Neo Sans Std Light"/>
-              </a:defRPr>
-            </a:lvl1pPr>
-            <a:lvl2pPr>
-              <a:spcBef>
-                <a:spcPts val="600"/>
-              </a:spcBef>
-              <a:defRPr sz="2800">
-                <a:solidFill>
-                  <a:srgbClr val="808080"/>
-                </a:solidFill>
-                <a:latin typeface="Neo Sans Std Light"/>
-                <a:ea typeface="Neo Sans Std Light"/>
-                <a:cs typeface="Neo Sans Std Light"/>
-                <a:sym typeface="Neo Sans Std Light"/>
-              </a:defRPr>
-            </a:lvl2pPr>
-            <a:lvl3pPr>
-              <a:spcBef>
-                <a:spcPts val="600"/>
-              </a:spcBef>
-              <a:defRPr sz="2800">
-                <a:solidFill>
-                  <a:srgbClr val="808080"/>
-                </a:solidFill>
-                <a:latin typeface="Neo Sans Std Light"/>
-                <a:ea typeface="Neo Sans Std Light"/>
-                <a:cs typeface="Neo Sans Std Light"/>
-                <a:sym typeface="Neo Sans Std Light"/>
-              </a:defRPr>
-            </a:lvl3pPr>
-            <a:lvl4pPr>
-              <a:spcBef>
-                <a:spcPts val="600"/>
-              </a:spcBef>
-              <a:defRPr sz="2800">
-                <a:solidFill>
-                  <a:srgbClr val="808080"/>
-                </a:solidFill>
-                <a:latin typeface="Neo Sans Std Light"/>
-                <a:ea typeface="Neo Sans Std Light"/>
-                <a:cs typeface="Neo Sans Std Light"/>
-                <a:sym typeface="Neo Sans Std Light"/>
-              </a:defRPr>
-            </a:lvl4pPr>
-            <a:lvl5pPr>
-              <a:spcBef>
-                <a:spcPts val="600"/>
-              </a:spcBef>
-              <a:defRPr sz="2800">
-                <a:solidFill>
-                  <a:srgbClr val="808080"/>
-                </a:solidFill>
-                <a:latin typeface="Neo Sans Std Light"/>
-                <a:ea typeface="Neo Sans Std Light"/>
-                <a:cs typeface="Neo Sans Std Light"/>
-                <a:sym typeface="Neo Sans Std Light"/>
-              </a:defRPr>
-            </a:lvl5pPr>
-          </a:lstStyle>
-          <a:p>
+          <a:lstStyle/>
+          <a:p>
+            <a:pPr/>
             <a:r>
               <a:t>Nivel de texto 1</a:t>
             </a:r>
@@ -678,34 +562,22 @@
       <p:sp>
         <p:nvSpPr>
           <p:cNvPr id="13" name="Número de diapositiva"/>
-          <p:cNvSpPr txBox="1">
-            <a:spLocks noGrp="1"/>
-          </p:cNvSpPr>
+          <p:cNvSpPr txBox="1"/>
           <p:nvPr>
             <p:ph type="sldNum" sz="quarter" idx="2"/>
           </p:nvPr>
         </p:nvSpPr>
         <p:spPr>
-          <a:xfrm>
-            <a:off x="4419600" y="4627562"/>
-            <a:ext cx="2133600" cy="279401"/>
-          </a:xfrm>
           <a:prstGeom prst="rect">
             <a:avLst/>
           </a:prstGeom>
         </p:spPr>
         <p:txBody>
-          <a:bodyPr anchor="ctr"/>
-          <a:lstStyle>
-            <a:lvl1pPr algn="r">
-              <a:defRPr sz="1200"/>
-            </a:lvl1pPr>
-          </a:lstStyle>
-          <a:p>
-            <a:fld id="{86CB4B4D-7CA3-9044-876B-883B54F8677D}" type="slidenum">
-              <a:t>‹Nº›</a:t>
-            </a:fld>
-            <a:endParaRPr/>
+          <a:bodyPr/>
+          <a:lstStyle/>
+          <a:p>
+            <a:pPr/>
+            <a:fld id="{86CB4B4D-7CA3-9044-876B-883B54F8677D}" type="slidenum"/>
           </a:p>
         </p:txBody>
       </p:sp>
@@ -714,12 +586,12 @@
   <p:clrMapOvr>
     <a:masterClrMapping/>
   </p:clrMapOvr>
-  <p:transition spd="med"/>
+  <p:transition xmlns:p14="http://schemas.microsoft.com/office/powerpoint/2010/main" spd="med" advClick="1"/>
 </p:sldLayout>
 </file>
 
 <file path=ppt/slideLayouts/slideLayout10.xml><?xml version="1.0" encoding="utf-8"?>
-<p:sldLayout xmlns:a="http://schemas.openxmlformats.org/drawingml/2006/main" xmlns:r="http://schemas.openxmlformats.org/officeDocument/2006/relationships" xmlns:p="http://schemas.openxmlformats.org/presentationml/2006/main" type="tx">
+<p:sldLayout xmlns:a="http://schemas.openxmlformats.org/drawingml/2006/main" xmlns:r="http://schemas.openxmlformats.org/officeDocument/2006/relationships" xmlns:p="http://schemas.openxmlformats.org/presentationml/2006/main" xmlns:m="http://schemas.openxmlformats.org/officeDocument/2006/math" xmlns:a14="http://schemas.microsoft.com/office/drawing/2010/main" type="tx" showMasterSp="1" showMasterPhAnim="1">
   <p:cSld name="Title and Vertical Text">
     <p:spTree>
       <p:nvGrpSpPr>
@@ -738,22 +610,29 @@
       <p:sp>
         <p:nvSpPr>
           <p:cNvPr id="92" name="Texto del título"/>
-          <p:cNvSpPr txBox="1">
-            <a:spLocks noGrp="1"/>
-          </p:cNvSpPr>
+          <p:cNvSpPr txBox="1"/>
           <p:nvPr>
             <p:ph type="title"/>
           </p:nvPr>
         </p:nvSpPr>
         <p:spPr>
+          <a:xfrm>
+            <a:off x="457200" y="1063228"/>
+            <a:ext cx="8229600" cy="857251"/>
+          </a:xfrm>
           <a:prstGeom prst="rect">
             <a:avLst/>
           </a:prstGeom>
         </p:spPr>
         <p:txBody>
           <a:bodyPr/>
-          <a:lstStyle/>
-          <a:p>
+          <a:lstStyle>
+            <a:lvl1pPr>
+              <a:defRPr spc="0" sz="5400"/>
+            </a:lvl1pPr>
+          </a:lstStyle>
+          <a:p>
+            <a:pPr/>
             <a:r>
               <a:t>Texto del título</a:t>
             </a:r>
@@ -763,9 +642,7 @@
       <p:sp>
         <p:nvSpPr>
           <p:cNvPr id="93" name="Nivel de texto 1…"/>
-          <p:cNvSpPr txBox="1">
-            <a:spLocks noGrp="1"/>
-          </p:cNvSpPr>
+          <p:cNvSpPr txBox="1"/>
           <p:nvPr>
             <p:ph type="body" sz="half" idx="1"/>
           </p:nvPr>
@@ -781,8 +658,80 @@
         </p:spPr>
         <p:txBody>
           <a:bodyPr/>
-          <a:lstStyle/>
-          <a:p>
+          <a:lstStyle>
+            <a:lvl1pPr>
+              <a:spcBef>
+                <a:spcPts val="700"/>
+              </a:spcBef>
+              <a:defRPr sz="3200">
+                <a:solidFill>
+                  <a:srgbClr val="000000"/>
+                </a:solidFill>
+                <a:latin typeface="NeoSansStd-Regular"/>
+                <a:ea typeface="NeoSansStd-Regular"/>
+                <a:cs typeface="NeoSansStd-Regular"/>
+                <a:sym typeface="NeoSansStd-Regular"/>
+              </a:defRPr>
+            </a:lvl1pPr>
+            <a:lvl2pPr>
+              <a:spcBef>
+                <a:spcPts val="700"/>
+              </a:spcBef>
+              <a:defRPr sz="3200">
+                <a:solidFill>
+                  <a:srgbClr val="000000"/>
+                </a:solidFill>
+                <a:latin typeface="NeoSansStd-Regular"/>
+                <a:ea typeface="NeoSansStd-Regular"/>
+                <a:cs typeface="NeoSansStd-Regular"/>
+                <a:sym typeface="NeoSansStd-Regular"/>
+              </a:defRPr>
+            </a:lvl2pPr>
+            <a:lvl3pPr>
+              <a:spcBef>
+                <a:spcPts val="700"/>
+              </a:spcBef>
+              <a:defRPr sz="3200">
+                <a:solidFill>
+                  <a:srgbClr val="000000"/>
+                </a:solidFill>
+                <a:latin typeface="NeoSansStd-Regular"/>
+                <a:ea typeface="NeoSansStd-Regular"/>
+                <a:cs typeface="NeoSansStd-Regular"/>
+                <a:sym typeface="NeoSansStd-Regular"/>
+              </a:defRPr>
+            </a:lvl3pPr>
+            <a:lvl4pPr>
+              <a:spcBef>
+                <a:spcPts val="700"/>
+              </a:spcBef>
+              <a:defRPr sz="3200">
+                <a:solidFill>
+                  <a:srgbClr val="000000"/>
+                </a:solidFill>
+                <a:latin typeface="NeoSansStd-Regular"/>
+                <a:ea typeface="NeoSansStd-Regular"/>
+                <a:cs typeface="NeoSansStd-Regular"/>
+                <a:sym typeface="NeoSansStd-Regular"/>
+              </a:defRPr>
+            </a:lvl4pPr>
+            <a:lvl5pPr>
+              <a:spcBef>
+                <a:spcPts val="700"/>
+              </a:spcBef>
+              <a:defRPr sz="3200">
+                <a:solidFill>
+                  <a:srgbClr val="000000"/>
+                </a:solidFill>
+                <a:latin typeface="NeoSansStd-Regular"/>
+                <a:ea typeface="NeoSansStd-Regular"/>
+                <a:cs typeface="NeoSansStd-Regular"/>
+                <a:sym typeface="NeoSansStd-Regular"/>
+              </a:defRPr>
+            </a:lvl5pPr>
+          </a:lstStyle>
+          <a:p>
+            <a:pPr/>
             <a:r>
               <a:t>Nivel de texto 1</a:t>
             </a:r>
@@ -816,26 +765,30 @@
       <p:sp>
         <p:nvSpPr>
           <p:cNvPr id="94" name="Número de diapositiva"/>
-          <p:cNvSpPr txBox="1">
-            <a:spLocks noGrp="1"/>
-          </p:cNvSpPr>
+          <p:cNvSpPr txBox="1"/>
           <p:nvPr>
             <p:ph type="sldNum" sz="quarter" idx="2"/>
           </p:nvPr>
         </p:nvSpPr>
         <p:spPr>
+          <a:xfrm>
+            <a:off x="6553200" y="4767262"/>
+            <a:ext cx="335864" cy="333086"/>
+          </a:xfrm>
           <a:prstGeom prst="rect">
             <a:avLst/>
           </a:prstGeom>
         </p:spPr>
         <p:txBody>
-          <a:bodyPr/>
-          <a:lstStyle/>
-          <a:p>
-            <a:fld id="{86CB4B4D-7CA3-9044-876B-883B54F8677D}" type="slidenum">
-              <a:t>‹Nº›</a:t>
-            </a:fld>
-            <a:endParaRPr/>
+          <a:bodyPr anchor="t"/>
+          <a:lstStyle>
+            <a:lvl1pPr algn="l">
+              <a:defRPr sz="1800"/>
+            </a:lvl1pPr>
+          </a:lstStyle>
+          <a:p>
+            <a:pPr/>
+            <a:fld id="{86CB4B4D-7CA3-9044-876B-883B54F8677D}" type="slidenum"/>
           </a:p>
         </p:txBody>
       </p:sp>
@@ -844,12 +797,12 @@
   <p:clrMapOvr>
     <a:masterClrMapping/>
   </p:clrMapOvr>
-  <p:transition spd="med"/>
+  <p:transition xmlns:p14="http://schemas.microsoft.com/office/powerpoint/2010/main" spd="med" advClick="1"/>
 </p:sldLayout>
 </file>
 
 <file path=ppt/slideLayouts/slideLayout11.xml><?xml version="1.0" encoding="utf-8"?>
-<p:sldLayout xmlns:a="http://schemas.openxmlformats.org/drawingml/2006/main" xmlns:r="http://schemas.openxmlformats.org/officeDocument/2006/relationships" xmlns:p="http://schemas.openxmlformats.org/presentationml/2006/main" type="tx">
+<p:sldLayout xmlns:a="http://schemas.openxmlformats.org/drawingml/2006/main" xmlns:r="http://schemas.openxmlformats.org/officeDocument/2006/relationships" xmlns:p="http://schemas.openxmlformats.org/presentationml/2006/main" xmlns:m="http://schemas.openxmlformats.org/officeDocument/2006/math" xmlns:a14="http://schemas.microsoft.com/office/drawing/2010/main" type="tx" showMasterSp="1" showMasterPhAnim="1">
   <p:cSld name="Vertical Title and Text">
     <p:spTree>
       <p:nvGrpSpPr>
@@ -868,9 +821,7 @@
       <p:sp>
         <p:nvSpPr>
           <p:cNvPr id="101" name="Texto del título"/>
-          <p:cNvSpPr txBox="1">
-            <a:spLocks noGrp="1"/>
-          </p:cNvSpPr>
+          <p:cNvSpPr txBox="1"/>
           <p:nvPr>
             <p:ph type="title"/>
           </p:nvPr>
@@ -878,7 +829,7 @@
         <p:spPr>
           <a:xfrm>
             <a:off x="6629400" y="205978"/>
-            <a:ext cx="2057400" cy="4388646"/>
+            <a:ext cx="2057400" cy="4388647"/>
           </a:xfrm>
           <a:prstGeom prst="rect">
             <a:avLst/>
@@ -886,8 +837,13 @@
         </p:spPr>
         <p:txBody>
           <a:bodyPr/>
-          <a:lstStyle/>
-          <a:p>
+          <a:lstStyle>
+            <a:lvl1pPr>
+              <a:defRPr spc="0" sz="5400"/>
+            </a:lvl1pPr>
+          </a:lstStyle>
+          <a:p>
+            <a:pPr/>
             <a:r>
               <a:t>Texto del título</a:t>
             </a:r>
@@ -897,9 +853,7 @@
       <p:sp>
         <p:nvSpPr>
           <p:cNvPr id="102" name="Nivel de texto 1…"/>
-          <p:cNvSpPr txBox="1">
-            <a:spLocks noGrp="1"/>
-          </p:cNvSpPr>
+          <p:cNvSpPr txBox="1"/>
           <p:nvPr>
             <p:ph type="body" idx="1"/>
           </p:nvPr>
@@ -907,7 +861,7 @@
         <p:spPr>
           <a:xfrm>
             <a:off x="457200" y="205978"/>
-            <a:ext cx="6019800" cy="4388646"/>
+            <a:ext cx="6019800" cy="4388647"/>
           </a:xfrm>
           <a:prstGeom prst="rect">
             <a:avLst/>
@@ -915,8 +869,80 @@
         </p:spPr>
         <p:txBody>
           <a:bodyPr/>
-          <a:lstStyle/>
-          <a:p>
+          <a:lstStyle>
+            <a:lvl1pPr>
+              <a:spcBef>
+                <a:spcPts val="700"/>
+              </a:spcBef>
+              <a:defRPr sz="3200">
+                <a:solidFill>
+                  <a:srgbClr val="000000"/>
+                </a:solidFill>
+                <a:latin typeface="NeoSansStd-Regular"/>
+                <a:ea typeface="NeoSansStd-Regular"/>
+                <a:cs typeface="NeoSansStd-Regular"/>
+                <a:sym typeface="NeoSansStd-Regular"/>
+              </a:defRPr>
+            </a:lvl1pPr>
+            <a:lvl2pPr>
+              <a:spcBef>
+                <a:spcPts val="700"/>
+              </a:spcBef>
+              <a:defRPr sz="3200">
+                <a:solidFill>
+                  <a:srgbClr val="000000"/>
+                </a:solidFill>
+                <a:latin typeface="NeoSansStd-Regular"/>
+                <a:ea typeface="NeoSansStd-Regular"/>
+                <a:cs typeface="NeoSansStd-Regular"/>
+                <a:sym typeface="NeoSansStd-Regular"/>
+              </a:defRPr>
+            </a:lvl2pPr>
+            <a:lvl3pPr>
+              <a:spcBef>
+                <a:spcPts val="700"/>
+              </a:spcBef>
+              <a:defRPr sz="3200">
+                <a:solidFill>
+                  <a:srgbClr val="000000"/>
+                </a:solidFill>
+                <a:latin typeface="NeoSansStd-Regular"/>
+                <a:ea typeface="NeoSansStd-Regular"/>
+                <a:cs typeface="NeoSansStd-Regular"/>
+                <a:sym typeface="NeoSansStd-Regular"/>
+              </a:defRPr>
+            </a:lvl3pPr>
+            <a:lvl4pPr>
+              <a:spcBef>
+                <a:spcPts val="700"/>
+              </a:spcBef>
+              <a:defRPr sz="3200">
+                <a:solidFill>
+                  <a:srgbClr val="000000"/>
+                </a:solidFill>
+                <a:latin typeface="NeoSansStd-Regular"/>
+                <a:ea typeface="NeoSansStd-Regular"/>
+                <a:cs typeface="NeoSansStd-Regular"/>
+                <a:sym typeface="NeoSansStd-Regular"/>
+              </a:defRPr>
+            </a:lvl4pPr>
+            <a:lvl5pPr>
+              <a:spcBef>
+                <a:spcPts val="700"/>
+              </a:spcBef>
+              <a:defRPr sz="3200">
+                <a:solidFill>
+                  <a:srgbClr val="000000"/>
+                </a:solidFill>
+                <a:latin typeface="NeoSansStd-Regular"/>
+                <a:ea typeface="NeoSansStd-Regular"/>
+                <a:cs typeface="NeoSansStd-Regular"/>
+                <a:sym typeface="NeoSansStd-Regular"/>
+              </a:defRPr>
+            </a:lvl5pPr>
+          </a:lstStyle>
+          <a:p>
+            <a:pPr/>
             <a:r>
               <a:t>Nivel de texto 1</a:t>
             </a:r>
@@ -950,26 +976,30 @@
       <p:sp>
         <p:nvSpPr>
           <p:cNvPr id="103" name="Número de diapositiva"/>
-          <p:cNvSpPr txBox="1">
-            <a:spLocks noGrp="1"/>
-          </p:cNvSpPr>
+          <p:cNvSpPr txBox="1"/>
           <p:nvPr>
             <p:ph type="sldNum" sz="quarter" idx="2"/>
           </p:nvPr>
         </p:nvSpPr>
         <p:spPr>
+          <a:xfrm>
+            <a:off x="6553200" y="4767262"/>
+            <a:ext cx="335864" cy="333086"/>
+          </a:xfrm>
           <a:prstGeom prst="rect">
             <a:avLst/>
           </a:prstGeom>
         </p:spPr>
         <p:txBody>
-          <a:bodyPr/>
-          <a:lstStyle/>
-          <a:p>
-            <a:fld id="{86CB4B4D-7CA3-9044-876B-883B54F8677D}" type="slidenum">
-              <a:t>‹Nº›</a:t>
-            </a:fld>
-            <a:endParaRPr/>
+          <a:bodyPr anchor="t"/>
+          <a:lstStyle>
+            <a:lvl1pPr algn="l">
+              <a:defRPr sz="1800"/>
+            </a:lvl1pPr>
+          </a:lstStyle>
+          <a:p>
+            <a:pPr/>
+            <a:fld id="{86CB4B4D-7CA3-9044-876B-883B54F8677D}" type="slidenum"/>
           </a:p>
         </p:txBody>
       </p:sp>
@@ -978,12 +1008,12 @@
   <p:clrMapOvr>
     <a:masterClrMapping/>
   </p:clrMapOvr>
-  <p:transition spd="med"/>
+  <p:transition xmlns:p14="http://schemas.microsoft.com/office/powerpoint/2010/main" spd="med" advClick="1"/>
 </p:sldLayout>
 </file>
 
 <file path=ppt/slideLayouts/slideLayout2.xml><?xml version="1.0" encoding="utf-8"?>
-<p:sldLayout xmlns:a="http://schemas.openxmlformats.org/drawingml/2006/main" xmlns:r="http://schemas.openxmlformats.org/officeDocument/2006/relationships" xmlns:p="http://schemas.openxmlformats.org/presentationml/2006/main" type="tx">
+<p:sldLayout xmlns:a="http://schemas.openxmlformats.org/drawingml/2006/main" xmlns:r="http://schemas.openxmlformats.org/officeDocument/2006/relationships" xmlns:p="http://schemas.openxmlformats.org/presentationml/2006/main" xmlns:m="http://schemas.openxmlformats.org/officeDocument/2006/math" xmlns:a14="http://schemas.microsoft.com/office/drawing/2010/main" type="tx" showMasterSp="1" showMasterPhAnim="1">
   <p:cSld name="Title and Content">
     <p:spTree>
       <p:nvGrpSpPr>
@@ -1002,22 +1032,29 @@
       <p:sp>
         <p:nvSpPr>
           <p:cNvPr id="20" name="Texto del título"/>
-          <p:cNvSpPr txBox="1">
-            <a:spLocks noGrp="1"/>
-          </p:cNvSpPr>
+          <p:cNvSpPr txBox="1"/>
           <p:nvPr>
             <p:ph type="title"/>
           </p:nvPr>
         </p:nvSpPr>
         <p:spPr>
+          <a:xfrm>
+            <a:off x="457200" y="1063228"/>
+            <a:ext cx="8229600" cy="857251"/>
+          </a:xfrm>
           <a:prstGeom prst="rect">
             <a:avLst/>
           </a:prstGeom>
         </p:spPr>
         <p:txBody>
           <a:bodyPr/>
-          <a:lstStyle/>
-          <a:p>
+          <a:lstStyle>
+            <a:lvl1pPr>
+              <a:defRPr spc="0" sz="5400"/>
+            </a:lvl1pPr>
+          </a:lstStyle>
+          <a:p>
+            <a:pPr/>
             <a:r>
               <a:t>Texto del título</a:t>
             </a:r>
@@ -1027,9 +1064,7 @@
       <p:sp>
         <p:nvSpPr>
           <p:cNvPr id="21" name="Nivel de texto 1…"/>
-          <p:cNvSpPr txBox="1">
-            <a:spLocks noGrp="1"/>
-          </p:cNvSpPr>
+          <p:cNvSpPr txBox="1"/>
           <p:nvPr>
             <p:ph type="body" sz="half" idx="1"/>
           </p:nvPr>
@@ -1045,8 +1080,80 @@
         </p:spPr>
         <p:txBody>
           <a:bodyPr/>
-          <a:lstStyle/>
-          <a:p>
+          <a:lstStyle>
+            <a:lvl1pPr>
+              <a:spcBef>
+                <a:spcPts val="700"/>
+              </a:spcBef>
+              <a:defRPr sz="3200">
+                <a:solidFill>
+                  <a:srgbClr val="000000"/>
+                </a:solidFill>
+                <a:latin typeface="NeoSansStd-Regular"/>
+                <a:ea typeface="NeoSansStd-Regular"/>
+                <a:cs typeface="NeoSansStd-Regular"/>
+                <a:sym typeface="NeoSansStd-Regular"/>
+              </a:defRPr>
+            </a:lvl1pPr>
+            <a:lvl2pPr>
+              <a:spcBef>
+                <a:spcPts val="700"/>
+              </a:spcBef>
+              <a:defRPr sz="3200">
+                <a:solidFill>
+                  <a:srgbClr val="000000"/>
+                </a:solidFill>
+                <a:latin typeface="NeoSansStd-Regular"/>
+                <a:ea typeface="NeoSansStd-Regular"/>
+                <a:cs typeface="NeoSansStd-Regular"/>
+                <a:sym typeface="NeoSansStd-Regular"/>
+              </a:defRPr>
+            </a:lvl2pPr>
+            <a:lvl3pPr>
+              <a:spcBef>
+                <a:spcPts val="700"/>
+              </a:spcBef>
+              <a:defRPr sz="3200">
+                <a:solidFill>
+                  <a:srgbClr val="000000"/>
+                </a:solidFill>
+                <a:latin typeface="NeoSansStd-Regular"/>
+                <a:ea typeface="NeoSansStd-Regular"/>
+                <a:cs typeface="NeoSansStd-Regular"/>
+                <a:sym typeface="NeoSansStd-Regular"/>
+              </a:defRPr>
+            </a:lvl3pPr>
+            <a:lvl4pPr>
+              <a:spcBef>
+                <a:spcPts val="700"/>
+              </a:spcBef>
+              <a:defRPr sz="3200">
+                <a:solidFill>
+                  <a:srgbClr val="000000"/>
+                </a:solidFill>
+                <a:latin typeface="NeoSansStd-Regular"/>
+                <a:ea typeface="NeoSansStd-Regular"/>
+                <a:cs typeface="NeoSansStd-Regular"/>
+                <a:sym typeface="NeoSansStd-Regular"/>
+              </a:defRPr>
+            </a:lvl4pPr>
+            <a:lvl5pPr>
+              <a:spcBef>
+                <a:spcPts val="700"/>
+              </a:spcBef>
+              <a:defRPr sz="3200">
+                <a:solidFill>
+                  <a:srgbClr val="000000"/>
+                </a:solidFill>
+                <a:latin typeface="NeoSansStd-Regular"/>
+                <a:ea typeface="NeoSansStd-Regular"/>
+                <a:cs typeface="NeoSansStd-Regular"/>
+                <a:sym typeface="NeoSansStd-Regular"/>
+              </a:defRPr>
+            </a:lvl5pPr>
+          </a:lstStyle>
+          <a:p>
+            <a:pPr/>
             <a:r>
               <a:t>Nivel de texto 1</a:t>
             </a:r>
@@ -1080,26 +1187,30 @@
       <p:sp>
         <p:nvSpPr>
           <p:cNvPr id="22" name="Número de diapositiva"/>
-          <p:cNvSpPr txBox="1">
-            <a:spLocks noGrp="1"/>
-          </p:cNvSpPr>
+          <p:cNvSpPr txBox="1"/>
           <p:nvPr>
             <p:ph type="sldNum" sz="quarter" idx="2"/>
           </p:nvPr>
         </p:nvSpPr>
         <p:spPr>
+          <a:xfrm>
+            <a:off x="6553200" y="4767262"/>
+            <a:ext cx="335864" cy="333086"/>
+          </a:xfrm>
           <a:prstGeom prst="rect">
             <a:avLst/>
           </a:prstGeom>
         </p:spPr>
         <p:txBody>
-          <a:bodyPr/>
-          <a:lstStyle/>
-          <a:p>
-            <a:fld id="{86CB4B4D-7CA3-9044-876B-883B54F8677D}" type="slidenum">
-              <a:t>‹Nº›</a:t>
-            </a:fld>
-            <a:endParaRPr/>
+          <a:bodyPr anchor="t"/>
+          <a:lstStyle>
+            <a:lvl1pPr algn="l">
+              <a:defRPr sz="1800"/>
+            </a:lvl1pPr>
+          </a:lstStyle>
+          <a:p>
+            <a:pPr/>
+            <a:fld id="{86CB4B4D-7CA3-9044-876B-883B54F8677D}" type="slidenum"/>
           </a:p>
         </p:txBody>
       </p:sp>
@@ -1108,12 +1219,12 @@
   <p:clrMapOvr>
     <a:masterClrMapping/>
   </p:clrMapOvr>
-  <p:transition spd="med"/>
+  <p:transition xmlns:p14="http://schemas.microsoft.com/office/powerpoint/2010/main" spd="med" advClick="1"/>
 </p:sldLayout>
 </file>
 
 <file path=ppt/slideLayouts/slideLayout3.xml><?xml version="1.0" encoding="utf-8"?>
-<p:sldLayout xmlns:a="http://schemas.openxmlformats.org/drawingml/2006/main" xmlns:r="http://schemas.openxmlformats.org/officeDocument/2006/relationships" xmlns:p="http://schemas.openxmlformats.org/presentationml/2006/main" type="tx">
+<p:sldLayout xmlns:a="http://schemas.openxmlformats.org/drawingml/2006/main" xmlns:r="http://schemas.openxmlformats.org/officeDocument/2006/relationships" xmlns:p="http://schemas.openxmlformats.org/presentationml/2006/main" xmlns:m="http://schemas.openxmlformats.org/officeDocument/2006/math" xmlns:a14="http://schemas.microsoft.com/office/drawing/2010/main" type="tx" showMasterSp="1" showMasterPhAnim="1">
   <p:cSld name="Section Header">
     <p:spTree>
       <p:nvGrpSpPr>
@@ -1132,9 +1243,7 @@
       <p:sp>
         <p:nvSpPr>
           <p:cNvPr id="29" name="Texto del título"/>
-          <p:cNvSpPr txBox="1">
-            <a:spLocks noGrp="1"/>
-          </p:cNvSpPr>
+          <p:cNvSpPr txBox="1"/>
           <p:nvPr>
             <p:ph type="title"/>
           </p:nvPr>
@@ -1142,7 +1251,7 @@
         <p:spPr>
           <a:xfrm>
             <a:off x="722312" y="3305176"/>
-            <a:ext cx="7772401" cy="1021557"/>
+            <a:ext cx="7772401" cy="1021558"/>
           </a:xfrm>
           <a:prstGeom prst="rect">
             <a:avLst/>
@@ -1152,10 +1261,16 @@
           <a:bodyPr anchor="t"/>
           <a:lstStyle>
             <a:lvl1pPr>
-              <a:defRPr sz="4000" b="1" cap="all"/>
+              <a:defRPr cap="all" spc="0" sz="4000">
+                <a:latin typeface="Neo Sans Std Medium"/>
+                <a:ea typeface="Neo Sans Std Medium"/>
+                <a:cs typeface="Neo Sans Std Medium"/>
+                <a:sym typeface="Neo Sans Std Medium"/>
+              </a:defRPr>
             </a:lvl1pPr>
           </a:lstStyle>
           <a:p>
+            <a:pPr/>
             <a:r>
               <a:t>Texto del título</a:t>
             </a:r>
@@ -1165,17 +1280,15 @@
       <p:sp>
         <p:nvSpPr>
           <p:cNvPr id="30" name="Nivel de texto 1…"/>
-          <p:cNvSpPr txBox="1">
-            <a:spLocks noGrp="1"/>
-          </p:cNvSpPr>
+          <p:cNvSpPr txBox="1"/>
           <p:nvPr>
             <p:ph type="body" sz="quarter" idx="1"/>
           </p:nvPr>
         </p:nvSpPr>
         <p:spPr>
           <a:xfrm>
-            <a:off x="722312" y="2180034"/>
-            <a:ext cx="7772401" cy="1125141"/>
+            <a:off x="722312" y="2180033"/>
+            <a:ext cx="7772401" cy="1125142"/>
           </a:xfrm>
           <a:prstGeom prst="rect">
             <a:avLst/>
@@ -1192,6 +1305,10 @@
                 <a:solidFill>
                   <a:srgbClr val="888888"/>
                 </a:solidFill>
+                <a:latin typeface="NeoSansStd-Regular"/>
+                <a:ea typeface="NeoSansStd-Regular"/>
+                <a:cs typeface="NeoSansStd-Regular"/>
+                <a:sym typeface="NeoSansStd-Regular"/>
               </a:defRPr>
             </a:lvl1pPr>
             <a:lvl2pPr>
@@ -1202,6 +1319,10 @@
                 <a:solidFill>
                   <a:srgbClr val="888888"/>
                 </a:solidFill>
+                <a:latin typeface="NeoSansStd-Regular"/>
+                <a:ea typeface="NeoSansStd-Regular"/>
+                <a:cs typeface="NeoSansStd-Regular"/>
+                <a:sym typeface="NeoSansStd-Regular"/>
               </a:defRPr>
             </a:lvl2pPr>
             <a:lvl3pPr>
@@ -1212,6 +1333,10 @@
                 <a:solidFill>
                   <a:srgbClr val="888888"/>
                 </a:solidFill>
+                <a:latin typeface="NeoSansStd-Regular"/>
+                <a:ea typeface="NeoSansStd-Regular"/>
+                <a:cs typeface="NeoSansStd-Regular"/>
+                <a:sym typeface="NeoSansStd-Regular"/>
               </a:defRPr>
             </a:lvl3pPr>
             <a:lvl4pPr>
@@ -1222,6 +1347,10 @@
                 <a:solidFill>
                   <a:srgbClr val="888888"/>
                 </a:solidFill>
+                <a:latin typeface="NeoSansStd-Regular"/>
+                <a:ea typeface="NeoSansStd-Regular"/>
+                <a:cs typeface="NeoSansStd-Regular"/>
+                <a:sym typeface="NeoSansStd-Regular"/>
               </a:defRPr>
             </a:lvl4pPr>
             <a:lvl5pPr>
@@ -1232,10 +1361,15 @@
                 <a:solidFill>
                   <a:srgbClr val="888888"/>
                 </a:solidFill>
+                <a:latin typeface="NeoSansStd-Regular"/>
+                <a:ea typeface="NeoSansStd-Regular"/>
+                <a:cs typeface="NeoSansStd-Regular"/>
+                <a:sym typeface="NeoSansStd-Regular"/>
               </a:defRPr>
             </a:lvl5pPr>
           </a:lstStyle>
           <a:p>
+            <a:pPr/>
             <a:r>
               <a:t>Nivel de texto 1</a:t>
             </a:r>
@@ -1269,26 +1403,30 @@
       <p:sp>
         <p:nvSpPr>
           <p:cNvPr id="31" name="Número de diapositiva"/>
-          <p:cNvSpPr txBox="1">
-            <a:spLocks noGrp="1"/>
-          </p:cNvSpPr>
+          <p:cNvSpPr txBox="1"/>
           <p:nvPr>
             <p:ph type="sldNum" sz="quarter" idx="2"/>
           </p:nvPr>
         </p:nvSpPr>
         <p:spPr>
+          <a:xfrm>
+            <a:off x="6553200" y="4767262"/>
+            <a:ext cx="335864" cy="333086"/>
+          </a:xfrm>
           <a:prstGeom prst="rect">
             <a:avLst/>
           </a:prstGeom>
         </p:spPr>
         <p:txBody>
-          <a:bodyPr/>
-          <a:lstStyle/>
-          <a:p>
-            <a:fld id="{86CB4B4D-7CA3-9044-876B-883B54F8677D}" type="slidenum">
-              <a:t>‹Nº›</a:t>
-            </a:fld>
-            <a:endParaRPr/>
+          <a:bodyPr anchor="t"/>
+          <a:lstStyle>
+            <a:lvl1pPr algn="l">
+              <a:defRPr sz="1800"/>
+            </a:lvl1pPr>
+          </a:lstStyle>
+          <a:p>
+            <a:pPr/>
+            <a:fld id="{86CB4B4D-7CA3-9044-876B-883B54F8677D}" type="slidenum"/>
           </a:p>
         </p:txBody>
       </p:sp>
@@ -1297,12 +1435,12 @@
   <p:clrMapOvr>
     <a:masterClrMapping/>
   </p:clrMapOvr>
-  <p:transition spd="med"/>
+  <p:transition xmlns:p14="http://schemas.microsoft.com/office/powerpoint/2010/main" spd="med" advClick="1"/>
 </p:sldLayout>
 </file>
 
 <file path=ppt/slideLayouts/slideLayout4.xml><?xml version="1.0" encoding="utf-8"?>
-<p:sldLayout xmlns:a="http://schemas.openxmlformats.org/drawingml/2006/main" xmlns:r="http://schemas.openxmlformats.org/officeDocument/2006/relationships" xmlns:p="http://schemas.openxmlformats.org/presentationml/2006/main" type="tx">
+<p:sldLayout xmlns:a="http://schemas.openxmlformats.org/drawingml/2006/main" xmlns:r="http://schemas.openxmlformats.org/officeDocument/2006/relationships" xmlns:p="http://schemas.openxmlformats.org/presentationml/2006/main" xmlns:m="http://schemas.openxmlformats.org/officeDocument/2006/math" xmlns:a14="http://schemas.microsoft.com/office/drawing/2010/main" type="tx" showMasterSp="1" showMasterPhAnim="1">
   <p:cSld name="Two Content">
     <p:spTree>
       <p:nvGrpSpPr>
@@ -1321,42 +1459,15 @@
       <p:sp>
         <p:nvSpPr>
           <p:cNvPr id="38" name="Texto del título"/>
-          <p:cNvSpPr txBox="1">
-            <a:spLocks noGrp="1"/>
-          </p:cNvSpPr>
+          <p:cNvSpPr txBox="1"/>
           <p:nvPr>
             <p:ph type="title"/>
           </p:nvPr>
         </p:nvSpPr>
         <p:spPr>
-          <a:prstGeom prst="rect">
-            <a:avLst/>
-          </a:prstGeom>
-        </p:spPr>
-        <p:txBody>
-          <a:bodyPr/>
-          <a:lstStyle/>
-          <a:p>
-            <a:r>
-              <a:t>Texto del título</a:t>
-            </a:r>
-          </a:p>
-        </p:txBody>
-      </p:sp>
-      <p:sp>
-        <p:nvSpPr>
-          <p:cNvPr id="39" name="Nivel de texto 1…"/>
-          <p:cNvSpPr txBox="1">
-            <a:spLocks noGrp="1"/>
-          </p:cNvSpPr>
-          <p:nvPr>
-            <p:ph type="body" sz="half" idx="1"/>
-          </p:nvPr>
-        </p:nvSpPr>
-        <p:spPr>
           <a:xfrm>
-            <a:off x="457200" y="1200150"/>
-            <a:ext cx="4038600" cy="3394473"/>
+            <a:off x="457200" y="1063228"/>
+            <a:ext cx="8229600" cy="857251"/>
           </a:xfrm>
           <a:prstGeom prst="rect">
             <a:avLst/>
@@ -1366,90 +1477,152 @@
           <a:bodyPr/>
           <a:lstStyle>
             <a:lvl1pPr>
-              <a:spcBef>
-                <a:spcPts val="600"/>
-              </a:spcBef>
-              <a:defRPr sz="2800"/>
+              <a:defRPr spc="0" sz="5400"/>
             </a:lvl1pPr>
-            <a:lvl2pPr>
-              <a:spcBef>
-                <a:spcPts val="600"/>
-              </a:spcBef>
-              <a:defRPr sz="2800"/>
-            </a:lvl2pPr>
-            <a:lvl3pPr>
-              <a:spcBef>
-                <a:spcPts val="600"/>
-              </a:spcBef>
-              <a:defRPr sz="2800"/>
-            </a:lvl3pPr>
-            <a:lvl4pPr>
-              <a:spcBef>
-                <a:spcPts val="600"/>
-              </a:spcBef>
-              <a:defRPr sz="2800"/>
-            </a:lvl4pPr>
-            <a:lvl5pPr>
-              <a:spcBef>
-                <a:spcPts val="600"/>
-              </a:spcBef>
-              <a:defRPr sz="2800"/>
-            </a:lvl5pPr>
           </a:lstStyle>
           <a:p>
-            <a:r>
-              <a:t>Nivel de texto 1</a:t>
-            </a:r>
-          </a:p>
-          <a:p>
-            <a:pPr lvl="1"/>
-            <a:r>
-              <a:t>Nivel de texto 2</a:t>
-            </a:r>
-          </a:p>
-          <a:p>
-            <a:pPr lvl="2"/>
-            <a:r>
-              <a:t>Nivel de texto 3</a:t>
-            </a:r>
-          </a:p>
-          <a:p>
-            <a:pPr lvl="3"/>
-            <a:r>
-              <a:t>Nivel de texto 4</a:t>
-            </a:r>
-          </a:p>
-          <a:p>
-            <a:pPr lvl="4"/>
-            <a:r>
-              <a:t>Nivel de texto 5</a:t>
+            <a:pPr/>
+            <a:r>
+              <a:t>Texto del título</a:t>
             </a:r>
           </a:p>
         </p:txBody>
       </p:sp>
       <p:sp>
         <p:nvSpPr>
-          <p:cNvPr id="40" name="Número de diapositiva"/>
-          <p:cNvSpPr txBox="1">
-            <a:spLocks noGrp="1"/>
-          </p:cNvSpPr>
+          <p:cNvPr id="39" name="Nivel de texto 1…"/>
+          <p:cNvSpPr txBox="1"/>
           <p:nvPr>
-            <p:ph type="sldNum" sz="quarter" idx="2"/>
+            <p:ph type="body" sz="half" idx="1"/>
           </p:nvPr>
         </p:nvSpPr>
         <p:spPr>
+          <a:xfrm>
+            <a:off x="457200" y="1200150"/>
+            <a:ext cx="4038600" cy="3394474"/>
+          </a:xfrm>
           <a:prstGeom prst="rect">
             <a:avLst/>
           </a:prstGeom>
         </p:spPr>
         <p:txBody>
           <a:bodyPr/>
-          <a:lstStyle/>
-          <a:p>
-            <a:fld id="{86CB4B4D-7CA3-9044-876B-883B54F8677D}" type="slidenum">
-              <a:t>‹Nº›</a:t>
-            </a:fld>
-            <a:endParaRPr/>
+          <a:lstStyle>
+            <a:lvl1pPr>
+              <a:defRPr>
+                <a:solidFill>
+                  <a:srgbClr val="000000"/>
+                </a:solidFill>
+                <a:latin typeface="NeoSansStd-Regular"/>
+                <a:ea typeface="NeoSansStd-Regular"/>
+                <a:cs typeface="NeoSansStd-Regular"/>
+                <a:sym typeface="NeoSansStd-Regular"/>
+              </a:defRPr>
+            </a:lvl1pPr>
+            <a:lvl2pPr>
+              <a:defRPr>
+                <a:solidFill>
+                  <a:srgbClr val="000000"/>
+                </a:solidFill>
+                <a:latin typeface="NeoSansStd-Regular"/>
+                <a:ea typeface="NeoSansStd-Regular"/>
+                <a:cs typeface="NeoSansStd-Regular"/>
+                <a:sym typeface="NeoSansStd-Regular"/>
+              </a:defRPr>
+            </a:lvl2pPr>
+            <a:lvl3pPr>
+              <a:defRPr>
+                <a:solidFill>
+                  <a:srgbClr val="000000"/>
+                </a:solidFill>
+                <a:latin typeface="NeoSansStd-Regular"/>
+                <a:ea typeface="NeoSansStd-Regular"/>
+                <a:cs typeface="NeoSansStd-Regular"/>
+                <a:sym typeface="NeoSansStd-Regular"/>
+              </a:defRPr>
+            </a:lvl3pPr>
+            <a:lvl4pPr>
+              <a:defRPr>
+                <a:solidFill>
+                  <a:srgbClr val="000000"/>
+                </a:solidFill>
+                <a:latin typeface="NeoSansStd-Regular"/>
+                <a:ea typeface="NeoSansStd-Regular"/>
+                <a:cs typeface="NeoSansStd-Regular"/>
+                <a:sym typeface="NeoSansStd-Regular"/>
+              </a:defRPr>
+            </a:lvl4pPr>
+            <a:lvl5pPr>
+              <a:defRPr>
+                <a:solidFill>
+                  <a:srgbClr val="000000"/>
+                </a:solidFill>
+                <a:latin typeface="NeoSansStd-Regular"/>
+                <a:ea typeface="NeoSansStd-Regular"/>
+                <a:cs typeface="NeoSansStd-Regular"/>
+                <a:sym typeface="NeoSansStd-Regular"/>
+              </a:defRPr>
+            </a:lvl5pPr>
+          </a:lstStyle>
+          <a:p>
+            <a:pPr/>
+            <a:r>
+              <a:t>Nivel de texto 1</a:t>
+            </a:r>
+          </a:p>
+          <a:p>
+            <a:pPr lvl="1"/>
+            <a:r>
+              <a:t>Nivel de texto 2</a:t>
+            </a:r>
+          </a:p>
+          <a:p>
+            <a:pPr lvl="2"/>
+            <a:r>
+              <a:t>Nivel de texto 3</a:t>
+            </a:r>
+          </a:p>
+          <a:p>
+            <a:pPr lvl="3"/>
+            <a:r>
+              <a:t>Nivel de texto 4</a:t>
+            </a:r>
+          </a:p>
+          <a:p>
+            <a:pPr lvl="4"/>
+            <a:r>
+              <a:t>Nivel de texto 5</a:t>
+            </a:r>
+          </a:p>
+        </p:txBody>
+      </p:sp>
+      <p:sp>
+        <p:nvSpPr>
+          <p:cNvPr id="40" name="Número de diapositiva"/>
+          <p:cNvSpPr txBox="1"/>
+          <p:nvPr>
+            <p:ph type="sldNum" sz="quarter" idx="2"/>
+          </p:nvPr>
+        </p:nvSpPr>
+        <p:spPr>
+          <a:xfrm>
+            <a:off x="6553200" y="4767262"/>
+            <a:ext cx="335864" cy="333086"/>
+          </a:xfrm>
+          <a:prstGeom prst="rect">
+            <a:avLst/>
+          </a:prstGeom>
+        </p:spPr>
+        <p:txBody>
+          <a:bodyPr anchor="t"/>
+          <a:lstStyle>
+            <a:lvl1pPr algn="l">
+              <a:defRPr sz="1800"/>
+            </a:lvl1pPr>
+          </a:lstStyle>
+          <a:p>
+            <a:pPr/>
+            <a:fld id="{86CB4B4D-7CA3-9044-876B-883B54F8677D}" type="slidenum"/>
           </a:p>
         </p:txBody>
       </p:sp>
@@ -1458,12 +1631,12 @@
   <p:clrMapOvr>
     <a:masterClrMapping/>
   </p:clrMapOvr>
-  <p:transition spd="med"/>
+  <p:transition xmlns:p14="http://schemas.microsoft.com/office/powerpoint/2010/main" spd="med" advClick="1"/>
 </p:sldLayout>
 </file>
 
 <file path=ppt/slideLayouts/slideLayout5.xml><?xml version="1.0" encoding="utf-8"?>
-<p:sldLayout xmlns:a="http://schemas.openxmlformats.org/drawingml/2006/main" xmlns:r="http://schemas.openxmlformats.org/officeDocument/2006/relationships" xmlns:p="http://schemas.openxmlformats.org/presentationml/2006/main" type="tx">
+<p:sldLayout xmlns:a="http://schemas.openxmlformats.org/drawingml/2006/main" xmlns:r="http://schemas.openxmlformats.org/officeDocument/2006/relationships" xmlns:p="http://schemas.openxmlformats.org/presentationml/2006/main" xmlns:m="http://schemas.openxmlformats.org/officeDocument/2006/math" xmlns:a14="http://schemas.microsoft.com/office/drawing/2010/main" type="tx" showMasterSp="1" showMasterPhAnim="1">
   <p:cSld name="Comparison">
     <p:spTree>
       <p:nvGrpSpPr>
@@ -1482,22 +1655,29 @@
       <p:sp>
         <p:nvSpPr>
           <p:cNvPr id="47" name="Texto del título"/>
-          <p:cNvSpPr txBox="1">
-            <a:spLocks noGrp="1"/>
-          </p:cNvSpPr>
+          <p:cNvSpPr txBox="1"/>
           <p:nvPr>
             <p:ph type="title"/>
           </p:nvPr>
         </p:nvSpPr>
         <p:spPr>
+          <a:xfrm>
+            <a:off x="457200" y="1063228"/>
+            <a:ext cx="8229600" cy="857251"/>
+          </a:xfrm>
           <a:prstGeom prst="rect">
             <a:avLst/>
           </a:prstGeom>
         </p:spPr>
         <p:txBody>
           <a:bodyPr/>
-          <a:lstStyle/>
-          <a:p>
+          <a:lstStyle>
+            <a:lvl1pPr>
+              <a:defRPr spc="0" sz="5400"/>
+            </a:lvl1pPr>
+          </a:lstStyle>
+          <a:p>
+            <a:pPr/>
             <a:r>
               <a:t>Texto del título</a:t>
             </a:r>
@@ -1507,17 +1687,15 @@
       <p:sp>
         <p:nvSpPr>
           <p:cNvPr id="48" name="Nivel de texto 1…"/>
-          <p:cNvSpPr txBox="1">
-            <a:spLocks noGrp="1"/>
-          </p:cNvSpPr>
+          <p:cNvSpPr txBox="1"/>
           <p:nvPr>
             <p:ph type="body" sz="quarter" idx="1"/>
           </p:nvPr>
         </p:nvSpPr>
         <p:spPr>
           <a:xfrm>
-            <a:off x="457200" y="1151334"/>
-            <a:ext cx="4040188" cy="479823"/>
+            <a:off x="457200" y="1151333"/>
+            <a:ext cx="4040188" cy="479824"/>
           </a:xfrm>
           <a:prstGeom prst="rect">
             <a:avLst/>
@@ -1530,34 +1708,75 @@
               <a:spcBef>
                 <a:spcPts val="500"/>
               </a:spcBef>
-              <a:defRPr sz="2400" b="1"/>
+              <a:defRPr sz="2400">
+                <a:solidFill>
+                  <a:srgbClr val="000000"/>
+                </a:solidFill>
+                <a:latin typeface="NeoSansStd-Bold"/>
+                <a:ea typeface="NeoSansStd-Bold"/>
+                <a:cs typeface="NeoSansStd-Bold"/>
+                <a:sym typeface="NeoSansStd-Bold"/>
+              </a:defRPr>
             </a:lvl1pPr>
             <a:lvl2pPr>
               <a:spcBef>
                 <a:spcPts val="500"/>
               </a:spcBef>
-              <a:defRPr sz="2400" b="1"/>
+              <a:defRPr sz="2400">
+                <a:solidFill>
+                  <a:srgbClr val="000000"/>
+                </a:solidFill>
+                <a:latin typeface="NeoSansStd-Bold"/>
+                <a:ea typeface="NeoSansStd-Bold"/>
+                <a:cs typeface="NeoSansStd-Bold"/>
+                <a:sym typeface="NeoSansStd-Bold"/>
+              </a:defRPr>
             </a:lvl2pPr>
             <a:lvl3pPr>
               <a:spcBef>
                 <a:spcPts val="500"/>
               </a:spcBef>
-              <a:defRPr sz="2400" b="1"/>
+              <a:defRPr sz="2400">
+                <a:solidFill>
+                  <a:srgbClr val="000000"/>
+                </a:solidFill>
+                <a:latin typeface="NeoSansStd-Bold"/>
+                <a:ea typeface="NeoSansStd-Bold"/>
+                <a:cs typeface="NeoSansStd-Bold"/>
+                <a:sym typeface="NeoSansStd-Bold"/>
+              </a:defRPr>
             </a:lvl3pPr>
             <a:lvl4pPr>
               <a:spcBef>
                 <a:spcPts val="500"/>
               </a:spcBef>
-              <a:defRPr sz="2400" b="1"/>
+              <a:defRPr sz="2400">
+                <a:solidFill>
+                  <a:srgbClr val="000000"/>
+                </a:solidFill>
+                <a:latin typeface="NeoSansStd-Bold"/>
+                <a:ea typeface="NeoSansStd-Bold"/>
+                <a:cs typeface="NeoSansStd-Bold"/>
+                <a:sym typeface="NeoSansStd-Bold"/>
+              </a:defRPr>
             </a:lvl4pPr>
             <a:lvl5pPr>
               <a:spcBef>
                 <a:spcPts val="500"/>
               </a:spcBef>
-              <a:defRPr sz="2400" b="1"/>
+              <a:defRPr sz="2400">
+                <a:solidFill>
+                  <a:srgbClr val="000000"/>
+                </a:solidFill>
+                <a:latin typeface="NeoSansStd-Bold"/>
+                <a:ea typeface="NeoSansStd-Bold"/>
+                <a:cs typeface="NeoSansStd-Bold"/>
+                <a:sym typeface="NeoSansStd-Bold"/>
+              </a:defRPr>
             </a:lvl5pPr>
           </a:lstStyle>
           <a:p>
+            <a:pPr/>
             <a:r>
               <a:t>Nivel de texto 1</a:t>
             </a:r>
@@ -1591,17 +1810,15 @@
       <p:sp>
         <p:nvSpPr>
           <p:cNvPr id="49" name="Text Placeholder 4"/>
-          <p:cNvSpPr>
-            <a:spLocks noGrp="1"/>
-          </p:cNvSpPr>
+          <p:cNvSpPr/>
           <p:nvPr>
-            <p:ph type="body" sz="quarter" idx="13"/>
+            <p:ph type="body" sz="quarter" idx="21"/>
           </p:nvPr>
         </p:nvSpPr>
         <p:spPr>
           <a:xfrm>
-            <a:off x="4645026" y="1151334"/>
-            <a:ext cx="4041776" cy="479823"/>
+            <a:off x="4645026" y="1151333"/>
+            <a:ext cx="4041777" cy="479824"/>
           </a:xfrm>
           <a:prstGeom prst="rect">
             <a:avLst/>
@@ -1613,37 +1830,48 @@
           <a:p>
             <a:pPr>
               <a:spcBef>
-                <a:spcPts val="500"/>
+                <a:spcPts val="700"/>
               </a:spcBef>
-              <a:defRPr sz="2400" b="1"/>
+              <a:defRPr sz="3200">
+                <a:solidFill>
+                  <a:srgbClr val="000000"/>
+                </a:solidFill>
+                <a:latin typeface="NeoSansStd-Regular"/>
+                <a:ea typeface="NeoSansStd-Regular"/>
+                <a:cs typeface="NeoSansStd-Regular"/>
+                <a:sym typeface="NeoSansStd-Regular"/>
+              </a:defRPr>
             </a:pPr>
-            <a:endParaRPr/>
           </a:p>
         </p:txBody>
       </p:sp>
       <p:sp>
         <p:nvSpPr>
           <p:cNvPr id="50" name="Número de diapositiva"/>
-          <p:cNvSpPr txBox="1">
-            <a:spLocks noGrp="1"/>
-          </p:cNvSpPr>
+          <p:cNvSpPr txBox="1"/>
           <p:nvPr>
             <p:ph type="sldNum" sz="quarter" idx="2"/>
           </p:nvPr>
         </p:nvSpPr>
         <p:spPr>
+          <a:xfrm>
+            <a:off x="6553200" y="4767262"/>
+            <a:ext cx="335864" cy="333086"/>
+          </a:xfrm>
           <a:prstGeom prst="rect">
             <a:avLst/>
           </a:prstGeom>
         </p:spPr>
         <p:txBody>
-          <a:bodyPr/>
-          <a:lstStyle/>
-          <a:p>
-            <a:fld id="{86CB4B4D-7CA3-9044-876B-883B54F8677D}" type="slidenum">
-              <a:t>‹Nº›</a:t>
-            </a:fld>
-            <a:endParaRPr/>
+          <a:bodyPr anchor="t"/>
+          <a:lstStyle>
+            <a:lvl1pPr algn="l">
+              <a:defRPr sz="1800"/>
+            </a:lvl1pPr>
+          </a:lstStyle>
+          <a:p>
+            <a:pPr/>
+            <a:fld id="{86CB4B4D-7CA3-9044-876B-883B54F8677D}" type="slidenum"/>
           </a:p>
         </p:txBody>
       </p:sp>
@@ -1652,12 +1880,12 @@
   <p:clrMapOvr>
     <a:masterClrMapping/>
   </p:clrMapOvr>
-  <p:transition spd="med"/>
+  <p:transition xmlns:p14="http://schemas.microsoft.com/office/powerpoint/2010/main" spd="med" advClick="1"/>
 </p:sldLayout>
 </file>
 
 <file path=ppt/slideLayouts/slideLayout6.xml><?xml version="1.0" encoding="utf-8"?>
-<p:sldLayout xmlns:a="http://schemas.openxmlformats.org/drawingml/2006/main" xmlns:r="http://schemas.openxmlformats.org/officeDocument/2006/relationships" xmlns:p="http://schemas.openxmlformats.org/presentationml/2006/main" type="tx">
+<p:sldLayout xmlns:a="http://schemas.openxmlformats.org/drawingml/2006/main" xmlns:r="http://schemas.openxmlformats.org/officeDocument/2006/relationships" xmlns:p="http://schemas.openxmlformats.org/presentationml/2006/main" xmlns:m="http://schemas.openxmlformats.org/officeDocument/2006/math" xmlns:a14="http://schemas.microsoft.com/office/drawing/2010/main" type="tx" showMasterSp="1" showMasterPhAnim="1">
   <p:cSld name="Title Only">
     <p:spTree>
       <p:nvGrpSpPr>
@@ -1676,22 +1904,29 @@
       <p:sp>
         <p:nvSpPr>
           <p:cNvPr id="57" name="Texto del título"/>
-          <p:cNvSpPr txBox="1">
-            <a:spLocks noGrp="1"/>
-          </p:cNvSpPr>
+          <p:cNvSpPr txBox="1"/>
           <p:nvPr>
             <p:ph type="title"/>
           </p:nvPr>
         </p:nvSpPr>
         <p:spPr>
+          <a:xfrm>
+            <a:off x="457200" y="1063228"/>
+            <a:ext cx="8229600" cy="857251"/>
+          </a:xfrm>
           <a:prstGeom prst="rect">
             <a:avLst/>
           </a:prstGeom>
         </p:spPr>
         <p:txBody>
           <a:bodyPr/>
-          <a:lstStyle/>
-          <a:p>
+          <a:lstStyle>
+            <a:lvl1pPr>
+              <a:defRPr spc="0" sz="5400"/>
+            </a:lvl1pPr>
+          </a:lstStyle>
+          <a:p>
+            <a:pPr/>
             <a:r>
               <a:t>Texto del título</a:t>
             </a:r>
@@ -1701,26 +1936,30 @@
       <p:sp>
         <p:nvSpPr>
           <p:cNvPr id="58" name="Número de diapositiva"/>
-          <p:cNvSpPr txBox="1">
-            <a:spLocks noGrp="1"/>
-          </p:cNvSpPr>
+          <p:cNvSpPr txBox="1"/>
           <p:nvPr>
             <p:ph type="sldNum" sz="quarter" idx="2"/>
           </p:nvPr>
         </p:nvSpPr>
         <p:spPr>
+          <a:xfrm>
+            <a:off x="6553200" y="4767262"/>
+            <a:ext cx="335864" cy="333086"/>
+          </a:xfrm>
           <a:prstGeom prst="rect">
             <a:avLst/>
           </a:prstGeom>
         </p:spPr>
         <p:txBody>
-          <a:bodyPr/>
-          <a:lstStyle/>
-          <a:p>
-            <a:fld id="{86CB4B4D-7CA3-9044-876B-883B54F8677D}" type="slidenum">
-              <a:t>‹Nº›</a:t>
-            </a:fld>
-            <a:endParaRPr/>
+          <a:bodyPr anchor="t"/>
+          <a:lstStyle>
+            <a:lvl1pPr algn="l">
+              <a:defRPr sz="1800"/>
+            </a:lvl1pPr>
+          </a:lstStyle>
+          <a:p>
+            <a:pPr/>
+            <a:fld id="{86CB4B4D-7CA3-9044-876B-883B54F8677D}" type="slidenum"/>
           </a:p>
         </p:txBody>
       </p:sp>
@@ -1729,12 +1968,12 @@
   <p:clrMapOvr>
     <a:masterClrMapping/>
   </p:clrMapOvr>
-  <p:transition spd="med"/>
+  <p:transition xmlns:p14="http://schemas.microsoft.com/office/powerpoint/2010/main" spd="med" advClick="1"/>
 </p:sldLayout>
 </file>
 
 <file path=ppt/slideLayouts/slideLayout7.xml><?xml version="1.0" encoding="utf-8"?>
-<p:sldLayout xmlns:a="http://schemas.openxmlformats.org/drawingml/2006/main" xmlns:r="http://schemas.openxmlformats.org/officeDocument/2006/relationships" xmlns:p="http://schemas.openxmlformats.org/presentationml/2006/main" type="tx">
+<p:sldLayout xmlns:a="http://schemas.openxmlformats.org/drawingml/2006/main" xmlns:r="http://schemas.openxmlformats.org/officeDocument/2006/relationships" xmlns:p="http://schemas.openxmlformats.org/presentationml/2006/main" xmlns:m="http://schemas.openxmlformats.org/officeDocument/2006/math" xmlns:a14="http://schemas.microsoft.com/office/drawing/2010/main" type="tx" showMasterSp="1" showMasterPhAnim="1">
   <p:cSld name="Blank">
     <p:spTree>
       <p:nvGrpSpPr>
@@ -1753,26 +1992,30 @@
       <p:sp>
         <p:nvSpPr>
           <p:cNvPr id="65" name="Número de diapositiva"/>
-          <p:cNvSpPr txBox="1">
-            <a:spLocks noGrp="1"/>
-          </p:cNvSpPr>
+          <p:cNvSpPr txBox="1"/>
           <p:nvPr>
             <p:ph type="sldNum" sz="quarter" idx="2"/>
           </p:nvPr>
         </p:nvSpPr>
         <p:spPr>
+          <a:xfrm>
+            <a:off x="6553200" y="4767262"/>
+            <a:ext cx="335864" cy="333086"/>
+          </a:xfrm>
           <a:prstGeom prst="rect">
             <a:avLst/>
           </a:prstGeom>
         </p:spPr>
         <p:txBody>
-          <a:bodyPr/>
-          <a:lstStyle/>
-          <a:p>
-            <a:fld id="{86CB4B4D-7CA3-9044-876B-883B54F8677D}" type="slidenum">
-              <a:t>‹Nº›</a:t>
-            </a:fld>
-            <a:endParaRPr/>
+          <a:bodyPr anchor="t"/>
+          <a:lstStyle>
+            <a:lvl1pPr algn="l">
+              <a:defRPr sz="1800"/>
+            </a:lvl1pPr>
+          </a:lstStyle>
+          <a:p>
+            <a:pPr/>
+            <a:fld id="{86CB4B4D-7CA3-9044-876B-883B54F8677D}" type="slidenum"/>
           </a:p>
         </p:txBody>
       </p:sp>
@@ -1781,12 +2024,12 @@
   <p:clrMapOvr>
     <a:masterClrMapping/>
   </p:clrMapOvr>
-  <p:transition spd="med"/>
+  <p:transition xmlns:p14="http://schemas.microsoft.com/office/powerpoint/2010/main" spd="med" advClick="1"/>
 </p:sldLayout>
 </file>
 
 <file path=ppt/slideLayouts/slideLayout8.xml><?xml version="1.0" encoding="utf-8"?>
-<p:sldLayout xmlns:a="http://schemas.openxmlformats.org/drawingml/2006/main" xmlns:r="http://schemas.openxmlformats.org/officeDocument/2006/relationships" xmlns:p="http://schemas.openxmlformats.org/presentationml/2006/main" type="tx">
+<p:sldLayout xmlns:a="http://schemas.openxmlformats.org/drawingml/2006/main" xmlns:r="http://schemas.openxmlformats.org/officeDocument/2006/relationships" xmlns:p="http://schemas.openxmlformats.org/presentationml/2006/main" xmlns:m="http://schemas.openxmlformats.org/officeDocument/2006/math" xmlns:a14="http://schemas.microsoft.com/office/drawing/2010/main" type="tx" showMasterSp="1" showMasterPhAnim="1">
   <p:cSld name="Content with Caption">
     <p:spTree>
       <p:nvGrpSpPr>
@@ -1805,17 +2048,15 @@
       <p:sp>
         <p:nvSpPr>
           <p:cNvPr id="72" name="Texto del título"/>
-          <p:cNvSpPr txBox="1">
-            <a:spLocks noGrp="1"/>
-          </p:cNvSpPr>
+          <p:cNvSpPr txBox="1"/>
           <p:nvPr>
             <p:ph type="title"/>
           </p:nvPr>
         </p:nvSpPr>
         <p:spPr>
           <a:xfrm>
-            <a:off x="457201" y="204786"/>
-            <a:ext cx="3008314" cy="871539"/>
+            <a:off x="457201" y="204785"/>
+            <a:ext cx="3008315" cy="871540"/>
           </a:xfrm>
           <a:prstGeom prst="rect">
             <a:avLst/>
@@ -1825,10 +2066,16 @@
           <a:bodyPr anchor="b"/>
           <a:lstStyle>
             <a:lvl1pPr>
-              <a:defRPr sz="2000" b="1"/>
+              <a:defRPr spc="0" sz="2000">
+                <a:latin typeface="Neo Sans Std Medium"/>
+                <a:ea typeface="Neo Sans Std Medium"/>
+                <a:cs typeface="Neo Sans Std Medium"/>
+                <a:sym typeface="Neo Sans Std Medium"/>
+              </a:defRPr>
             </a:lvl1pPr>
           </a:lstStyle>
           <a:p>
+            <a:pPr/>
             <a:r>
               <a:t>Texto del título</a:t>
             </a:r>
@@ -1838,9 +2085,7 @@
       <p:sp>
         <p:nvSpPr>
           <p:cNvPr id="73" name="Nivel de texto 1…"/>
-          <p:cNvSpPr txBox="1">
-            <a:spLocks noGrp="1"/>
-          </p:cNvSpPr>
+          <p:cNvSpPr txBox="1"/>
           <p:nvPr>
             <p:ph type="body" idx="1"/>
           </p:nvPr>
@@ -1856,8 +2101,80 @@
         </p:spPr>
         <p:txBody>
           <a:bodyPr/>
-          <a:lstStyle/>
-          <a:p>
+          <a:lstStyle>
+            <a:lvl1pPr>
+              <a:spcBef>
+                <a:spcPts val="700"/>
+              </a:spcBef>
+              <a:defRPr sz="3200">
+                <a:solidFill>
+                  <a:srgbClr val="000000"/>
+                </a:solidFill>
+                <a:latin typeface="NeoSansStd-Regular"/>
+                <a:ea typeface="NeoSansStd-Regular"/>
+                <a:cs typeface="NeoSansStd-Regular"/>
+                <a:sym typeface="NeoSansStd-Regular"/>
+              </a:defRPr>
+            </a:lvl1pPr>
+            <a:lvl2pPr>
+              <a:spcBef>
+                <a:spcPts val="700"/>
+              </a:spcBef>
+              <a:defRPr sz="3200">
+                <a:solidFill>
+                  <a:srgbClr val="000000"/>
+                </a:solidFill>
+                <a:latin typeface="NeoSansStd-Regular"/>
+                <a:ea typeface="NeoSansStd-Regular"/>
+                <a:cs typeface="NeoSansStd-Regular"/>
+                <a:sym typeface="NeoSansStd-Regular"/>
+              </a:defRPr>
+            </a:lvl2pPr>
+            <a:lvl3pPr>
+              <a:spcBef>
+                <a:spcPts val="700"/>
+              </a:spcBef>
+              <a:defRPr sz="3200">
+                <a:solidFill>
+                  <a:srgbClr val="000000"/>
+                </a:solidFill>
+                <a:latin typeface="NeoSansStd-Regular"/>
+                <a:ea typeface="NeoSansStd-Regular"/>
+                <a:cs typeface="NeoSansStd-Regular"/>
+                <a:sym typeface="NeoSansStd-Regular"/>
+              </a:defRPr>
+            </a:lvl3pPr>
+            <a:lvl4pPr>
+              <a:spcBef>
+                <a:spcPts val="700"/>
+              </a:spcBef>
+              <a:defRPr sz="3200">
+                <a:solidFill>
+                  <a:srgbClr val="000000"/>
+                </a:solidFill>
+                <a:latin typeface="NeoSansStd-Regular"/>
+                <a:ea typeface="NeoSansStd-Regular"/>
+                <a:cs typeface="NeoSansStd-Regular"/>
+                <a:sym typeface="NeoSansStd-Regular"/>
+              </a:defRPr>
+            </a:lvl4pPr>
+            <a:lvl5pPr>
+              <a:spcBef>
+                <a:spcPts val="700"/>
+              </a:spcBef>
+              <a:defRPr sz="3200">
+                <a:solidFill>
+                  <a:srgbClr val="000000"/>
+                </a:solidFill>
+                <a:latin typeface="NeoSansStd-Regular"/>
+                <a:ea typeface="NeoSansStd-Regular"/>
+                <a:cs typeface="NeoSansStd-Regular"/>
+                <a:sym typeface="NeoSansStd-Regular"/>
+              </a:defRPr>
+            </a:lvl5pPr>
+          </a:lstStyle>
+          <a:p>
+            <a:pPr/>
             <a:r>
               <a:t>Nivel de texto 1</a:t>
             </a:r>
@@ -1891,17 +2208,15 @@
       <p:sp>
         <p:nvSpPr>
           <p:cNvPr id="74" name="Text Placeholder 3"/>
-          <p:cNvSpPr>
-            <a:spLocks noGrp="1"/>
-          </p:cNvSpPr>
+          <p:cNvSpPr/>
           <p:nvPr>
-            <p:ph type="body" sz="half" idx="13"/>
+            <p:ph type="body" sz="half" idx="21"/>
           </p:nvPr>
         </p:nvSpPr>
         <p:spPr>
           <a:xfrm>
-            <a:off x="457200" y="1076326"/>
-            <a:ext cx="3008315" cy="3518297"/>
+            <a:off x="457199" y="1076326"/>
+            <a:ext cx="3008317" cy="3518297"/>
           </a:xfrm>
           <a:prstGeom prst="rect">
             <a:avLst/>
@@ -1913,37 +2228,48 @@
           <a:p>
             <a:pPr>
               <a:spcBef>
-                <a:spcPts val="300"/>
+                <a:spcPts val="700"/>
               </a:spcBef>
-              <a:defRPr sz="1400"/>
+              <a:defRPr sz="3200">
+                <a:solidFill>
+                  <a:srgbClr val="000000"/>
+                </a:solidFill>
+                <a:latin typeface="NeoSansStd-Regular"/>
+                <a:ea typeface="NeoSansStd-Regular"/>
+                <a:cs typeface="NeoSansStd-Regular"/>
+                <a:sym typeface="NeoSansStd-Regular"/>
+              </a:defRPr>
             </a:pPr>
-            <a:endParaRPr/>
           </a:p>
         </p:txBody>
       </p:sp>
       <p:sp>
         <p:nvSpPr>
           <p:cNvPr id="75" name="Número de diapositiva"/>
-          <p:cNvSpPr txBox="1">
-            <a:spLocks noGrp="1"/>
-          </p:cNvSpPr>
+          <p:cNvSpPr txBox="1"/>
           <p:nvPr>
             <p:ph type="sldNum" sz="quarter" idx="2"/>
           </p:nvPr>
         </p:nvSpPr>
         <p:spPr>
+          <a:xfrm>
+            <a:off x="6553200" y="4767262"/>
+            <a:ext cx="335864" cy="333086"/>
+          </a:xfrm>
           <a:prstGeom prst="rect">
             <a:avLst/>
           </a:prstGeom>
         </p:spPr>
         <p:txBody>
-          <a:bodyPr/>
-          <a:lstStyle/>
-          <a:p>
-            <a:fld id="{86CB4B4D-7CA3-9044-876B-883B54F8677D}" type="slidenum">
-              <a:t>‹Nº›</a:t>
-            </a:fld>
-            <a:endParaRPr/>
+          <a:bodyPr anchor="t"/>
+          <a:lstStyle>
+            <a:lvl1pPr algn="l">
+              <a:defRPr sz="1800"/>
+            </a:lvl1pPr>
+          </a:lstStyle>
+          <a:p>
+            <a:pPr/>
+            <a:fld id="{86CB4B4D-7CA3-9044-876B-883B54F8677D}" type="slidenum"/>
           </a:p>
         </p:txBody>
       </p:sp>
@@ -1952,12 +2278,12 @@
   <p:clrMapOvr>
     <a:masterClrMapping/>
   </p:clrMapOvr>
-  <p:transition spd="med"/>
+  <p:transition xmlns:p14="http://schemas.microsoft.com/office/powerpoint/2010/main" spd="med" advClick="1"/>
 </p:sldLayout>
 </file>
 
 <file path=ppt/slideLayouts/slideLayout9.xml><?xml version="1.0" encoding="utf-8"?>
-<p:sldLayout xmlns:a="http://schemas.openxmlformats.org/drawingml/2006/main" xmlns:r="http://schemas.openxmlformats.org/officeDocument/2006/relationships" xmlns:p="http://schemas.openxmlformats.org/presentationml/2006/main" type="tx">
+<p:sldLayout xmlns:a="http://schemas.openxmlformats.org/drawingml/2006/main" xmlns:r="http://schemas.openxmlformats.org/officeDocument/2006/relationships" xmlns:p="http://schemas.openxmlformats.org/presentationml/2006/main" xmlns:m="http://schemas.openxmlformats.org/officeDocument/2006/math" xmlns:a14="http://schemas.microsoft.com/office/drawing/2010/main" type="tx" showMasterSp="1" showMasterPhAnim="1">
   <p:cSld name="Picture with Caption">
     <p:spTree>
       <p:nvGrpSpPr>
@@ -1976,9 +2302,7 @@
       <p:sp>
         <p:nvSpPr>
           <p:cNvPr id="82" name="Texto del título"/>
-          <p:cNvSpPr txBox="1">
-            <a:spLocks noGrp="1"/>
-          </p:cNvSpPr>
+          <p:cNvSpPr txBox="1"/>
           <p:nvPr>
             <p:ph type="title"/>
           </p:nvPr>
@@ -1986,7 +2310,7 @@
         <p:spPr>
           <a:xfrm>
             <a:off x="1792288" y="3600450"/>
-            <a:ext cx="5486401" cy="425054"/>
+            <a:ext cx="5486402" cy="425054"/>
           </a:xfrm>
           <a:prstGeom prst="rect">
             <a:avLst/>
@@ -1996,10 +2320,16 @@
           <a:bodyPr anchor="b"/>
           <a:lstStyle>
             <a:lvl1pPr>
-              <a:defRPr sz="2000" b="1"/>
+              <a:defRPr spc="0" sz="2000">
+                <a:latin typeface="Neo Sans Std Medium"/>
+                <a:ea typeface="Neo Sans Std Medium"/>
+                <a:cs typeface="Neo Sans Std Medium"/>
+                <a:sym typeface="Neo Sans Std Medium"/>
+              </a:defRPr>
             </a:lvl1pPr>
           </a:lstStyle>
           <a:p>
+            <a:pPr/>
             <a:r>
               <a:t>Texto del título</a:t>
             </a:r>
@@ -2009,38 +2339,34 @@
       <p:sp>
         <p:nvSpPr>
           <p:cNvPr id="83" name="Picture Placeholder 2"/>
-          <p:cNvSpPr>
-            <a:spLocks noGrp="1"/>
-          </p:cNvSpPr>
+          <p:cNvSpPr/>
           <p:nvPr>
-            <p:ph type="pic" sz="half" idx="13"/>
+            <p:ph type="pic" sz="half" idx="21"/>
           </p:nvPr>
         </p:nvSpPr>
         <p:spPr>
           <a:xfrm>
             <a:off x="1792288" y="459581"/>
-            <a:ext cx="5486401" cy="3086101"/>
+            <a:ext cx="5486402" cy="3086101"/>
           </a:xfrm>
           <a:prstGeom prst="rect">
             <a:avLst/>
           </a:prstGeom>
         </p:spPr>
         <p:txBody>
-          <a:bodyPr lIns="91439" rIns="91439">
+          <a:bodyPr lIns="91439" tIns="45719" rIns="91439" bIns="45719">
             <a:noAutofit/>
           </a:bodyPr>
           <a:lstStyle/>
           <a:p>
-            <a:endParaRPr/>
+            <a:pPr/>
           </a:p>
         </p:txBody>
       </p:sp>
       <p:sp>
         <p:nvSpPr>
           <p:cNvPr id="84" name="Nivel de texto 1…"/>
-          <p:cNvSpPr txBox="1">
-            <a:spLocks noGrp="1"/>
-          </p:cNvSpPr>
+          <p:cNvSpPr txBox="1"/>
           <p:nvPr>
             <p:ph type="body" sz="quarter" idx="1"/>
           </p:nvPr>
@@ -2048,7 +2374,7 @@
         <p:spPr>
           <a:xfrm>
             <a:off x="1792288" y="4025503"/>
-            <a:ext cx="5486401" cy="603648"/>
+            <a:ext cx="5486402" cy="603649"/>
           </a:xfrm>
           <a:prstGeom prst="rect">
             <a:avLst/>
@@ -2061,34 +2387,75 @@
               <a:spcBef>
                 <a:spcPts val="300"/>
               </a:spcBef>
-              <a:defRPr sz="1400"/>
+              <a:defRPr sz="1400">
+                <a:solidFill>
+                  <a:srgbClr val="000000"/>
+                </a:solidFill>
+                <a:latin typeface="NeoSansStd-Regular"/>
+                <a:ea typeface="NeoSansStd-Regular"/>
+                <a:cs typeface="NeoSansStd-Regular"/>
+                <a:sym typeface="NeoSansStd-Regular"/>
+              </a:defRPr>
             </a:lvl1pPr>
             <a:lvl2pPr>
               <a:spcBef>
                 <a:spcPts val="300"/>
               </a:spcBef>
-              <a:defRPr sz="1400"/>
+              <a:defRPr sz="1400">
+                <a:solidFill>
+                  <a:srgbClr val="000000"/>
+                </a:solidFill>
+                <a:latin typeface="NeoSansStd-Regular"/>
+                <a:ea typeface="NeoSansStd-Regular"/>
+                <a:cs typeface="NeoSansStd-Regular"/>
+                <a:sym typeface="NeoSansStd-Regular"/>
+              </a:defRPr>
             </a:lvl2pPr>
             <a:lvl3pPr>
               <a:spcBef>
                 <a:spcPts val="300"/>
               </a:spcBef>
-              <a:defRPr sz="1400"/>
+              <a:defRPr sz="1400">
+                <a:solidFill>
+                  <a:srgbClr val="000000"/>
+                </a:solidFill>
+                <a:latin typeface="NeoSansStd-Regular"/>
+                <a:ea typeface="NeoSansStd-Regular"/>
+                <a:cs typeface="NeoSansStd-Regular"/>
+                <a:sym typeface="NeoSansStd-Regular"/>
+              </a:defRPr>
             </a:lvl3pPr>
             <a:lvl4pPr>
               <a:spcBef>
                 <a:spcPts val="300"/>
               </a:spcBef>
-              <a:defRPr sz="1400"/>
+              <a:defRPr sz="1400">
+                <a:solidFill>
+                  <a:srgbClr val="000000"/>
+                </a:solidFill>
+                <a:latin typeface="NeoSansStd-Regular"/>
+                <a:ea typeface="NeoSansStd-Regular"/>
+                <a:cs typeface="NeoSansStd-Regular"/>
+                <a:sym typeface="NeoSansStd-Regular"/>
+              </a:defRPr>
             </a:lvl4pPr>
             <a:lvl5pPr>
               <a:spcBef>
                 <a:spcPts val="300"/>
               </a:spcBef>
-              <a:defRPr sz="1400"/>
+              <a:defRPr sz="1400">
+                <a:solidFill>
+                  <a:srgbClr val="000000"/>
+                </a:solidFill>
+                <a:latin typeface="NeoSansStd-Regular"/>
+                <a:ea typeface="NeoSansStd-Regular"/>
+                <a:cs typeface="NeoSansStd-Regular"/>
+                <a:sym typeface="NeoSansStd-Regular"/>
+              </a:defRPr>
             </a:lvl5pPr>
           </a:lstStyle>
           <a:p>
+            <a:pPr/>
             <a:r>
               <a:t>Nivel de texto 1</a:t>
             </a:r>
@@ -2122,26 +2489,30 @@
       <p:sp>
         <p:nvSpPr>
           <p:cNvPr id="85" name="Número de diapositiva"/>
-          <p:cNvSpPr txBox="1">
-            <a:spLocks noGrp="1"/>
-          </p:cNvSpPr>
+          <p:cNvSpPr txBox="1"/>
           <p:nvPr>
             <p:ph type="sldNum" sz="quarter" idx="2"/>
           </p:nvPr>
         </p:nvSpPr>
         <p:spPr>
+          <a:xfrm>
+            <a:off x="6553200" y="4767262"/>
+            <a:ext cx="335864" cy="333086"/>
+          </a:xfrm>
           <a:prstGeom prst="rect">
             <a:avLst/>
           </a:prstGeom>
         </p:spPr>
         <p:txBody>
-          <a:bodyPr/>
-          <a:lstStyle/>
-          <a:p>
-            <a:fld id="{86CB4B4D-7CA3-9044-876B-883B54F8677D}" type="slidenum">
-              <a:t>‹Nº›</a:t>
-            </a:fld>
-            <a:endParaRPr/>
+          <a:bodyPr anchor="t"/>
+          <a:lstStyle>
+            <a:lvl1pPr algn="l">
+              <a:defRPr sz="1800"/>
+            </a:lvl1pPr>
+          </a:lstStyle>
+          <a:p>
+            <a:pPr/>
+            <a:fld id="{86CB4B4D-7CA3-9044-876B-883B54F8677D}" type="slidenum"/>
           </a:p>
         </p:txBody>
       </p:sp>
@@ -2150,19 +2521,18 @@
   <p:clrMapOvr>
     <a:masterClrMapping/>
   </p:clrMapOvr>
-  <p:transition spd="med"/>
+  <p:transition xmlns:p14="http://schemas.microsoft.com/office/powerpoint/2010/main" spd="med" advClick="1"/>
 </p:sldLayout>
 </file>
 
 <file path=ppt/slideMasters/slideMaster1.xml><?xml version="1.0" encoding="utf-8"?>
-<p:sldMaster xmlns:a="http://schemas.openxmlformats.org/drawingml/2006/main" xmlns:r="http://schemas.openxmlformats.org/officeDocument/2006/relationships" xmlns:p="http://schemas.openxmlformats.org/presentationml/2006/main">
+<p:sldMaster xmlns:a="http://schemas.openxmlformats.org/drawingml/2006/main" xmlns:r="http://schemas.openxmlformats.org/officeDocument/2006/relationships" xmlns:p="http://schemas.openxmlformats.org/presentationml/2006/main" xmlns:m="http://schemas.openxmlformats.org/officeDocument/2006/math" xmlns:a14="http://schemas.microsoft.com/office/drawing/2010/main">
   <p:cSld>
     <p:bg>
       <p:bgPr>
         <a:solidFill>
           <a:srgbClr val="FFFFFF"/>
         </a:solidFill>
-        <a:effectLst/>
       </p:bgPr>
     </p:bg>
     <p:spTree>
@@ -2182,17 +2552,15 @@
       <p:sp>
         <p:nvSpPr>
           <p:cNvPr id="2" name="Texto del título"/>
-          <p:cNvSpPr txBox="1">
-            <a:spLocks noGrp="1"/>
-          </p:cNvSpPr>
+          <p:cNvSpPr txBox="1"/>
           <p:nvPr>
             <p:ph type="title"/>
           </p:nvPr>
         </p:nvSpPr>
         <p:spPr>
           <a:xfrm>
-            <a:off x="457200" y="1063228"/>
-            <a:ext cx="8229600" cy="857251"/>
+            <a:off x="495300" y="2847975"/>
+            <a:ext cx="7772400" cy="933450"/>
           </a:xfrm>
           <a:prstGeom prst="rect">
             <a:avLst/>
@@ -2202,16 +2570,17 @@
           </a:ln>
           <a:extLst>
             <a:ext uri="{C572A759-6A51-4108-AA02-DFA0A04FC94B}">
-              <ma14:wrappingTextBoxFlag xmlns="" xmlns:m="http://schemas.openxmlformats.org/officeDocument/2006/math" xmlns:a14="http://schemas.microsoft.com/office/drawing/2010/main" xmlns:ma14="http://schemas.microsoft.com/office/mac/drawingml/2011/main" val="1"/>
+              <ma14:wrappingTextBoxFlag xmlns:ma14="http://schemas.microsoft.com/office/mac/drawingml/2011/main" val="1"/>
             </a:ext>
           </a:extLst>
         </p:spPr>
         <p:txBody>
-          <a:bodyPr lIns="45719" rIns="45719" anchor="ctr">
-            <a:normAutofit/>
+          <a:bodyPr lIns="45718" tIns="45718" rIns="45718" bIns="45718" anchor="ctr">
+            <a:normAutofit fontScale="100000" lnSpcReduction="0"/>
           </a:bodyPr>
           <a:lstStyle/>
           <a:p>
+            <a:pPr/>
             <a:r>
               <a:t>Texto del título</a:t>
             </a:r>
@@ -2221,17 +2590,15 @@
       <p:sp>
         <p:nvSpPr>
           <p:cNvPr id="3" name="Nivel de texto 1…"/>
-          <p:cNvSpPr txBox="1">
-            <a:spLocks noGrp="1"/>
-          </p:cNvSpPr>
+          <p:cNvSpPr txBox="1"/>
           <p:nvPr>
             <p:ph type="body" idx="1"/>
           </p:nvPr>
         </p:nvSpPr>
         <p:spPr>
           <a:xfrm>
-            <a:off x="457200" y="1200150"/>
-            <a:ext cx="8229600" cy="3394472"/>
+            <a:off x="533400" y="3657600"/>
+            <a:ext cx="8013700" cy="495300"/>
           </a:xfrm>
           <a:prstGeom prst="rect">
             <a:avLst/>
@@ -2241,16 +2608,17 @@
           </a:ln>
           <a:extLst>
             <a:ext uri="{C572A759-6A51-4108-AA02-DFA0A04FC94B}">
-              <ma14:wrappingTextBoxFlag xmlns="" xmlns:m="http://schemas.openxmlformats.org/officeDocument/2006/math" xmlns:a14="http://schemas.microsoft.com/office/drawing/2010/main" xmlns:ma14="http://schemas.microsoft.com/office/mac/drawingml/2011/main" val="1"/>
+              <ma14:wrappingTextBoxFlag xmlns:ma14="http://schemas.microsoft.com/office/mac/drawingml/2011/main" val="1"/>
             </a:ext>
           </a:extLst>
         </p:spPr>
         <p:txBody>
-          <a:bodyPr lIns="45719" rIns="45719">
-            <a:normAutofit/>
+          <a:bodyPr lIns="45718" tIns="45718" rIns="45718" bIns="45718">
+            <a:normAutofit fontScale="100000" lnSpcReduction="0"/>
           </a:bodyPr>
           <a:lstStyle/>
           <a:p>
+            <a:pPr/>
             <a:r>
               <a:t>Nivel de texto 1</a:t>
             </a:r>
@@ -2284,17 +2652,15 @@
       <p:sp>
         <p:nvSpPr>
           <p:cNvPr id="4" name="Número de diapositiva"/>
-          <p:cNvSpPr txBox="1">
-            <a:spLocks noGrp="1"/>
-          </p:cNvSpPr>
+          <p:cNvSpPr txBox="1"/>
           <p:nvPr>
             <p:ph type="sldNum" sz="quarter" idx="2"/>
           </p:nvPr>
         </p:nvSpPr>
         <p:spPr>
           <a:xfrm>
-            <a:off x="6553200" y="4767262"/>
-            <a:ext cx="343903" cy="358141"/>
+            <a:off x="6294578" y="4643111"/>
+            <a:ext cx="258623" cy="248304"/>
           </a:xfrm>
           <a:prstGeom prst="rect">
             <a:avLst/>
@@ -2304,15 +2670,17 @@
           </a:ln>
         </p:spPr>
         <p:txBody>
-          <a:bodyPr wrap="none" lIns="45719" rIns="45719">
+          <a:bodyPr wrap="none" lIns="45718" tIns="45718" rIns="45718" bIns="45718" anchor="ctr">
             <a:spAutoFit/>
           </a:bodyPr>
-          <a:lstStyle/>
-          <a:p>
-            <a:fld id="{86CB4B4D-7CA3-9044-876B-883B54F8677D}" type="slidenum">
-              <a:t>‹Nº›</a:t>
-            </a:fld>
-            <a:endParaRPr/>
+          <a:lstStyle>
+            <a:lvl1pPr algn="r">
+              <a:defRPr sz="1200"/>
+            </a:lvl1pPr>
+          </a:lstStyle>
+          <a:p>
+            <a:pPr/>
+            <a:fld id="{86CB4B4D-7CA3-9044-876B-883B54F8677D}" type="slidenum"/>
           </a:p>
         </p:txBody>
       </p:sp>
@@ -2320,19 +2688,19 @@
   </p:cSld>
   <p:clrMap bg1="lt1" tx1="dk1" bg2="lt2" tx2="dk2" accent1="accent1" accent2="accent2" accent3="accent3" accent4="accent4" accent5="accent5" accent6="accent6" hlink="hlink" folHlink="folHlink"/>
   <p:sldLayoutIdLst>
-    <p:sldLayoutId id="2147483649" r:id="rId1"/>
-    <p:sldLayoutId id="2147483650" r:id="rId2"/>
-    <p:sldLayoutId id="2147483651" r:id="rId3"/>
-    <p:sldLayoutId id="2147483652" r:id="rId4"/>
-    <p:sldLayoutId id="2147483653" r:id="rId5"/>
-    <p:sldLayoutId id="2147483654" r:id="rId6"/>
-    <p:sldLayoutId id="2147483655" r:id="rId7"/>
-    <p:sldLayoutId id="2147483656" r:id="rId8"/>
-    <p:sldLayoutId id="2147483657" r:id="rId9"/>
-    <p:sldLayoutId id="2147483658" r:id="rId10"/>
-    <p:sldLayoutId id="2147483659" r:id="rId11"/>
+    <p:sldLayoutId id="2147483649" r:id="rId2"/>
+    <p:sldLayoutId id="2147483650" r:id="rId3"/>
+    <p:sldLayoutId id="2147483651" r:id="rId4"/>
+    <p:sldLayoutId id="2147483652" r:id="rId5"/>
+    <p:sldLayoutId id="2147483653" r:id="rId6"/>
+    <p:sldLayoutId id="2147483654" r:id="rId7"/>
+    <p:sldLayoutId id="2147483655" r:id="rId8"/>
+    <p:sldLayoutId id="2147483656" r:id="rId9"/>
+    <p:sldLayoutId id="2147483657" r:id="rId10"/>
+    <p:sldLayoutId id="2147483658" r:id="rId11"/>
+    <p:sldLayoutId id="2147483659" r:id="rId12"/>
   </p:sldLayoutIdLst>
-  <p:transition spd="med"/>
+  <p:transition xmlns:p14="http://schemas.microsoft.com/office/powerpoint/2010/main" spd="med" advClick="1"/>
   <p:txStyles>
     <p:titleStyle>
       <a:lvl1pPr marL="0" marR="0" indent="0" algn="l" defTabSz="457200" rtl="0" latinLnBrk="0">
@@ -2350,18 +2718,15 @@
         <a:buFontTx/>
         <a:buNone/>
         <a:tabLst/>
-        <a:defRPr sz="5400" b="0" i="0" u="none" strike="noStrike" cap="none" spc="0" baseline="0">
-          <a:ln>
-            <a:noFill/>
-          </a:ln>
+        <a:defRPr b="0" baseline="0" cap="none" i="0" spc="-300" strike="noStrike" sz="7200" u="none">
           <a:solidFill>
             <a:srgbClr val="000000"/>
           </a:solidFill>
           <a:uFillTx/>
-          <a:latin typeface="Neo Sans Std Medium"/>
-          <a:ea typeface="Neo Sans Std Medium"/>
-          <a:cs typeface="Neo Sans Std Medium"/>
-          <a:sym typeface="Neo Sans Std Medium"/>
+          <a:latin typeface="NeoSansStd-Medium"/>
+          <a:ea typeface="NeoSansStd-Medium"/>
+          <a:cs typeface="NeoSansStd-Medium"/>
+          <a:sym typeface="NeoSansStd-Medium"/>
         </a:defRPr>
       </a:lvl1pPr>
       <a:lvl2pPr marL="0" marR="0" indent="0" algn="l" defTabSz="457200" rtl="0" latinLnBrk="0">
@@ -2379,18 +2744,15 @@
         <a:buFontTx/>
         <a:buNone/>
         <a:tabLst/>
-        <a:defRPr sz="5400" b="0" i="0" u="none" strike="noStrike" cap="none" spc="0" baseline="0">
-          <a:ln>
-            <a:noFill/>
-          </a:ln>
+        <a:defRPr b="0" baseline="0" cap="none" i="0" spc="-300" strike="noStrike" sz="7200" u="none">
           <a:solidFill>
             <a:srgbClr val="000000"/>
           </a:solidFill>
           <a:uFillTx/>
-          <a:latin typeface="Neo Sans Std Medium"/>
-          <a:ea typeface="Neo Sans Std Medium"/>
-          <a:cs typeface="Neo Sans Std Medium"/>
-          <a:sym typeface="Neo Sans Std Medium"/>
+          <a:latin typeface="NeoSansStd-Medium"/>
+          <a:ea typeface="NeoSansStd-Medium"/>
+          <a:cs typeface="NeoSansStd-Medium"/>
+          <a:sym typeface="NeoSansStd-Medium"/>
         </a:defRPr>
       </a:lvl2pPr>
       <a:lvl3pPr marL="0" marR="0" indent="0" algn="l" defTabSz="457200" rtl="0" latinLnBrk="0">
@@ -2408,18 +2770,15 @@
         <a:buFontTx/>
         <a:buNone/>
         <a:tabLst/>
-        <a:defRPr sz="5400" b="0" i="0" u="none" strike="noStrike" cap="none" spc="0" baseline="0">
-          <a:ln>
-            <a:noFill/>
-          </a:ln>
+        <a:defRPr b="0" baseline="0" cap="none" i="0" spc="-300" strike="noStrike" sz="7200" u="none">
           <a:solidFill>
             <a:srgbClr val="000000"/>
           </a:solidFill>
           <a:uFillTx/>
-          <a:latin typeface="Neo Sans Std Medium"/>
-          <a:ea typeface="Neo Sans Std Medium"/>
-          <a:cs typeface="Neo Sans Std Medium"/>
-          <a:sym typeface="Neo Sans Std Medium"/>
+          <a:latin typeface="NeoSansStd-Medium"/>
+          <a:ea typeface="NeoSansStd-Medium"/>
+          <a:cs typeface="NeoSansStd-Medium"/>
+          <a:sym typeface="NeoSansStd-Medium"/>
         </a:defRPr>
       </a:lvl3pPr>
       <a:lvl4pPr marL="0" marR="0" indent="0" algn="l" defTabSz="457200" rtl="0" latinLnBrk="0">
@@ -2437,18 +2796,15 @@
         <a:buFontTx/>
         <a:buNone/>
         <a:tabLst/>
-        <a:defRPr sz="5400" b="0" i="0" u="none" strike="noStrike" cap="none" spc="0" baseline="0">
-          <a:ln>
-            <a:noFill/>
-          </a:ln>
+        <a:defRPr b="0" baseline="0" cap="none" i="0" spc="-300" strike="noStrike" sz="7200" u="none">
           <a:solidFill>
             <a:srgbClr val="000000"/>
           </a:solidFill>
           <a:uFillTx/>
-          <a:latin typeface="Neo Sans Std Medium"/>
-          <a:ea typeface="Neo Sans Std Medium"/>
-          <a:cs typeface="Neo Sans Std Medium"/>
-          <a:sym typeface="Neo Sans Std Medium"/>
+          <a:latin typeface="NeoSansStd-Medium"/>
+          <a:ea typeface="NeoSansStd-Medium"/>
+          <a:cs typeface="NeoSansStd-Medium"/>
+          <a:sym typeface="NeoSansStd-Medium"/>
         </a:defRPr>
       </a:lvl4pPr>
       <a:lvl5pPr marL="0" marR="0" indent="0" algn="l" defTabSz="457200" rtl="0" latinLnBrk="0">
@@ -2466,18 +2822,15 @@
         <a:buFontTx/>
         <a:buNone/>
         <a:tabLst/>
-        <a:defRPr sz="5400" b="0" i="0" u="none" strike="noStrike" cap="none" spc="0" baseline="0">
-          <a:ln>
-            <a:noFill/>
-          </a:ln>
+        <a:defRPr b="0" baseline="0" cap="none" i="0" spc="-300" strike="noStrike" sz="7200" u="none">
           <a:solidFill>
             <a:srgbClr val="000000"/>
           </a:solidFill>
           <a:uFillTx/>
-          <a:latin typeface="Neo Sans Std Medium"/>
-          <a:ea typeface="Neo Sans Std Medium"/>
-          <a:cs typeface="Neo Sans Std Medium"/>
-          <a:sym typeface="Neo Sans Std Medium"/>
+          <a:latin typeface="NeoSansStd-Medium"/>
+          <a:ea typeface="NeoSansStd-Medium"/>
+          <a:cs typeface="NeoSansStd-Medium"/>
+          <a:sym typeface="NeoSansStd-Medium"/>
         </a:defRPr>
       </a:lvl5pPr>
       <a:lvl6pPr marL="0" marR="0" indent="0" algn="l" defTabSz="457200" rtl="0" latinLnBrk="0">
@@ -2495,18 +2848,15 @@
         <a:buFontTx/>
         <a:buNone/>
         <a:tabLst/>
-        <a:defRPr sz="5400" b="0" i="0" u="none" strike="noStrike" cap="none" spc="0" baseline="0">
-          <a:ln>
-            <a:noFill/>
-          </a:ln>
+        <a:defRPr b="0" baseline="0" cap="none" i="0" spc="-300" strike="noStrike" sz="7200" u="none">
           <a:solidFill>
             <a:srgbClr val="000000"/>
           </a:solidFill>
           <a:uFillTx/>
-          <a:latin typeface="Neo Sans Std Medium"/>
-          <a:ea typeface="Neo Sans Std Medium"/>
-          <a:cs typeface="Neo Sans Std Medium"/>
-          <a:sym typeface="Neo Sans Std Medium"/>
+          <a:latin typeface="NeoSansStd-Medium"/>
+          <a:ea typeface="NeoSansStd-Medium"/>
+          <a:cs typeface="NeoSansStd-Medium"/>
+          <a:sym typeface="NeoSansStd-Medium"/>
         </a:defRPr>
       </a:lvl6pPr>
       <a:lvl7pPr marL="0" marR="0" indent="0" algn="l" defTabSz="457200" rtl="0" latinLnBrk="0">
@@ -2524,18 +2874,15 @@
         <a:buFontTx/>
         <a:buNone/>
         <a:tabLst/>
-        <a:defRPr sz="5400" b="0" i="0" u="none" strike="noStrike" cap="none" spc="0" baseline="0">
-          <a:ln>
-            <a:noFill/>
-          </a:ln>
+        <a:defRPr b="0" baseline="0" cap="none" i="0" spc="-300" strike="noStrike" sz="7200" u="none">
           <a:solidFill>
             <a:srgbClr val="000000"/>
           </a:solidFill>
           <a:uFillTx/>
-          <a:latin typeface="Neo Sans Std Medium"/>
-          <a:ea typeface="Neo Sans Std Medium"/>
-          <a:cs typeface="Neo Sans Std Medium"/>
-          <a:sym typeface="Neo Sans Std Medium"/>
+          <a:latin typeface="NeoSansStd-Medium"/>
+          <a:ea typeface="NeoSansStd-Medium"/>
+          <a:cs typeface="NeoSansStd-Medium"/>
+          <a:sym typeface="NeoSansStd-Medium"/>
         </a:defRPr>
       </a:lvl7pPr>
       <a:lvl8pPr marL="0" marR="0" indent="0" algn="l" defTabSz="457200" rtl="0" latinLnBrk="0">
@@ -2553,18 +2900,15 @@
         <a:buFontTx/>
         <a:buNone/>
         <a:tabLst/>
-        <a:defRPr sz="5400" b="0" i="0" u="none" strike="noStrike" cap="none" spc="0" baseline="0">
-          <a:ln>
-            <a:noFill/>
-          </a:ln>
+        <a:defRPr b="0" baseline="0" cap="none" i="0" spc="-300" strike="noStrike" sz="7200" u="none">
           <a:solidFill>
             <a:srgbClr val="000000"/>
           </a:solidFill>
           <a:uFillTx/>
-          <a:latin typeface="Neo Sans Std Medium"/>
-          <a:ea typeface="Neo Sans Std Medium"/>
-          <a:cs typeface="Neo Sans Std Medium"/>
-          <a:sym typeface="Neo Sans Std Medium"/>
+          <a:latin typeface="NeoSansStd-Medium"/>
+          <a:ea typeface="NeoSansStd-Medium"/>
+          <a:cs typeface="NeoSansStd-Medium"/>
+          <a:sym typeface="NeoSansStd-Medium"/>
         </a:defRPr>
       </a:lvl8pPr>
       <a:lvl9pPr marL="0" marR="0" indent="0" algn="l" defTabSz="457200" rtl="0" latinLnBrk="0">
@@ -2582,18 +2926,15 @@
         <a:buFontTx/>
         <a:buNone/>
         <a:tabLst/>
-        <a:defRPr sz="5400" b="0" i="0" u="none" strike="noStrike" cap="none" spc="0" baseline="0">
-          <a:ln>
-            <a:noFill/>
-          </a:ln>
+        <a:defRPr b="0" baseline="0" cap="none" i="0" spc="-300" strike="noStrike" sz="7200" u="none">
           <a:solidFill>
             <a:srgbClr val="000000"/>
           </a:solidFill>
           <a:uFillTx/>
-          <a:latin typeface="Neo Sans Std Medium"/>
-          <a:ea typeface="Neo Sans Std Medium"/>
-          <a:cs typeface="Neo Sans Std Medium"/>
-          <a:sym typeface="Neo Sans Std Medium"/>
+          <a:latin typeface="NeoSansStd-Medium"/>
+          <a:ea typeface="NeoSansStd-Medium"/>
+          <a:cs typeface="NeoSansStd-Medium"/>
+          <a:sym typeface="NeoSansStd-Medium"/>
         </a:defRPr>
       </a:lvl9pPr>
     </p:titleStyle>
@@ -2603,7 +2944,7 @@
           <a:spcPct val="100000"/>
         </a:lnSpc>
         <a:spcBef>
-          <a:spcPts val="700"/>
+          <a:spcPts val="600"/>
         </a:spcBef>
         <a:spcAft>
           <a:spcPts val="0"/>
@@ -2613,26 +2954,23 @@
         <a:buFontTx/>
         <a:buNone/>
         <a:tabLst/>
-        <a:defRPr sz="3200" b="0" i="0" u="none" strike="noStrike" cap="none" spc="0" baseline="0">
-          <a:ln>
-            <a:noFill/>
-          </a:ln>
+        <a:defRPr b="0" baseline="0" cap="none" i="0" spc="0" strike="noStrike" sz="2800" u="none">
           <a:solidFill>
-            <a:srgbClr val="000000"/>
+            <a:srgbClr val="808080"/>
           </a:solidFill>
           <a:uFillTx/>
-          <a:latin typeface="Neo Sans Std"/>
-          <a:ea typeface="Neo Sans Std"/>
-          <a:cs typeface="Neo Sans Std"/>
-          <a:sym typeface="Neo Sans Std"/>
+          <a:latin typeface="Neo Sans Std Light"/>
+          <a:ea typeface="Neo Sans Std Light"/>
+          <a:cs typeface="Neo Sans Std Light"/>
+          <a:sym typeface="Neo Sans Std Light"/>
         </a:defRPr>
       </a:lvl1pPr>
-      <a:lvl2pPr marL="0" marR="0" indent="457200" algn="l" defTabSz="457200" rtl="0" latinLnBrk="0">
+      <a:lvl2pPr marL="0" marR="0" indent="0" algn="l" defTabSz="457200" rtl="0" latinLnBrk="0">
         <a:lnSpc>
           <a:spcPct val="100000"/>
         </a:lnSpc>
         <a:spcBef>
-          <a:spcPts val="700"/>
+          <a:spcPts val="600"/>
         </a:spcBef>
         <a:spcAft>
           <a:spcPts val="0"/>
@@ -2642,26 +2980,23 @@
         <a:buFontTx/>
         <a:buNone/>
         <a:tabLst/>
-        <a:defRPr sz="3200" b="0" i="0" u="none" strike="noStrike" cap="none" spc="0" baseline="0">
-          <a:ln>
-            <a:noFill/>
-          </a:ln>
+        <a:defRPr b="0" baseline="0" cap="none" i="0" spc="0" strike="noStrike" sz="2800" u="none">
           <a:solidFill>
-            <a:srgbClr val="000000"/>
+            <a:srgbClr val="808080"/>
           </a:solidFill>
           <a:uFillTx/>
-          <a:latin typeface="Neo Sans Std"/>
-          <a:ea typeface="Neo Sans Std"/>
-          <a:cs typeface="Neo Sans Std"/>
-          <a:sym typeface="Neo Sans Std"/>
+          <a:latin typeface="Neo Sans Std Light"/>
+          <a:ea typeface="Neo Sans Std Light"/>
+          <a:cs typeface="Neo Sans Std Light"/>
+          <a:sym typeface="Neo Sans Std Light"/>
         </a:defRPr>
       </a:lvl2pPr>
-      <a:lvl3pPr marL="0" marR="0" indent="914400" algn="l" defTabSz="457200" rtl="0" latinLnBrk="0">
+      <a:lvl3pPr marL="0" marR="0" indent="0" algn="l" defTabSz="457200" rtl="0" latinLnBrk="0">
         <a:lnSpc>
           <a:spcPct val="100000"/>
         </a:lnSpc>
         <a:spcBef>
-          <a:spcPts val="700"/>
+          <a:spcPts val="600"/>
         </a:spcBef>
         <a:spcAft>
           <a:spcPts val="0"/>
@@ -2671,26 +3006,23 @@
         <a:buFontTx/>
         <a:buNone/>
         <a:tabLst/>
-        <a:defRPr sz="3200" b="0" i="0" u="none" strike="noStrike" cap="none" spc="0" baseline="0">
-          <a:ln>
-            <a:noFill/>
-          </a:ln>
+        <a:defRPr b="0" baseline="0" cap="none" i="0" spc="0" strike="noStrike" sz="2800" u="none">
           <a:solidFill>
-            <a:srgbClr val="000000"/>
+            <a:srgbClr val="808080"/>
           </a:solidFill>
           <a:uFillTx/>
-          <a:latin typeface="Neo Sans Std"/>
-          <a:ea typeface="Neo Sans Std"/>
-          <a:cs typeface="Neo Sans Std"/>
-          <a:sym typeface="Neo Sans Std"/>
+          <a:latin typeface="Neo Sans Std Light"/>
+          <a:ea typeface="Neo Sans Std Light"/>
+          <a:cs typeface="Neo Sans Std Light"/>
+          <a:sym typeface="Neo Sans Std Light"/>
         </a:defRPr>
       </a:lvl3pPr>
-      <a:lvl4pPr marL="0" marR="0" indent="1371600" algn="l" defTabSz="457200" rtl="0" latinLnBrk="0">
+      <a:lvl4pPr marL="0" marR="0" indent="0" algn="l" defTabSz="457200" rtl="0" latinLnBrk="0">
         <a:lnSpc>
           <a:spcPct val="100000"/>
         </a:lnSpc>
         <a:spcBef>
-          <a:spcPts val="700"/>
+          <a:spcPts val="600"/>
         </a:spcBef>
         <a:spcAft>
           <a:spcPts val="0"/>
@@ -2700,26 +3032,23 @@
         <a:buFontTx/>
         <a:buNone/>
         <a:tabLst/>
-        <a:defRPr sz="3200" b="0" i="0" u="none" strike="noStrike" cap="none" spc="0" baseline="0">
-          <a:ln>
-            <a:noFill/>
-          </a:ln>
+        <a:defRPr b="0" baseline="0" cap="none" i="0" spc="0" strike="noStrike" sz="2800" u="none">
           <a:solidFill>
-            <a:srgbClr val="000000"/>
+            <a:srgbClr val="808080"/>
           </a:solidFill>
           <a:uFillTx/>
-          <a:latin typeface="Neo Sans Std"/>
-          <a:ea typeface="Neo Sans Std"/>
-          <a:cs typeface="Neo Sans Std"/>
-          <a:sym typeface="Neo Sans Std"/>
+          <a:latin typeface="Neo Sans Std Light"/>
+          <a:ea typeface="Neo Sans Std Light"/>
+          <a:cs typeface="Neo Sans Std Light"/>
+          <a:sym typeface="Neo Sans Std Light"/>
         </a:defRPr>
       </a:lvl4pPr>
-      <a:lvl5pPr marL="0" marR="0" indent="1828800" algn="l" defTabSz="457200" rtl="0" latinLnBrk="0">
+      <a:lvl5pPr marL="0" marR="0" indent="0" algn="l" defTabSz="457200" rtl="0" latinLnBrk="0">
         <a:lnSpc>
           <a:spcPct val="100000"/>
         </a:lnSpc>
         <a:spcBef>
-          <a:spcPts val="700"/>
+          <a:spcPts val="600"/>
         </a:spcBef>
         <a:spcAft>
           <a:spcPts val="0"/>
@@ -2729,26 +3058,23 @@
         <a:buFontTx/>
         <a:buNone/>
         <a:tabLst/>
-        <a:defRPr sz="3200" b="0" i="0" u="none" strike="noStrike" cap="none" spc="0" baseline="0">
-          <a:ln>
-            <a:noFill/>
-          </a:ln>
+        <a:defRPr b="0" baseline="0" cap="none" i="0" spc="0" strike="noStrike" sz="2800" u="none">
           <a:solidFill>
-            <a:srgbClr val="000000"/>
+            <a:srgbClr val="808080"/>
           </a:solidFill>
           <a:uFillTx/>
-          <a:latin typeface="Neo Sans Std"/>
-          <a:ea typeface="Neo Sans Std"/>
-          <a:cs typeface="Neo Sans Std"/>
-          <a:sym typeface="Neo Sans Std"/>
+          <a:latin typeface="Neo Sans Std Light"/>
+          <a:ea typeface="Neo Sans Std Light"/>
+          <a:cs typeface="Neo Sans Std Light"/>
+          <a:sym typeface="Neo Sans Std Light"/>
         </a:defRPr>
       </a:lvl5pPr>
-      <a:lvl6pPr marL="2651760" marR="0" indent="-365760" algn="l" defTabSz="457200" rtl="0" latinLnBrk="0">
+      <a:lvl6pPr marL="2606039" marR="0" indent="-320039" algn="l" defTabSz="457200" rtl="0" latinLnBrk="0">
         <a:lnSpc>
           <a:spcPct val="100000"/>
         </a:lnSpc>
         <a:spcBef>
-          <a:spcPts val="700"/>
+          <a:spcPts val="600"/>
         </a:spcBef>
         <a:spcAft>
           <a:spcPts val="0"/>
@@ -2758,26 +3084,23 @@
         <a:buFontTx/>
         <a:buChar char="•"/>
         <a:tabLst/>
-        <a:defRPr sz="3200" b="0" i="0" u="none" strike="noStrike" cap="none" spc="0" baseline="0">
-          <a:ln>
-            <a:noFill/>
-          </a:ln>
+        <a:defRPr b="0" baseline="0" cap="none" i="0" spc="0" strike="noStrike" sz="2800" u="none">
           <a:solidFill>
-            <a:srgbClr val="000000"/>
+            <a:srgbClr val="808080"/>
           </a:solidFill>
           <a:uFillTx/>
-          <a:latin typeface="Neo Sans Std"/>
-          <a:ea typeface="Neo Sans Std"/>
-          <a:cs typeface="Neo Sans Std"/>
-          <a:sym typeface="Neo Sans Std"/>
+          <a:latin typeface="Neo Sans Std Light"/>
+          <a:ea typeface="Neo Sans Std Light"/>
+          <a:cs typeface="Neo Sans Std Light"/>
+          <a:sym typeface="Neo Sans Std Light"/>
         </a:defRPr>
       </a:lvl6pPr>
-      <a:lvl7pPr marL="3108960" marR="0" indent="-365760" algn="l" defTabSz="457200" rtl="0" latinLnBrk="0">
+      <a:lvl7pPr marL="3063239" marR="0" indent="-320039" algn="l" defTabSz="457200" rtl="0" latinLnBrk="0">
         <a:lnSpc>
           <a:spcPct val="100000"/>
         </a:lnSpc>
         <a:spcBef>
-          <a:spcPts val="700"/>
+          <a:spcPts val="600"/>
         </a:spcBef>
         <a:spcAft>
           <a:spcPts val="0"/>
@@ -2787,26 +3110,23 @@
         <a:buFontTx/>
         <a:buChar char="•"/>
         <a:tabLst/>
-        <a:defRPr sz="3200" b="0" i="0" u="none" strike="noStrike" cap="none" spc="0" baseline="0">
-          <a:ln>
-            <a:noFill/>
-          </a:ln>
+        <a:defRPr b="0" baseline="0" cap="none" i="0" spc="0" strike="noStrike" sz="2800" u="none">
           <a:solidFill>
-            <a:srgbClr val="000000"/>
+            <a:srgbClr val="808080"/>
           </a:solidFill>
           <a:uFillTx/>
-          <a:latin typeface="Neo Sans Std"/>
-          <a:ea typeface="Neo Sans Std"/>
-          <a:cs typeface="Neo Sans Std"/>
-          <a:sym typeface="Neo Sans Std"/>
+          <a:latin typeface="Neo Sans Std Light"/>
+          <a:ea typeface="Neo Sans Std Light"/>
+          <a:cs typeface="Neo Sans Std Light"/>
+          <a:sym typeface="Neo Sans Std Light"/>
         </a:defRPr>
       </a:lvl7pPr>
-      <a:lvl8pPr marL="3566159" marR="0" indent="-365759" algn="l" defTabSz="457200" rtl="0" latinLnBrk="0">
+      <a:lvl8pPr marL="3520439" marR="0" indent="-320039" algn="l" defTabSz="457200" rtl="0" latinLnBrk="0">
         <a:lnSpc>
           <a:spcPct val="100000"/>
         </a:lnSpc>
         <a:spcBef>
-          <a:spcPts val="700"/>
+          <a:spcPts val="600"/>
         </a:spcBef>
         <a:spcAft>
           <a:spcPts val="0"/>
@@ -2816,26 +3136,23 @@
         <a:buFontTx/>
         <a:buChar char="•"/>
         <a:tabLst/>
-        <a:defRPr sz="3200" b="0" i="0" u="none" strike="noStrike" cap="none" spc="0" baseline="0">
-          <a:ln>
-            <a:noFill/>
-          </a:ln>
+        <a:defRPr b="0" baseline="0" cap="none" i="0" spc="0" strike="noStrike" sz="2800" u="none">
           <a:solidFill>
-            <a:srgbClr val="000000"/>
+            <a:srgbClr val="808080"/>
           </a:solidFill>
           <a:uFillTx/>
-          <a:latin typeface="Neo Sans Std"/>
-          <a:ea typeface="Neo Sans Std"/>
-          <a:cs typeface="Neo Sans Std"/>
-          <a:sym typeface="Neo Sans Std"/>
+          <a:latin typeface="Neo Sans Std Light"/>
+          <a:ea typeface="Neo Sans Std Light"/>
+          <a:cs typeface="Neo Sans Std Light"/>
+          <a:sym typeface="Neo Sans Std Light"/>
         </a:defRPr>
       </a:lvl8pPr>
-      <a:lvl9pPr marL="4023359" marR="0" indent="-365759" algn="l" defTabSz="457200" rtl="0" latinLnBrk="0">
+      <a:lvl9pPr marL="3977639" marR="0" indent="-320039" algn="l" defTabSz="457200" rtl="0" latinLnBrk="0">
         <a:lnSpc>
           <a:spcPct val="100000"/>
         </a:lnSpc>
         <a:spcBef>
-          <a:spcPts val="700"/>
+          <a:spcPts val="600"/>
         </a:spcBef>
         <a:spcAft>
           <a:spcPts val="0"/>
@@ -2845,23 +3162,20 @@
         <a:buFontTx/>
         <a:buChar char="•"/>
         <a:tabLst/>
-        <a:defRPr sz="3200" b="0" i="0" u="none" strike="noStrike" cap="none" spc="0" baseline="0">
-          <a:ln>
-            <a:noFill/>
-          </a:ln>
+        <a:defRPr b="0" baseline="0" cap="none" i="0" spc="0" strike="noStrike" sz="2800" u="none">
           <a:solidFill>
-            <a:srgbClr val="000000"/>
+            <a:srgbClr val="808080"/>
           </a:solidFill>
           <a:uFillTx/>
-          <a:latin typeface="Neo Sans Std"/>
-          <a:ea typeface="Neo Sans Std"/>
-          <a:cs typeface="Neo Sans Std"/>
-          <a:sym typeface="Neo Sans Std"/>
+          <a:latin typeface="Neo Sans Std Light"/>
+          <a:ea typeface="Neo Sans Std Light"/>
+          <a:cs typeface="Neo Sans Std Light"/>
+          <a:sym typeface="Neo Sans Std Light"/>
         </a:defRPr>
       </a:lvl9pPr>
     </p:bodyStyle>
     <p:otherStyle>
-      <a:lvl1pPr marL="0" marR="0" indent="0" algn="l" defTabSz="457200" rtl="0" latinLnBrk="0">
+      <a:lvl1pPr marL="0" marR="0" indent="0" algn="r" defTabSz="457200" rtl="0" latinLnBrk="0">
         <a:lnSpc>
           <a:spcPct val="100000"/>
         </a:lnSpc>
@@ -2876,10 +3190,7 @@
         <a:buFontTx/>
         <a:buNone/>
         <a:tabLst/>
-        <a:defRPr sz="1800" b="0" i="0" u="none" strike="noStrike" cap="none" spc="0" baseline="0">
-          <a:ln>
-            <a:noFill/>
-          </a:ln>
+        <a:defRPr b="0" baseline="0" cap="none" i="0" spc="0" strike="noStrike" sz="1200" u="none">
           <a:solidFill>
             <a:schemeClr val="tx1"/>
           </a:solidFill>
@@ -2890,7 +3201,7 @@
           <a:sym typeface="Calibri"/>
         </a:defRPr>
       </a:lvl1pPr>
-      <a:lvl2pPr marL="0" marR="0" indent="457200" algn="l" defTabSz="457200" rtl="0" latinLnBrk="0">
+      <a:lvl2pPr marL="0" marR="0" indent="0" algn="r" defTabSz="457200" rtl="0" latinLnBrk="0">
         <a:lnSpc>
           <a:spcPct val="100000"/>
         </a:lnSpc>
@@ -2905,10 +3216,7 @@
         <a:buFontTx/>
         <a:buNone/>
         <a:tabLst/>
-        <a:defRPr sz="1800" b="0" i="0" u="none" strike="noStrike" cap="none" spc="0" baseline="0">
-          <a:ln>
-            <a:noFill/>
-          </a:ln>
+        <a:defRPr b="0" baseline="0" cap="none" i="0" spc="0" strike="noStrike" sz="1200" u="none">
           <a:solidFill>
             <a:schemeClr val="tx1"/>
           </a:solidFill>
@@ -2919,7 +3227,7 @@
           <a:sym typeface="Calibri"/>
         </a:defRPr>
       </a:lvl2pPr>
-      <a:lvl3pPr marL="0" marR="0" indent="914400" algn="l" defTabSz="457200" rtl="0" latinLnBrk="0">
+      <a:lvl3pPr marL="0" marR="0" indent="0" algn="r" defTabSz="457200" rtl="0" latinLnBrk="0">
         <a:lnSpc>
           <a:spcPct val="100000"/>
         </a:lnSpc>
@@ -2934,10 +3242,7 @@
         <a:buFontTx/>
         <a:buNone/>
         <a:tabLst/>
-        <a:defRPr sz="1800" b="0" i="0" u="none" strike="noStrike" cap="none" spc="0" baseline="0">
-          <a:ln>
-            <a:noFill/>
-          </a:ln>
+        <a:defRPr b="0" baseline="0" cap="none" i="0" spc="0" strike="noStrike" sz="1200" u="none">
           <a:solidFill>
             <a:schemeClr val="tx1"/>
           </a:solidFill>
@@ -2948,7 +3253,7 @@
           <a:sym typeface="Calibri"/>
         </a:defRPr>
       </a:lvl3pPr>
-      <a:lvl4pPr marL="0" marR="0" indent="1371600" algn="l" defTabSz="457200" rtl="0" latinLnBrk="0">
+      <a:lvl4pPr marL="0" marR="0" indent="0" algn="r" defTabSz="457200" rtl="0" latinLnBrk="0">
         <a:lnSpc>
           <a:spcPct val="100000"/>
         </a:lnSpc>
@@ -2963,10 +3268,7 @@
         <a:buFontTx/>
         <a:buNone/>
         <a:tabLst/>
-        <a:defRPr sz="1800" b="0" i="0" u="none" strike="noStrike" cap="none" spc="0" baseline="0">
-          <a:ln>
-            <a:noFill/>
-          </a:ln>
+        <a:defRPr b="0" baseline="0" cap="none" i="0" spc="0" strike="noStrike" sz="1200" u="none">
           <a:solidFill>
             <a:schemeClr val="tx1"/>
           </a:solidFill>
@@ -2977,7 +3279,7 @@
           <a:sym typeface="Calibri"/>
         </a:defRPr>
       </a:lvl4pPr>
-      <a:lvl5pPr marL="0" marR="0" indent="1828800" algn="l" defTabSz="457200" rtl="0" latinLnBrk="0">
+      <a:lvl5pPr marL="0" marR="0" indent="0" algn="r" defTabSz="457200" rtl="0" latinLnBrk="0">
         <a:lnSpc>
           <a:spcPct val="100000"/>
         </a:lnSpc>
@@ -2992,10 +3294,7 @@
         <a:buFontTx/>
         <a:buNone/>
         <a:tabLst/>
-        <a:defRPr sz="1800" b="0" i="0" u="none" strike="noStrike" cap="none" spc="0" baseline="0">
-          <a:ln>
-            <a:noFill/>
-          </a:ln>
+        <a:defRPr b="0" baseline="0" cap="none" i="0" spc="0" strike="noStrike" sz="1200" u="none">
           <a:solidFill>
             <a:schemeClr val="tx1"/>
           </a:solidFill>
@@ -3006,7 +3305,7 @@
           <a:sym typeface="Calibri"/>
         </a:defRPr>
       </a:lvl5pPr>
-      <a:lvl6pPr marL="0" marR="0" indent="2286000" algn="l" defTabSz="457200" rtl="0" latinLnBrk="0">
+      <a:lvl6pPr marL="0" marR="0" indent="0" algn="r" defTabSz="457200" rtl="0" latinLnBrk="0">
         <a:lnSpc>
           <a:spcPct val="100000"/>
         </a:lnSpc>
@@ -3021,10 +3320,7 @@
         <a:buFontTx/>
         <a:buNone/>
         <a:tabLst/>
-        <a:defRPr sz="1800" b="0" i="0" u="none" strike="noStrike" cap="none" spc="0" baseline="0">
-          <a:ln>
-            <a:noFill/>
-          </a:ln>
+        <a:defRPr b="0" baseline="0" cap="none" i="0" spc="0" strike="noStrike" sz="1200" u="none">
           <a:solidFill>
             <a:schemeClr val="tx1"/>
           </a:solidFill>
@@ -3035,7 +3331,7 @@
           <a:sym typeface="Calibri"/>
         </a:defRPr>
       </a:lvl6pPr>
-      <a:lvl7pPr marL="0" marR="0" indent="2743200" algn="l" defTabSz="457200" rtl="0" latinLnBrk="0">
+      <a:lvl7pPr marL="0" marR="0" indent="0" algn="r" defTabSz="457200" rtl="0" latinLnBrk="0">
         <a:lnSpc>
           <a:spcPct val="100000"/>
         </a:lnSpc>
@@ -3050,10 +3346,7 @@
         <a:buFontTx/>
         <a:buNone/>
         <a:tabLst/>
-        <a:defRPr sz="1800" b="0" i="0" u="none" strike="noStrike" cap="none" spc="0" baseline="0">
-          <a:ln>
-            <a:noFill/>
-          </a:ln>
+        <a:defRPr b="0" baseline="0" cap="none" i="0" spc="0" strike="noStrike" sz="1200" u="none">
           <a:solidFill>
             <a:schemeClr val="tx1"/>
           </a:solidFill>
@@ -3064,7 +3357,7 @@
           <a:sym typeface="Calibri"/>
         </a:defRPr>
       </a:lvl7pPr>
-      <a:lvl8pPr marL="0" marR="0" indent="3200400" algn="l" defTabSz="457200" rtl="0" latinLnBrk="0">
+      <a:lvl8pPr marL="0" marR="0" indent="0" algn="r" defTabSz="457200" rtl="0" latinLnBrk="0">
         <a:lnSpc>
           <a:spcPct val="100000"/>
         </a:lnSpc>
@@ -3079,10 +3372,7 @@
         <a:buFontTx/>
         <a:buNone/>
         <a:tabLst/>
-        <a:defRPr sz="1800" b="0" i="0" u="none" strike="noStrike" cap="none" spc="0" baseline="0">
-          <a:ln>
-            <a:noFill/>
-          </a:ln>
+        <a:defRPr b="0" baseline="0" cap="none" i="0" spc="0" strike="noStrike" sz="1200" u="none">
           <a:solidFill>
             <a:schemeClr val="tx1"/>
           </a:solidFill>
@@ -3093,7 +3383,7 @@
           <a:sym typeface="Calibri"/>
         </a:defRPr>
       </a:lvl8pPr>
-      <a:lvl9pPr marL="0" marR="0" indent="3657600" algn="l" defTabSz="457200" rtl="0" latinLnBrk="0">
+      <a:lvl9pPr marL="0" marR="0" indent="0" algn="r" defTabSz="457200" rtl="0" latinLnBrk="0">
         <a:lnSpc>
           <a:spcPct val="100000"/>
         </a:lnSpc>
@@ -3108,10 +3398,7 @@
         <a:buFontTx/>
         <a:buNone/>
         <a:tabLst/>
-        <a:defRPr sz="1800" b="0" i="0" u="none" strike="noStrike" cap="none" spc="0" baseline="0">
-          <a:ln>
-            <a:noFill/>
-          </a:ln>
+        <a:defRPr b="0" baseline="0" cap="none" i="0" spc="0" strike="noStrike" sz="1200" u="none">
           <a:solidFill>
             <a:schemeClr val="tx1"/>
           </a:solidFill>
@@ -3128,7 +3415,7 @@
 </file>
 
 <file path=ppt/slides/slide1.xml><?xml version="1.0" encoding="utf-8"?>
-<p:sld xmlns:a="http://schemas.openxmlformats.org/drawingml/2006/main" xmlns:r="http://schemas.openxmlformats.org/officeDocument/2006/relationships" xmlns:p="http://schemas.openxmlformats.org/presentationml/2006/main">
+<p:sld xmlns:a="http://schemas.openxmlformats.org/drawingml/2006/main" xmlns:r="http://schemas.openxmlformats.org/officeDocument/2006/relationships" xmlns:p="http://schemas.openxmlformats.org/presentationml/2006/main" xmlns:m="http://schemas.openxmlformats.org/officeDocument/2006/math" xmlns:a14="http://schemas.microsoft.com/office/drawing/2010/main" showMasterSp="1" showMasterPhAnim="1">
   <p:cSld>
     <p:spTree>
       <p:nvGrpSpPr>
@@ -3146,14 +3433,14 @@
       </p:grpSpPr>
       <p:sp>
         <p:nvSpPr>
-          <p:cNvPr id="296" name="Rectángulo 3"/>
+          <p:cNvPr id="112" name="Rectángulo 3"/>
           <p:cNvSpPr/>
           <p:nvPr/>
         </p:nvSpPr>
         <p:spPr>
           <a:xfrm>
-            <a:off x="0" y="3443907"/>
-            <a:ext cx="9144000" cy="1699593"/>
+            <a:off x="0" y="3443906"/>
+            <a:ext cx="9144000" cy="1699594"/>
           </a:xfrm>
           <a:prstGeom prst="rect">
             <a:avLst/>
@@ -3166,7 +3453,7 @@
           </a:ln>
         </p:spPr>
         <p:txBody>
-          <a:bodyPr lIns="45719" rIns="45719" anchor="ctr"/>
+          <a:bodyPr lIns="45718" tIns="45718" rIns="45718" bIns="45718" anchor="ctr"/>
           <a:lstStyle/>
           <a:p>
             <a:pPr algn="ctr">
@@ -3176,20 +3463,19 @@
                 </a:solidFill>
               </a:defRPr>
             </a:pPr>
-            <a:endParaRPr/>
           </a:p>
         </p:txBody>
       </p:sp>
       <p:sp>
         <p:nvSpPr>
-          <p:cNvPr id="298" name="Title 1"/>
+          <p:cNvPr id="113" name="Title 1"/>
           <p:cNvSpPr txBox="1"/>
           <p:nvPr/>
         </p:nvSpPr>
         <p:spPr>
           <a:xfrm>
             <a:off x="647699" y="3442251"/>
-            <a:ext cx="8245476" cy="756001"/>
+            <a:ext cx="8245476" cy="756002"/>
           </a:xfrm>
           <a:prstGeom prst="rect">
             <a:avLst/>
@@ -3199,17 +3485,17 @@
           </a:ln>
           <a:extLst>
             <a:ext uri="{C572A759-6A51-4108-AA02-DFA0A04FC94B}">
-              <ma14:wrappingTextBoxFlag xmlns:ma14="http://schemas.microsoft.com/office/mac/drawingml/2011/main" xmlns:a14="http://schemas.microsoft.com/office/drawing/2010/main" xmlns:m="http://schemas.openxmlformats.org/officeDocument/2006/math" xmlns="" val="1"/>
+              <ma14:wrappingTextBoxFlag xmlns:ma14="http://schemas.microsoft.com/office/mac/drawingml/2011/main" val="1"/>
             </a:ext>
           </a:extLst>
         </p:spPr>
         <p:txBody>
           <a:bodyPr lIns="0" tIns="0" rIns="0" bIns="0" anchor="b">
-            <a:normAutofit/>
+            <a:normAutofit fontScale="100000" lnSpcReduction="0"/>
           </a:bodyPr>
           <a:lstStyle>
             <a:lvl1pPr>
-              <a:defRPr sz="3900" spc="-200">
+              <a:defRPr spc="-200" sz="3900">
                 <a:solidFill>
                   <a:srgbClr val="FFFFFF"/>
                 </a:solidFill>
@@ -3221,6 +3507,7 @@
             </a:lvl1pPr>
           </a:lstStyle>
           <a:p>
+            <a:pPr/>
             <a:r>
               <a:t>Introducción</a:t>
             </a:r>
@@ -3229,23 +3516,25 @@
       </p:sp>
       <p:pic>
         <p:nvPicPr>
-          <p:cNvPr id="299" name="Gráfico 9" descr="Gráfico 9"/>
+          <p:cNvPr id="114" name="Gráfico 9" descr="Gráfico 9"/>
           <p:cNvPicPr>
             <a:picLocks noChangeAspect="1"/>
           </p:cNvPicPr>
           <p:nvPr/>
         </p:nvPicPr>
         <p:blipFill>
-          <a:blip r:embed="rId2"/>
-          <a:srcRect l="50688" r="13872" b="52337"/>
+          <a:blip r:embed="rId2">
+            <a:extLst/>
+          </a:blip>
+          <a:srcRect l="50688" t="0" r="13871" b="52337"/>
           <a:stretch>
             <a:fillRect/>
           </a:stretch>
         </p:blipFill>
         <p:spPr>
           <a:xfrm rot="16200000">
-            <a:off x="7494248" y="3493747"/>
-            <a:ext cx="1701969" cy="1597538"/>
+            <a:off x="7494248" y="3493746"/>
+            <a:ext cx="1701969" cy="1597539"/>
           </a:xfrm>
           <a:prstGeom prst="rect">
             <a:avLst/>
@@ -3257,20 +3546,14 @@
       </p:pic>
       <p:sp>
         <p:nvSpPr>
-          <p:cNvPr id="6" name="Title 1">
-            <a:extLst>
-              <a:ext uri="{FF2B5EF4-FFF2-40B4-BE49-F238E27FC236}">
-                <a16:creationId xmlns:a16="http://schemas.microsoft.com/office/drawing/2014/main" id="{888EA11C-10A6-488F-9439-066972C1E00B}"/>
-              </a:ext>
-            </a:extLst>
-          </p:cNvPr>
+          <p:cNvPr id="115" name="Title 1"/>
           <p:cNvSpPr txBox="1"/>
           <p:nvPr/>
         </p:nvSpPr>
         <p:spPr>
           <a:xfrm>
-            <a:off x="572754" y="1152968"/>
-            <a:ext cx="8320421" cy="2215991"/>
+            <a:off x="572754" y="1152967"/>
+            <a:ext cx="8320421" cy="2235201"/>
           </a:xfrm>
           <a:prstGeom prst="rect">
             <a:avLst/>
@@ -3280,7 +3563,7 @@
           </a:ln>
           <a:extLst>
             <a:ext uri="{C572A759-6A51-4108-AA02-DFA0A04FC94B}">
-              <ma14:wrappingTextBoxFlag xmlns="" xmlns:m="http://schemas.openxmlformats.org/officeDocument/2006/math" xmlns:a14="http://schemas.microsoft.com/office/drawing/2010/main" xmlns:ma14="http://schemas.microsoft.com/office/mac/drawingml/2011/main" val="1"/>
+              <ma14:wrappingTextBoxFlag xmlns:ma14="http://schemas.microsoft.com/office/mac/drawingml/2011/main" val="1"/>
             </a:ext>
           </a:extLst>
         </p:spPr>
@@ -3293,7 +3576,7 @@
               <a:tabLst>
                 <a:tab pos="88900" algn="l"/>
               </a:tabLst>
-              <a:defRPr sz="7200" spc="-300">
+              <a:defRPr spc="-300" sz="7200">
                 <a:solidFill>
                   <a:srgbClr val="242415"/>
                 </a:solidFill>
@@ -3305,30 +3588,24 @@
             </a:lvl1pPr>
           </a:lstStyle>
           <a:p>
-            <a:r>
-              <a:rPr lang="es-ES_tradnl" dirty="0"/>
+            <a:pPr/>
+            <a:r>
               <a:t>Programación Funcional</a:t>
             </a:r>
-            <a:endParaRPr dirty="0"/>
           </a:p>
         </p:txBody>
       </p:sp>
     </p:spTree>
-    <p:extLst>
-      <p:ext uri="{BB962C8B-B14F-4D97-AF65-F5344CB8AC3E}">
-        <p14:creationId xmlns:p14="http://schemas.microsoft.com/office/powerpoint/2010/main" val="3475292157"/>
-      </p:ext>
-    </p:extLst>
   </p:cSld>
   <p:clrMapOvr>
     <a:masterClrMapping/>
   </p:clrMapOvr>
-  <p:transition spd="med"/>
+  <p:transition xmlns:p14="http://schemas.microsoft.com/office/powerpoint/2010/main" spd="med" advClick="1"/>
 </p:sld>
 </file>
 
 <file path=ppt/slides/slide2.xml><?xml version="1.0" encoding="utf-8"?>
-<p:sld xmlns:a="http://schemas.openxmlformats.org/drawingml/2006/main" xmlns:r="http://schemas.openxmlformats.org/officeDocument/2006/relationships" xmlns:p="http://schemas.openxmlformats.org/presentationml/2006/main">
+<p:sld xmlns:a="http://schemas.openxmlformats.org/drawingml/2006/main" xmlns:r="http://schemas.openxmlformats.org/officeDocument/2006/relationships" xmlns:p="http://schemas.openxmlformats.org/presentationml/2006/main" xmlns:m="http://schemas.openxmlformats.org/officeDocument/2006/math" xmlns:a14="http://schemas.microsoft.com/office/drawing/2010/main" showMasterSp="1" showMasterPhAnim="1">
   <p:cSld>
     <p:spTree>
       <p:nvGrpSpPr>
@@ -3346,10 +3623,8 @@
       </p:grpSpPr>
       <p:sp>
         <p:nvSpPr>
-          <p:cNvPr id="112" name="Title 1"/>
-          <p:cNvSpPr txBox="1">
-            <a:spLocks noGrp="1"/>
-          </p:cNvSpPr>
+          <p:cNvPr id="117" name="Title 1"/>
+          <p:cNvSpPr txBox="1"/>
           <p:nvPr>
             <p:ph type="title"/>
           </p:nvPr>
@@ -3367,7 +3642,7 @@
           <a:bodyPr lIns="0" tIns="0" rIns="0" bIns="0" anchor="b"/>
           <a:lstStyle>
             <a:lvl1pPr>
-              <a:defRPr sz="4000" spc="-300">
+              <a:defRPr spc="-300" sz="4000">
                 <a:solidFill>
                   <a:srgbClr val="242415"/>
                 </a:solidFill>
@@ -3379,8 +3654,8 @@
             </a:lvl1pPr>
           </a:lstStyle>
           <a:p>
-            <a:r>
-              <a:rPr lang="en-GB" dirty="0"/>
+            <a:pPr/>
+            <a:r>
               <a:t>Agenda</a:t>
             </a:r>
           </a:p>
@@ -3388,7 +3663,7 @@
       </p:sp>
       <p:sp>
         <p:nvSpPr>
-          <p:cNvPr id="113" name="Rectángulo 17"/>
+          <p:cNvPr id="118" name="Rectángulo 17"/>
           <p:cNvSpPr/>
           <p:nvPr/>
         </p:nvSpPr>
@@ -3408,7 +3683,7 @@
           </a:ln>
         </p:spPr>
         <p:txBody>
-          <a:bodyPr lIns="45719" rIns="45719" anchor="ctr"/>
+          <a:bodyPr lIns="45718" tIns="45718" rIns="45718" bIns="45718" anchor="ctr"/>
           <a:lstStyle/>
           <a:p>
             <a:pPr algn="ctr">
@@ -3418,26 +3693,19 @@
                 </a:solidFill>
               </a:defRPr>
             </a:pPr>
-            <a:endParaRPr/>
           </a:p>
         </p:txBody>
       </p:sp>
       <p:sp>
         <p:nvSpPr>
-          <p:cNvPr id="2" name="TextBox 3">
-            <a:extLst>
-              <a:ext uri="{FF2B5EF4-FFF2-40B4-BE49-F238E27FC236}">
-                <a16:creationId xmlns:a16="http://schemas.microsoft.com/office/drawing/2014/main" id="{F690A08F-CCB4-42CD-B511-499C8E6A85C3}"/>
-              </a:ext>
-            </a:extLst>
-          </p:cNvPr>
+          <p:cNvPr id="119" name="TextBox 3"/>
           <p:cNvSpPr txBox="1"/>
           <p:nvPr/>
         </p:nvSpPr>
         <p:spPr>
           <a:xfrm>
             <a:off x="900110" y="1850785"/>
-            <a:ext cx="7653195" cy="279401"/>
+            <a:ext cx="7653195" cy="304801"/>
           </a:xfrm>
           <a:prstGeom prst="rect">
             <a:avLst/>
@@ -3447,132 +3715,12 @@
           </a:ln>
           <a:extLst>
             <a:ext uri="{C572A759-6A51-4108-AA02-DFA0A04FC94B}">
-              <ma14:wrappingTextBoxFlag xmlns="" xmlns:m="http://schemas.openxmlformats.org/officeDocument/2006/math" xmlns:a14="http://schemas.microsoft.com/office/drawing/2010/main" xmlns:ma14="http://schemas.microsoft.com/office/mac/drawingml/2011/main" val="1"/>
+              <ma14:wrappingTextBoxFlag xmlns:ma14="http://schemas.microsoft.com/office/mac/drawingml/2011/main" val="1"/>
             </a:ext>
           </a:extLst>
         </p:spPr>
         <p:txBody>
-          <a:bodyPr lIns="0" tIns="0" rIns="0" bIns="0" anchor="t">
-            <a:spAutoFit/>
-          </a:bodyPr>
-          <a:lstStyle/>
-          <a:p>
-            <a:pPr marL="285750" indent="-285750">
-              <a:buSzPct val="100000"/>
-              <a:buFont typeface="Arial"/>
-              <a:buChar char="•"/>
-              <a:defRPr>
-                <a:solidFill>
-                  <a:srgbClr val="242415"/>
-                </a:solidFill>
-                <a:latin typeface="Open Sans"/>
-                <a:ea typeface="Open Sans"/>
-                <a:cs typeface="Open Sans"/>
-                <a:sym typeface="Open Sans"/>
-              </a:defRPr>
-            </a:pPr>
-            <a:r>
-              <a:rPr lang="en-US" dirty="0"/>
-              <a:t>FP vs OOP</a:t>
-            </a:r>
-          </a:p>
-        </p:txBody>
-      </p:sp>
-      <p:sp>
-        <p:nvSpPr>
-          <p:cNvPr id="3" name="TextBox 3">
-            <a:extLst>
-              <a:ext uri="{FF2B5EF4-FFF2-40B4-BE49-F238E27FC236}">
-                <a16:creationId xmlns:a16="http://schemas.microsoft.com/office/drawing/2014/main" id="{F8297C39-9EDE-4ED0-AA37-0D780A22784F}"/>
-              </a:ext>
-            </a:extLst>
-          </p:cNvPr>
-          <p:cNvSpPr txBox="1"/>
-          <p:nvPr/>
-        </p:nvSpPr>
-        <p:spPr>
-          <a:xfrm>
-            <a:off x="900112" y="2240007"/>
-            <a:ext cx="7653195" cy="279401"/>
-          </a:xfrm>
-          <a:prstGeom prst="rect">
-            <a:avLst/>
-          </a:prstGeom>
-          <a:ln w="12700">
-            <a:miter lim="400000"/>
-          </a:ln>
-          <a:extLst>
-            <a:ext uri="{C572A759-6A51-4108-AA02-DFA0A04FC94B}">
-              <ma14:wrappingTextBoxFlag xmlns="" xmlns:m="http://schemas.openxmlformats.org/officeDocument/2006/math" xmlns:a14="http://schemas.microsoft.com/office/drawing/2010/main" xmlns:ma14="http://schemas.microsoft.com/office/mac/drawingml/2011/main" val="1"/>
-            </a:ext>
-          </a:extLst>
-        </p:spPr>
-        <p:txBody>
-          <a:bodyPr lIns="0" tIns="0" rIns="0" bIns="0" anchor="t">
-            <a:spAutoFit/>
-          </a:bodyPr>
-          <a:lstStyle/>
-          <a:p>
-            <a:pPr marL="285750" indent="-285750">
-              <a:buSzPct val="100000"/>
-              <a:buFont typeface="Arial"/>
-              <a:buChar char="•"/>
-              <a:defRPr>
-                <a:solidFill>
-                  <a:srgbClr val="242415"/>
-                </a:solidFill>
-                <a:latin typeface="Open Sans"/>
-                <a:ea typeface="Open Sans"/>
-                <a:cs typeface="Open Sans"/>
-                <a:sym typeface="Open Sans"/>
-              </a:defRPr>
-            </a:pPr>
-            <a:r>
-              <a:rPr lang="en-US" dirty="0"/>
-              <a:t>Demo </a:t>
-            </a:r>
-            <a:r>
-              <a:rPr lang="en-US" dirty="0" err="1"/>
-              <a:t>métodos</a:t>
-            </a:r>
-            <a:r>
-              <a:rPr lang="en-US" dirty="0"/>
-              <a:t> de arrays</a:t>
-            </a:r>
-          </a:p>
-        </p:txBody>
-      </p:sp>
-      <p:sp>
-        <p:nvSpPr>
-          <p:cNvPr id="4" name="TextBox 3">
-            <a:extLst>
-              <a:ext uri="{FF2B5EF4-FFF2-40B4-BE49-F238E27FC236}">
-                <a16:creationId xmlns:a16="http://schemas.microsoft.com/office/drawing/2014/main" id="{CDBAADE6-5D1D-4438-A559-8A4576E64C03}"/>
-              </a:ext>
-            </a:extLst>
-          </p:cNvPr>
-          <p:cNvSpPr txBox="1"/>
-          <p:nvPr/>
-        </p:nvSpPr>
-        <p:spPr>
-          <a:xfrm>
-            <a:off x="900112" y="2629229"/>
-            <a:ext cx="7653195" cy="279401"/>
-          </a:xfrm>
-          <a:prstGeom prst="rect">
-            <a:avLst/>
-          </a:prstGeom>
-          <a:ln w="12700">
-            <a:miter lim="400000"/>
-          </a:ln>
-          <a:extLst>
-            <a:ext uri="{C572A759-6A51-4108-AA02-DFA0A04FC94B}">
-              <ma14:wrappingTextBoxFlag xmlns="" xmlns:m="http://schemas.openxmlformats.org/officeDocument/2006/math" xmlns:a14="http://schemas.microsoft.com/office/drawing/2010/main" xmlns:ma14="http://schemas.microsoft.com/office/mac/drawingml/2011/main" val="1"/>
-            </a:ext>
-          </a:extLst>
-        </p:spPr>
-        <p:txBody>
-          <a:bodyPr lIns="0" tIns="0" rIns="0" bIns="0" anchor="t">
+          <a:bodyPr lIns="0" tIns="0" rIns="0" bIns="0">
             <a:spAutoFit/>
           </a:bodyPr>
           <a:lstStyle>
@@ -3592,33 +3740,23 @@
             </a:lvl1pPr>
           </a:lstStyle>
           <a:p>
-            <a:r>
-              <a:rPr lang="en-US" dirty="0"/>
-              <a:t>Demo </a:t>
-            </a:r>
-            <a:r>
-              <a:rPr lang="en-US" dirty="0" err="1"/>
-              <a:t>recursividad</a:t>
+            <a:pPr/>
+            <a:r>
+              <a:t>FP vs OOP</a:t>
             </a:r>
           </a:p>
         </p:txBody>
       </p:sp>
       <p:sp>
         <p:nvSpPr>
-          <p:cNvPr id="5" name="TextBox 3">
-            <a:extLst>
-              <a:ext uri="{FF2B5EF4-FFF2-40B4-BE49-F238E27FC236}">
-                <a16:creationId xmlns:a16="http://schemas.microsoft.com/office/drawing/2014/main" id="{E73360E9-93BB-47C9-BD8B-787F0215F172}"/>
-              </a:ext>
-            </a:extLst>
-          </p:cNvPr>
+          <p:cNvPr id="120" name="TextBox 3"/>
           <p:cNvSpPr txBox="1"/>
           <p:nvPr/>
         </p:nvSpPr>
         <p:spPr>
           <a:xfrm>
-            <a:off x="900110" y="1072341"/>
-            <a:ext cx="7653195" cy="279401"/>
+            <a:off x="900112" y="2240007"/>
+            <a:ext cx="7653195" cy="304801"/>
           </a:xfrm>
           <a:prstGeom prst="rect">
             <a:avLst/>
@@ -3628,12 +3766,12 @@
           </a:ln>
           <a:extLst>
             <a:ext uri="{C572A759-6A51-4108-AA02-DFA0A04FC94B}">
-              <ma14:wrappingTextBoxFlag xmlns="" xmlns:m="http://schemas.openxmlformats.org/officeDocument/2006/math" xmlns:a14="http://schemas.microsoft.com/office/drawing/2010/main" xmlns:ma14="http://schemas.microsoft.com/office/mac/drawingml/2011/main" val="1"/>
+              <ma14:wrappingTextBoxFlag xmlns:ma14="http://schemas.microsoft.com/office/mac/drawingml/2011/main" val="1"/>
             </a:ext>
           </a:extLst>
         </p:spPr>
         <p:txBody>
-          <a:bodyPr lIns="0" tIns="0" rIns="0" bIns="0" anchor="t">
+          <a:bodyPr lIns="0" tIns="0" rIns="0" bIns="0">
             <a:spAutoFit/>
           </a:bodyPr>
           <a:lstStyle>
@@ -3653,54 +3791,23 @@
             </a:lvl1pPr>
           </a:lstStyle>
           <a:p>
-            <a:r>
-              <a:rPr lang="en-GB" dirty="0"/>
-              <a:t>¿</a:t>
-            </a:r>
-            <a:r>
-              <a:rPr lang="en-GB" dirty="0" err="1"/>
-              <a:t>Qué</a:t>
-            </a:r>
-            <a:r>
-              <a:rPr lang="en-GB" dirty="0"/>
-              <a:t> es la </a:t>
-            </a:r>
-            <a:r>
-              <a:rPr lang="en-GB" dirty="0" err="1"/>
-              <a:t>programación</a:t>
-            </a:r>
-            <a:r>
-              <a:rPr lang="en-GB" dirty="0"/>
-              <a:t> </a:t>
-            </a:r>
-            <a:r>
-              <a:rPr lang="en-GB" dirty="0" err="1"/>
-              <a:t>funcional</a:t>
-            </a:r>
-            <a:r>
-              <a:rPr lang="en-GB" dirty="0"/>
-              <a:t>?</a:t>
-            </a:r>
-            <a:endParaRPr lang="en-GB" dirty="0" err="1"/>
+            <a:pPr/>
+            <a:r>
+              <a:t>Demo métodos de arrays</a:t>
+            </a:r>
           </a:p>
         </p:txBody>
       </p:sp>
       <p:sp>
         <p:nvSpPr>
-          <p:cNvPr id="6" name="TextBox 3">
-            <a:extLst>
-              <a:ext uri="{FF2B5EF4-FFF2-40B4-BE49-F238E27FC236}">
-                <a16:creationId xmlns:a16="http://schemas.microsoft.com/office/drawing/2014/main" id="{1251CE56-D5F5-4261-A35B-3D6CA8D9363D}"/>
-              </a:ext>
-            </a:extLst>
-          </p:cNvPr>
+          <p:cNvPr id="121" name="TextBox 3"/>
           <p:cNvSpPr txBox="1"/>
           <p:nvPr/>
         </p:nvSpPr>
         <p:spPr>
           <a:xfrm>
-            <a:off x="900110" y="1461563"/>
-            <a:ext cx="7653195" cy="279401"/>
+            <a:off x="900112" y="2629229"/>
+            <a:ext cx="7653195" cy="304801"/>
           </a:xfrm>
           <a:prstGeom prst="rect">
             <a:avLst/>
@@ -3710,12 +3817,12 @@
           </a:ln>
           <a:extLst>
             <a:ext uri="{C572A759-6A51-4108-AA02-DFA0A04FC94B}">
-              <ma14:wrappingTextBoxFlag xmlns="" xmlns:m="http://schemas.openxmlformats.org/officeDocument/2006/math" xmlns:a14="http://schemas.microsoft.com/office/drawing/2010/main" xmlns:ma14="http://schemas.microsoft.com/office/mac/drawingml/2011/main" val="1"/>
+              <ma14:wrappingTextBoxFlag xmlns:ma14="http://schemas.microsoft.com/office/mac/drawingml/2011/main" val="1"/>
             </a:ext>
           </a:extLst>
         </p:spPr>
         <p:txBody>
-          <a:bodyPr lIns="0" tIns="0" rIns="0" bIns="0" anchor="t">
+          <a:bodyPr lIns="0" tIns="0" rIns="0" bIns="0">
             <a:spAutoFit/>
           </a:bodyPr>
           <a:lstStyle>
@@ -3735,29 +3842,23 @@
             </a:lvl1pPr>
           </a:lstStyle>
           <a:p>
-            <a:r>
-              <a:rPr lang="en-GB" dirty="0" err="1"/>
-              <a:t>Características</a:t>
+            <a:pPr/>
+            <a:r>
+              <a:t>Demo recursividad</a:t>
             </a:r>
           </a:p>
         </p:txBody>
       </p:sp>
       <p:sp>
         <p:nvSpPr>
-          <p:cNvPr id="7" name="TextBox 3">
-            <a:extLst>
-              <a:ext uri="{FF2B5EF4-FFF2-40B4-BE49-F238E27FC236}">
-                <a16:creationId xmlns:a16="http://schemas.microsoft.com/office/drawing/2014/main" id="{B8304F32-D02C-44C9-9E2C-F7EE3374CB62}"/>
-              </a:ext>
-            </a:extLst>
-          </p:cNvPr>
+          <p:cNvPr id="122" name="TextBox 3"/>
           <p:cNvSpPr txBox="1"/>
           <p:nvPr/>
         </p:nvSpPr>
         <p:spPr>
           <a:xfrm>
-            <a:off x="900112" y="3018452"/>
-            <a:ext cx="7653195" cy="279401"/>
+            <a:off x="900110" y="1072341"/>
+            <a:ext cx="7653195" cy="304801"/>
           </a:xfrm>
           <a:prstGeom prst="rect">
             <a:avLst/>
@@ -3767,128 +3868,12 @@
           </a:ln>
           <a:extLst>
             <a:ext uri="{C572A759-6A51-4108-AA02-DFA0A04FC94B}">
-              <ma14:wrappingTextBoxFlag xmlns="" xmlns:m="http://schemas.openxmlformats.org/officeDocument/2006/math" xmlns:a14="http://schemas.microsoft.com/office/drawing/2010/main" xmlns:ma14="http://schemas.microsoft.com/office/mac/drawingml/2011/main" val="1"/>
+              <ma14:wrappingTextBoxFlag xmlns:ma14="http://schemas.microsoft.com/office/mac/drawingml/2011/main" val="1"/>
             </a:ext>
           </a:extLst>
         </p:spPr>
         <p:txBody>
-          <a:bodyPr lIns="0" tIns="0" rIns="0" bIns="0" anchor="t">
-            <a:spAutoFit/>
-          </a:bodyPr>
-          <a:lstStyle/>
-          <a:p>
-            <a:pPr marL="285750" indent="-285750">
-              <a:buSzPct val="100000"/>
-              <a:buFont typeface="Arial"/>
-              <a:buChar char="•"/>
-              <a:defRPr>
-                <a:solidFill>
-                  <a:srgbClr val="242415"/>
-                </a:solidFill>
-                <a:latin typeface="Open Sans"/>
-                <a:ea typeface="Open Sans"/>
-                <a:cs typeface="Open Sans"/>
-                <a:sym typeface="Open Sans"/>
-              </a:defRPr>
-            </a:pPr>
-            <a:r>
-              <a:rPr lang="en-US" dirty="0"/>
-              <a:t>Demo </a:t>
-            </a:r>
-            <a:r>
-              <a:rPr lang="en-US" dirty="0" err="1"/>
-              <a:t>composición</a:t>
-            </a:r>
-          </a:p>
-        </p:txBody>
-      </p:sp>
-      <p:sp>
-        <p:nvSpPr>
-          <p:cNvPr id="8" name="TextBox 3">
-            <a:extLst>
-              <a:ext uri="{FF2B5EF4-FFF2-40B4-BE49-F238E27FC236}">
-                <a16:creationId xmlns:a16="http://schemas.microsoft.com/office/drawing/2014/main" id="{F46CD173-39DD-4D21-8347-51D6DEB34691}"/>
-              </a:ext>
-            </a:extLst>
-          </p:cNvPr>
-          <p:cNvSpPr txBox="1"/>
-          <p:nvPr/>
-        </p:nvSpPr>
-        <p:spPr>
-          <a:xfrm>
-            <a:off x="900112" y="3407674"/>
-            <a:ext cx="7653195" cy="276999"/>
-          </a:xfrm>
-          <a:prstGeom prst="rect">
-            <a:avLst/>
-          </a:prstGeom>
-          <a:ln w="12700">
-            <a:miter lim="400000"/>
-          </a:ln>
-          <a:extLst>
-            <a:ext uri="{C572A759-6A51-4108-AA02-DFA0A04FC94B}">
-              <ma14:wrappingTextBoxFlag xmlns="" xmlns:m="http://schemas.openxmlformats.org/officeDocument/2006/math" xmlns:a14="http://schemas.microsoft.com/office/drawing/2010/main" xmlns:ma14="http://schemas.microsoft.com/office/mac/drawingml/2011/main" val="1"/>
-            </a:ext>
-          </a:extLst>
-        </p:spPr>
-        <p:txBody>
-          <a:bodyPr lIns="0" tIns="0" rIns="0" bIns="0" anchor="t">
-            <a:spAutoFit/>
-          </a:bodyPr>
-          <a:lstStyle/>
-          <a:p>
-            <a:pPr marL="285750" indent="-285750">
-              <a:buSzPct val="100000"/>
-              <a:buFont typeface="Arial"/>
-              <a:buChar char="•"/>
-              <a:defRPr>
-                <a:solidFill>
-                  <a:srgbClr val="242415"/>
-                </a:solidFill>
-                <a:latin typeface="Open Sans"/>
-                <a:ea typeface="Open Sans"/>
-                <a:cs typeface="Open Sans"/>
-                <a:sym typeface="Open Sans"/>
-              </a:defRPr>
-            </a:pPr>
-            <a:r>
-              <a:rPr lang="en-US" dirty="0"/>
-              <a:t>Demo curry</a:t>
-            </a:r>
-          </a:p>
-        </p:txBody>
-      </p:sp>
-      <p:sp>
-        <p:nvSpPr>
-          <p:cNvPr id="9" name="TextBox 3">
-            <a:extLst>
-              <a:ext uri="{FF2B5EF4-FFF2-40B4-BE49-F238E27FC236}">
-                <a16:creationId xmlns:a16="http://schemas.microsoft.com/office/drawing/2014/main" id="{F322B547-8EBF-4910-B2C5-45844AF78EE5}"/>
-              </a:ext>
-            </a:extLst>
-          </p:cNvPr>
-          <p:cNvSpPr txBox="1"/>
-          <p:nvPr/>
-        </p:nvSpPr>
-        <p:spPr>
-          <a:xfrm>
-            <a:off x="900112" y="4149140"/>
-            <a:ext cx="7653195" cy="279401"/>
-          </a:xfrm>
-          <a:prstGeom prst="rect">
-            <a:avLst/>
-          </a:prstGeom>
-          <a:ln w="12700">
-            <a:miter lim="400000"/>
-          </a:ln>
-          <a:extLst>
-            <a:ext uri="{C572A759-6A51-4108-AA02-DFA0A04FC94B}">
-              <ma14:wrappingTextBoxFlag xmlns="" xmlns:m="http://schemas.openxmlformats.org/officeDocument/2006/math" xmlns:a14="http://schemas.microsoft.com/office/drawing/2010/main" xmlns:ma14="http://schemas.microsoft.com/office/mac/drawingml/2011/main" val="1"/>
-            </a:ext>
-          </a:extLst>
-        </p:spPr>
-        <p:txBody>
-          <a:bodyPr lIns="0" tIns="0" rIns="0" bIns="0" anchor="t">
+          <a:bodyPr lIns="0" tIns="0" rIns="0" bIns="0">
             <a:spAutoFit/>
           </a:bodyPr>
           <a:lstStyle>
@@ -3908,49 +3893,23 @@
             </a:lvl1pPr>
           </a:lstStyle>
           <a:p>
-            <a:r>
-              <a:rPr lang="en-US" dirty="0"/>
-              <a:t>Demo </a:t>
-            </a:r>
-            <a:r>
-              <a:rPr lang="en-US" dirty="0" err="1"/>
-              <a:t>resolución</a:t>
-            </a:r>
-            <a:r>
-              <a:rPr lang="en-US" dirty="0"/>
-              <a:t> </a:t>
-            </a:r>
-            <a:r>
-              <a:rPr lang="en-US" dirty="0" err="1"/>
-              <a:t>FizzBuzz</a:t>
-            </a:r>
-            <a:r>
-              <a:rPr lang="en-US" dirty="0"/>
-              <a:t> de forma </a:t>
-            </a:r>
-            <a:r>
-              <a:rPr lang="en-US" dirty="0" err="1"/>
-              <a:t>funcional</a:t>
+            <a:pPr/>
+            <a:r>
+              <a:t>¿Qué es la programación funcional?</a:t>
             </a:r>
           </a:p>
         </p:txBody>
       </p:sp>
       <p:sp>
         <p:nvSpPr>
-          <p:cNvPr id="12" name="TextBox 3">
-            <a:extLst>
-              <a:ext uri="{FF2B5EF4-FFF2-40B4-BE49-F238E27FC236}">
-                <a16:creationId xmlns:a16="http://schemas.microsoft.com/office/drawing/2014/main" id="{21BB56F7-04AF-46C0-9E61-650C58BCF6C6}"/>
-              </a:ext>
-            </a:extLst>
-          </p:cNvPr>
+          <p:cNvPr id="123" name="TextBox 3"/>
           <p:cNvSpPr txBox="1"/>
           <p:nvPr/>
         </p:nvSpPr>
         <p:spPr>
           <a:xfrm>
-            <a:off x="900112" y="3781486"/>
-            <a:ext cx="7653195" cy="276999"/>
+            <a:off x="900110" y="1461563"/>
+            <a:ext cx="7653195" cy="304801"/>
           </a:xfrm>
           <a:prstGeom prst="rect">
             <a:avLst/>
@@ -3960,17 +3919,16 @@
           </a:ln>
           <a:extLst>
             <a:ext uri="{C572A759-6A51-4108-AA02-DFA0A04FC94B}">
-              <ma14:wrappingTextBoxFlag xmlns:ma14="http://schemas.microsoft.com/office/mac/drawingml/2011/main" xmlns:a14="http://schemas.microsoft.com/office/drawing/2010/main" xmlns:m="http://schemas.openxmlformats.org/officeDocument/2006/math" xmlns="" val="1"/>
+              <ma14:wrappingTextBoxFlag xmlns:ma14="http://schemas.microsoft.com/office/mac/drawingml/2011/main" val="1"/>
             </a:ext>
           </a:extLst>
         </p:spPr>
         <p:txBody>
-          <a:bodyPr lIns="0" tIns="0" rIns="0" bIns="0" anchor="t">
+          <a:bodyPr lIns="0" tIns="0" rIns="0" bIns="0">
             <a:spAutoFit/>
           </a:bodyPr>
-          <a:lstStyle/>
-          <a:p>
-            <a:pPr marL="285750" indent="-285750">
+          <a:lstStyle>
+            <a:lvl1pPr marL="285750" indent="-285750">
               <a:buSzPct val="100000"/>
               <a:buFont typeface="Arial"/>
               <a:buChar char="•"/>
@@ -3983,42 +3941,231 @@
                 <a:cs typeface="Open Sans"/>
                 <a:sym typeface="Open Sans"/>
               </a:defRPr>
-            </a:pPr>
-            <a:r>
-              <a:rPr lang="en-US" dirty="0"/>
-              <a:t>Demo </a:t>
-            </a:r>
-            <a:r>
-              <a:rPr lang="en-US" dirty="0" err="1"/>
-              <a:t>aplicación</a:t>
-            </a:r>
-            <a:r>
-              <a:rPr lang="en-US" dirty="0"/>
-              <a:t> </a:t>
-            </a:r>
-            <a:r>
-              <a:rPr lang="en-US" dirty="0" err="1"/>
-              <a:t>parcial</a:t>
+            </a:lvl1pPr>
+          </a:lstStyle>
+          <a:p>
+            <a:pPr/>
+            <a:r>
+              <a:t>Características</a:t>
+            </a:r>
+          </a:p>
+        </p:txBody>
+      </p:sp>
+      <p:sp>
+        <p:nvSpPr>
+          <p:cNvPr id="124" name="TextBox 3"/>
+          <p:cNvSpPr txBox="1"/>
+          <p:nvPr/>
+        </p:nvSpPr>
+        <p:spPr>
+          <a:xfrm>
+            <a:off x="900112" y="3018452"/>
+            <a:ext cx="7653195" cy="304801"/>
+          </a:xfrm>
+          <a:prstGeom prst="rect">
+            <a:avLst/>
+          </a:prstGeom>
+          <a:ln w="12700">
+            <a:miter lim="400000"/>
+          </a:ln>
+          <a:extLst>
+            <a:ext uri="{C572A759-6A51-4108-AA02-DFA0A04FC94B}">
+              <ma14:wrappingTextBoxFlag xmlns:ma14="http://schemas.microsoft.com/office/mac/drawingml/2011/main" val="1"/>
+            </a:ext>
+          </a:extLst>
+        </p:spPr>
+        <p:txBody>
+          <a:bodyPr lIns="0" tIns="0" rIns="0" bIns="0">
+            <a:spAutoFit/>
+          </a:bodyPr>
+          <a:lstStyle>
+            <a:lvl1pPr marL="285750" indent="-285750">
+              <a:buSzPct val="100000"/>
+              <a:buFont typeface="Arial"/>
+              <a:buChar char="•"/>
+              <a:defRPr>
+                <a:solidFill>
+                  <a:srgbClr val="242415"/>
+                </a:solidFill>
+                <a:latin typeface="Open Sans"/>
+                <a:ea typeface="Open Sans"/>
+                <a:cs typeface="Open Sans"/>
+                <a:sym typeface="Open Sans"/>
+              </a:defRPr>
+            </a:lvl1pPr>
+          </a:lstStyle>
+          <a:p>
+            <a:pPr/>
+            <a:r>
+              <a:t>Demo composición</a:t>
+            </a:r>
+          </a:p>
+        </p:txBody>
+      </p:sp>
+      <p:sp>
+        <p:nvSpPr>
+          <p:cNvPr id="125" name="TextBox 3"/>
+          <p:cNvSpPr txBox="1"/>
+          <p:nvPr/>
+        </p:nvSpPr>
+        <p:spPr>
+          <a:xfrm>
+            <a:off x="900112" y="3407674"/>
+            <a:ext cx="7653195" cy="304801"/>
+          </a:xfrm>
+          <a:prstGeom prst="rect">
+            <a:avLst/>
+          </a:prstGeom>
+          <a:ln w="12700">
+            <a:miter lim="400000"/>
+          </a:ln>
+          <a:extLst>
+            <a:ext uri="{C572A759-6A51-4108-AA02-DFA0A04FC94B}">
+              <ma14:wrappingTextBoxFlag xmlns:ma14="http://schemas.microsoft.com/office/mac/drawingml/2011/main" val="1"/>
+            </a:ext>
+          </a:extLst>
+        </p:spPr>
+        <p:txBody>
+          <a:bodyPr lIns="0" tIns="0" rIns="0" bIns="0">
+            <a:spAutoFit/>
+          </a:bodyPr>
+          <a:lstStyle>
+            <a:lvl1pPr marL="285750" indent="-285750">
+              <a:buSzPct val="100000"/>
+              <a:buFont typeface="Arial"/>
+              <a:buChar char="•"/>
+              <a:defRPr>
+                <a:solidFill>
+                  <a:srgbClr val="242415"/>
+                </a:solidFill>
+                <a:latin typeface="Open Sans"/>
+                <a:ea typeface="Open Sans"/>
+                <a:cs typeface="Open Sans"/>
+                <a:sym typeface="Open Sans"/>
+              </a:defRPr>
+            </a:lvl1pPr>
+          </a:lstStyle>
+          <a:p>
+            <a:pPr/>
+            <a:r>
+              <a:t>Demo curry</a:t>
+            </a:r>
+          </a:p>
+        </p:txBody>
+      </p:sp>
+      <p:sp>
+        <p:nvSpPr>
+          <p:cNvPr id="126" name="TextBox 3"/>
+          <p:cNvSpPr txBox="1"/>
+          <p:nvPr/>
+        </p:nvSpPr>
+        <p:spPr>
+          <a:xfrm>
+            <a:off x="900112" y="4149140"/>
+            <a:ext cx="7653195" cy="304801"/>
+          </a:xfrm>
+          <a:prstGeom prst="rect">
+            <a:avLst/>
+          </a:prstGeom>
+          <a:ln w="12700">
+            <a:miter lim="400000"/>
+          </a:ln>
+          <a:extLst>
+            <a:ext uri="{C572A759-6A51-4108-AA02-DFA0A04FC94B}">
+              <ma14:wrappingTextBoxFlag xmlns:ma14="http://schemas.microsoft.com/office/mac/drawingml/2011/main" val="1"/>
+            </a:ext>
+          </a:extLst>
+        </p:spPr>
+        <p:txBody>
+          <a:bodyPr lIns="0" tIns="0" rIns="0" bIns="0">
+            <a:spAutoFit/>
+          </a:bodyPr>
+          <a:lstStyle>
+            <a:lvl1pPr marL="285750" indent="-285750">
+              <a:buSzPct val="100000"/>
+              <a:buFont typeface="Arial"/>
+              <a:buChar char="•"/>
+              <a:defRPr>
+                <a:solidFill>
+                  <a:srgbClr val="242415"/>
+                </a:solidFill>
+                <a:latin typeface="Open Sans"/>
+                <a:ea typeface="Open Sans"/>
+                <a:cs typeface="Open Sans"/>
+                <a:sym typeface="Open Sans"/>
+              </a:defRPr>
+            </a:lvl1pPr>
+          </a:lstStyle>
+          <a:p>
+            <a:pPr/>
+            <a:r>
+              <a:t>Demo resolución FizzBuzz de forma funcional</a:t>
+            </a:r>
+          </a:p>
+        </p:txBody>
+      </p:sp>
+      <p:sp>
+        <p:nvSpPr>
+          <p:cNvPr id="127" name="TextBox 3"/>
+          <p:cNvSpPr txBox="1"/>
+          <p:nvPr/>
+        </p:nvSpPr>
+        <p:spPr>
+          <a:xfrm>
+            <a:off x="900112" y="3781485"/>
+            <a:ext cx="7653195" cy="304801"/>
+          </a:xfrm>
+          <a:prstGeom prst="rect">
+            <a:avLst/>
+          </a:prstGeom>
+          <a:ln w="12700">
+            <a:miter lim="400000"/>
+          </a:ln>
+          <a:extLst>
+            <a:ext uri="{C572A759-6A51-4108-AA02-DFA0A04FC94B}">
+              <ma14:wrappingTextBoxFlag xmlns:ma14="http://schemas.microsoft.com/office/mac/drawingml/2011/main" val="1"/>
+            </a:ext>
+          </a:extLst>
+        </p:spPr>
+        <p:txBody>
+          <a:bodyPr lIns="0" tIns="0" rIns="0" bIns="0">
+            <a:spAutoFit/>
+          </a:bodyPr>
+          <a:lstStyle>
+            <a:lvl1pPr marL="285750" indent="-285750">
+              <a:buSzPct val="100000"/>
+              <a:buFont typeface="Arial"/>
+              <a:buChar char="•"/>
+              <a:defRPr>
+                <a:solidFill>
+                  <a:srgbClr val="242415"/>
+                </a:solidFill>
+                <a:latin typeface="Open Sans"/>
+                <a:ea typeface="Open Sans"/>
+                <a:cs typeface="Open Sans"/>
+                <a:sym typeface="Open Sans"/>
+              </a:defRPr>
+            </a:lvl1pPr>
+          </a:lstStyle>
+          <a:p>
+            <a:pPr/>
+            <a:r>
+              <a:t>Demo aplicación parcial</a:t>
             </a:r>
           </a:p>
         </p:txBody>
       </p:sp>
     </p:spTree>
-    <p:extLst>
-      <p:ext uri="{BB962C8B-B14F-4D97-AF65-F5344CB8AC3E}">
-        <p14:creationId xmlns:p14="http://schemas.microsoft.com/office/powerpoint/2010/main" val="801211613"/>
-      </p:ext>
-    </p:extLst>
   </p:cSld>
   <p:clrMapOvr>
     <a:masterClrMapping/>
   </p:clrMapOvr>
-  <p:transition spd="med"/>
+  <p:transition xmlns:p14="http://schemas.microsoft.com/office/powerpoint/2010/main" spd="med" advClick="1"/>
 </p:sld>
 </file>
 
 <file path=ppt/slides/slide3.xml><?xml version="1.0" encoding="utf-8"?>
-<p:sld xmlns:a="http://schemas.openxmlformats.org/drawingml/2006/main" xmlns:r="http://schemas.openxmlformats.org/officeDocument/2006/relationships" xmlns:p="http://schemas.openxmlformats.org/presentationml/2006/main">
+<p:sld xmlns:a="http://schemas.openxmlformats.org/drawingml/2006/main" xmlns:r="http://schemas.openxmlformats.org/officeDocument/2006/relationships" xmlns:p="http://schemas.openxmlformats.org/presentationml/2006/main" xmlns:m="http://schemas.openxmlformats.org/officeDocument/2006/math" xmlns:a14="http://schemas.microsoft.com/office/drawing/2010/main" showMasterSp="1" showMasterPhAnim="1">
   <p:cSld>
     <p:spTree>
       <p:nvGrpSpPr>
@@ -4036,10 +4183,8 @@
       </p:grpSpPr>
       <p:sp>
         <p:nvSpPr>
-          <p:cNvPr id="112" name="Title 1"/>
-          <p:cNvSpPr txBox="1">
-            <a:spLocks noGrp="1"/>
-          </p:cNvSpPr>
+          <p:cNvPr id="129" name="Title 1"/>
+          <p:cNvSpPr txBox="1"/>
           <p:nvPr>
             <p:ph type="title"/>
           </p:nvPr>
@@ -4057,7 +4202,7 @@
           <a:bodyPr lIns="0" tIns="0" rIns="0" bIns="0" anchor="b"/>
           <a:lstStyle>
             <a:lvl1pPr>
-              <a:defRPr sz="4000" spc="-300">
+              <a:defRPr spc="-300" sz="4000">
                 <a:solidFill>
                   <a:srgbClr val="242415"/>
                 </a:solidFill>
@@ -4069,45 +4214,16 @@
             </a:lvl1pPr>
           </a:lstStyle>
           <a:p>
-            <a:r>
-              <a:rPr lang="en-GB" dirty="0"/>
-              <a:t>¿</a:t>
-            </a:r>
-            <a:r>
-              <a:rPr lang="en-GB" dirty="0" err="1"/>
-              <a:t>Qué</a:t>
-            </a:r>
-            <a:r>
-              <a:rPr dirty="0"/>
-              <a:t> </a:t>
-            </a:r>
-            <a:r>
-              <a:rPr lang="en-GB" dirty="0"/>
-              <a:t>es la </a:t>
-            </a:r>
-            <a:r>
-              <a:rPr lang="en-GB" dirty="0" err="1"/>
-              <a:t>programación</a:t>
-            </a:r>
-            <a:r>
-              <a:rPr lang="en-GB" dirty="0"/>
-              <a:t> </a:t>
-            </a:r>
-            <a:r>
-              <a:rPr lang="en-GB" dirty="0" err="1"/>
-              <a:t>funcional</a:t>
-            </a:r>
-            <a:r>
-              <a:rPr lang="en-GB" dirty="0"/>
-              <a:t>?</a:t>
-            </a:r>
-            <a:endParaRPr dirty="0"/>
+            <a:pPr/>
+            <a:r>
+              <a:t>¿Qué es la programación funcional?</a:t>
+            </a:r>
           </a:p>
         </p:txBody>
       </p:sp>
       <p:sp>
         <p:nvSpPr>
-          <p:cNvPr id="113" name="Rectángulo 17"/>
+          <p:cNvPr id="130" name="Rectángulo 17"/>
           <p:cNvSpPr/>
           <p:nvPr/>
         </p:nvSpPr>
@@ -4127,7 +4243,7 @@
           </a:ln>
         </p:spPr>
         <p:txBody>
-          <a:bodyPr lIns="45719" rIns="45719" anchor="ctr"/>
+          <a:bodyPr lIns="45718" tIns="45718" rIns="45718" bIns="45718" anchor="ctr"/>
           <a:lstStyle/>
           <a:p>
             <a:pPr algn="ctr">
@@ -4137,26 +4253,19 @@
                 </a:solidFill>
               </a:defRPr>
             </a:pPr>
-            <a:endParaRPr/>
           </a:p>
         </p:txBody>
       </p:sp>
       <p:sp>
         <p:nvSpPr>
-          <p:cNvPr id="2" name="TextBox 3">
-            <a:extLst>
-              <a:ext uri="{FF2B5EF4-FFF2-40B4-BE49-F238E27FC236}">
-                <a16:creationId xmlns:a16="http://schemas.microsoft.com/office/drawing/2014/main" id="{F690A08F-CCB4-42CD-B511-499C8E6A85C3}"/>
-              </a:ext>
-            </a:extLst>
-          </p:cNvPr>
+          <p:cNvPr id="131" name="TextBox 3"/>
           <p:cNvSpPr txBox="1"/>
           <p:nvPr/>
         </p:nvSpPr>
         <p:spPr>
           <a:xfrm>
             <a:off x="900110" y="1872711"/>
-            <a:ext cx="7653195" cy="279401"/>
+            <a:ext cx="7653195" cy="304801"/>
           </a:xfrm>
           <a:prstGeom prst="rect">
             <a:avLst/>
@@ -4166,12 +4275,12 @@
           </a:ln>
           <a:extLst>
             <a:ext uri="{C572A759-6A51-4108-AA02-DFA0A04FC94B}">
-              <ma14:wrappingTextBoxFlag xmlns:ma14="http://schemas.microsoft.com/office/mac/drawingml/2011/main" xmlns:a14="http://schemas.microsoft.com/office/drawing/2010/main" xmlns:m="http://schemas.openxmlformats.org/officeDocument/2006/math" xmlns="" val="1"/>
+              <ma14:wrappingTextBoxFlag xmlns:ma14="http://schemas.microsoft.com/office/mac/drawingml/2011/main" val="1"/>
             </a:ext>
           </a:extLst>
         </p:spPr>
         <p:txBody>
-          <a:bodyPr lIns="0" tIns="0" rIns="0" bIns="0" anchor="t">
+          <a:bodyPr lIns="0" tIns="0" rIns="0" bIns="0">
             <a:spAutoFit/>
           </a:bodyPr>
           <a:lstStyle/>
@@ -4191,19 +4300,10 @@
               </a:defRPr>
             </a:pPr>
             <a:r>
-              <a:rPr lang="en-US" dirty="0"/>
-              <a:t>Propiedades y </a:t>
-            </a:r>
-            <a:r>
-              <a:rPr lang="en-US" dirty="0" err="1"/>
-              <a:t>mentalidad</a:t>
-            </a:r>
-            <a:r>
-              <a:rPr lang="en-US" dirty="0"/>
-              <a:t> </a:t>
-            </a:r>
-            <a:r>
-              <a:rPr lang="en-US" b="1" dirty="0" err="1"/>
+              <a:t>Propiedades y mentalidad </a:t>
+            </a:r>
+            <a:r>
+              <a:rPr b="1"/>
               <a:t>matemática</a:t>
             </a:r>
           </a:p>
@@ -4211,20 +4311,14 @@
       </p:sp>
       <p:sp>
         <p:nvSpPr>
-          <p:cNvPr id="3" name="TextBox 3">
-            <a:extLst>
-              <a:ext uri="{FF2B5EF4-FFF2-40B4-BE49-F238E27FC236}">
-                <a16:creationId xmlns:a16="http://schemas.microsoft.com/office/drawing/2014/main" id="{F8297C39-9EDE-4ED0-AA37-0D780A22784F}"/>
-              </a:ext>
-            </a:extLst>
-          </p:cNvPr>
+          <p:cNvPr id="132" name="TextBox 3"/>
           <p:cNvSpPr txBox="1"/>
           <p:nvPr/>
         </p:nvSpPr>
         <p:spPr>
           <a:xfrm>
             <a:off x="900112" y="2261933"/>
-            <a:ext cx="7653195" cy="279401"/>
+            <a:ext cx="7653195" cy="304801"/>
           </a:xfrm>
           <a:prstGeom prst="rect">
             <a:avLst/>
@@ -4234,12 +4328,178 @@
           </a:ln>
           <a:extLst>
             <a:ext uri="{C572A759-6A51-4108-AA02-DFA0A04FC94B}">
-              <ma14:wrappingTextBoxFlag xmlns:ma14="http://schemas.microsoft.com/office/mac/drawingml/2011/main" xmlns:a14="http://schemas.microsoft.com/office/drawing/2010/main" xmlns:m="http://schemas.openxmlformats.org/officeDocument/2006/math" xmlns="" val="1"/>
+              <ma14:wrappingTextBoxFlag xmlns:ma14="http://schemas.microsoft.com/office/mac/drawingml/2011/main" val="1"/>
             </a:ext>
           </a:extLst>
         </p:spPr>
         <p:txBody>
-          <a:bodyPr lIns="0" tIns="0" rIns="0" bIns="0" anchor="t">
+          <a:bodyPr lIns="0" tIns="0" rIns="0" bIns="0">
+            <a:spAutoFit/>
+          </a:bodyPr>
+          <a:lstStyle/>
+          <a:p>
+            <a:pPr marL="285750" indent="-285750">
+              <a:buSzPct val="100000"/>
+              <a:buFont typeface="Arial"/>
+              <a:buChar char="•"/>
+              <a:defRPr b="1">
+                <a:solidFill>
+                  <a:srgbClr val="242415"/>
+                </a:solidFill>
+                <a:latin typeface="Open Sans"/>
+                <a:ea typeface="Open Sans"/>
+                <a:cs typeface="Open Sans"/>
+                <a:sym typeface="Open Sans"/>
+              </a:defRPr>
+            </a:pPr>
+            <a:r>
+              <a:t>Estilo de programación</a:t>
+            </a:r>
+            <a:r>
+              <a:rPr b="0"/>
+              <a:t> basado en funciones como modelo</a:t>
+            </a:r>
+          </a:p>
+        </p:txBody>
+      </p:sp>
+      <p:sp>
+        <p:nvSpPr>
+          <p:cNvPr id="133" name="TextBox 3"/>
+          <p:cNvSpPr txBox="1"/>
+          <p:nvPr/>
+        </p:nvSpPr>
+        <p:spPr>
+          <a:xfrm>
+            <a:off x="900112" y="2651155"/>
+            <a:ext cx="7653195" cy="304801"/>
+          </a:xfrm>
+          <a:prstGeom prst="rect">
+            <a:avLst/>
+          </a:prstGeom>
+          <a:ln w="12700">
+            <a:miter lim="400000"/>
+          </a:ln>
+          <a:extLst>
+            <a:ext uri="{C572A759-6A51-4108-AA02-DFA0A04FC94B}">
+              <ma14:wrappingTextBoxFlag xmlns:ma14="http://schemas.microsoft.com/office/mac/drawingml/2011/main" val="1"/>
+            </a:ext>
+          </a:extLst>
+        </p:spPr>
+        <p:txBody>
+          <a:bodyPr lIns="0" tIns="0" rIns="0" bIns="0">
+            <a:spAutoFit/>
+          </a:bodyPr>
+          <a:lstStyle/>
+          <a:p>
+            <a:pPr marL="285750" indent="-285750">
+              <a:buSzPct val="100000"/>
+              <a:buFont typeface="Arial"/>
+              <a:buChar char="•"/>
+              <a:defRPr b="1">
+                <a:solidFill>
+                  <a:srgbClr val="242415"/>
+                </a:solidFill>
+                <a:latin typeface="Open Sans"/>
+                <a:ea typeface="Open Sans"/>
+                <a:cs typeface="Open Sans"/>
+                <a:sym typeface="Open Sans"/>
+              </a:defRPr>
+            </a:pPr>
+            <a:r>
+              <a:t>No</a:t>
+            </a:r>
+            <a:r>
+              <a:rPr b="0"/>
+              <a:t> es </a:t>
+            </a:r>
+            <a:r>
+              <a:t>reciente</a:t>
+            </a:r>
+            <a:r>
+              <a:rPr b="0"/>
+              <a:t>, tiene más de 50 años</a:t>
+            </a:r>
+          </a:p>
+        </p:txBody>
+      </p:sp>
+      <p:sp>
+        <p:nvSpPr>
+          <p:cNvPr id="134" name="TextBox 3"/>
+          <p:cNvSpPr txBox="1"/>
+          <p:nvPr/>
+        </p:nvSpPr>
+        <p:spPr>
+          <a:xfrm>
+            <a:off x="900110" y="1094267"/>
+            <a:ext cx="7653195" cy="304801"/>
+          </a:xfrm>
+          <a:prstGeom prst="rect">
+            <a:avLst/>
+          </a:prstGeom>
+          <a:ln w="12700">
+            <a:miter lim="400000"/>
+          </a:ln>
+          <a:extLst>
+            <a:ext uri="{C572A759-6A51-4108-AA02-DFA0A04FC94B}">
+              <ma14:wrappingTextBoxFlag xmlns:ma14="http://schemas.microsoft.com/office/mac/drawingml/2011/main" val="1"/>
+            </a:ext>
+          </a:extLst>
+        </p:spPr>
+        <p:txBody>
+          <a:bodyPr lIns="0" tIns="0" rIns="0" bIns="0">
+            <a:spAutoFit/>
+          </a:bodyPr>
+          <a:lstStyle/>
+          <a:p>
+            <a:pPr marL="285750" indent="-285750">
+              <a:buSzPct val="100000"/>
+              <a:buFont typeface="Arial"/>
+              <a:buChar char="•"/>
+              <a:defRPr b="1">
+                <a:solidFill>
+                  <a:srgbClr val="242415"/>
+                </a:solidFill>
+                <a:latin typeface="Open Sans"/>
+                <a:ea typeface="Open Sans"/>
+                <a:cs typeface="Open Sans"/>
+                <a:sym typeface="Open Sans"/>
+              </a:defRPr>
+            </a:pPr>
+            <a:r>
+              <a:t>Paradigma</a:t>
+            </a:r>
+            <a:r>
+              <a:rPr b="0"/>
+              <a:t> de programación</a:t>
+            </a:r>
+          </a:p>
+        </p:txBody>
+      </p:sp>
+      <p:sp>
+        <p:nvSpPr>
+          <p:cNvPr id="135" name="TextBox 3"/>
+          <p:cNvSpPr txBox="1"/>
+          <p:nvPr/>
+        </p:nvSpPr>
+        <p:spPr>
+          <a:xfrm>
+            <a:off x="900110" y="1483489"/>
+            <a:ext cx="7653195" cy="304801"/>
+          </a:xfrm>
+          <a:prstGeom prst="rect">
+            <a:avLst/>
+          </a:prstGeom>
+          <a:ln w="12700">
+            <a:miter lim="400000"/>
+          </a:ln>
+          <a:extLst>
+            <a:ext uri="{C572A759-6A51-4108-AA02-DFA0A04FC94B}">
+              <ma14:wrappingTextBoxFlag xmlns:ma14="http://schemas.microsoft.com/office/mac/drawingml/2011/main" val="1"/>
+            </a:ext>
+          </a:extLst>
+        </p:spPr>
+        <p:txBody>
+          <a:bodyPr lIns="0" tIns="0" rIns="0" bIns="0">
             <a:spAutoFit/>
           </a:bodyPr>
           <a:lstStyle/>
@@ -4259,64 +4519,25 @@
               </a:defRPr>
             </a:pPr>
             <a:r>
-              <a:rPr lang="en-US" b="1" dirty="0"/>
-              <a:t>Estilo de </a:t>
-            </a:r>
-            <a:r>
-              <a:rPr lang="en-US" b="1" dirty="0" err="1"/>
-              <a:t>programación</a:t>
-            </a:r>
-            <a:r>
-              <a:rPr lang="en-US" dirty="0"/>
-              <a:t> </a:t>
-            </a:r>
-            <a:r>
-              <a:rPr lang="en-US" dirty="0" err="1"/>
-              <a:t>basado</a:t>
-            </a:r>
-            <a:r>
-              <a:rPr lang="en-US" dirty="0"/>
-              <a:t> en </a:t>
-            </a:r>
-            <a:r>
-              <a:rPr lang="en-US" dirty="0" err="1"/>
+              <a:t>Modela soluciones en torno a </a:t>
+            </a:r>
+            <a:r>
+              <a:rPr b="1"/>
               <a:t>funciones</a:t>
-            </a:r>
-            <a:r>
-              <a:rPr lang="en-US" dirty="0"/>
-              <a:t> </a:t>
-            </a:r>
-            <a:r>
-              <a:rPr lang="en-US" dirty="0" err="1"/>
-              <a:t>como</a:t>
-            </a:r>
-            <a:r>
-              <a:rPr lang="en-US" dirty="0"/>
-              <a:t> </a:t>
-            </a:r>
-            <a:r>
-              <a:rPr lang="en-US" dirty="0" err="1"/>
-              <a:t>modelo</a:t>
             </a:r>
           </a:p>
         </p:txBody>
       </p:sp>
       <p:sp>
         <p:nvSpPr>
-          <p:cNvPr id="4" name="TextBox 3">
-            <a:extLst>
-              <a:ext uri="{FF2B5EF4-FFF2-40B4-BE49-F238E27FC236}">
-                <a16:creationId xmlns:a16="http://schemas.microsoft.com/office/drawing/2014/main" id="{CDBAADE6-5D1D-4438-A559-8A4576E64C03}"/>
-              </a:ext>
-            </a:extLst>
-          </p:cNvPr>
+          <p:cNvPr id="136" name="TextBox 3"/>
           <p:cNvSpPr txBox="1"/>
           <p:nvPr/>
         </p:nvSpPr>
         <p:spPr>
           <a:xfrm>
-            <a:off x="900112" y="2651155"/>
-            <a:ext cx="7653195" cy="279401"/>
+            <a:off x="900112" y="3040377"/>
+            <a:ext cx="7653195" cy="304801"/>
           </a:xfrm>
           <a:prstGeom prst="rect">
             <a:avLst/>
@@ -4326,12 +4547,12 @@
           </a:ln>
           <a:extLst>
             <a:ext uri="{C572A759-6A51-4108-AA02-DFA0A04FC94B}">
-              <ma14:wrappingTextBoxFlag xmlns:ma14="http://schemas.microsoft.com/office/mac/drawingml/2011/main" xmlns:a14="http://schemas.microsoft.com/office/drawing/2010/main" xmlns:m="http://schemas.openxmlformats.org/officeDocument/2006/math" xmlns="" val="1"/>
+              <ma14:wrappingTextBoxFlag xmlns:ma14="http://schemas.microsoft.com/office/mac/drawingml/2011/main" val="1"/>
             </a:ext>
           </a:extLst>
         </p:spPr>
         <p:txBody>
-          <a:bodyPr lIns="0" tIns="0" rIns="0" bIns="0" anchor="t">
+          <a:bodyPr lIns="0" tIns="0" rIns="0" bIns="0">
             <a:spAutoFit/>
           </a:bodyPr>
           <a:lstStyle>
@@ -4351,62 +4572,23 @@
             </a:lvl1pPr>
           </a:lstStyle>
           <a:p>
-            <a:r>
-              <a:rPr lang="en-US" b="1" dirty="0"/>
-              <a:t>No</a:t>
-            </a:r>
-            <a:r>
-              <a:rPr lang="en-US" dirty="0"/>
-              <a:t> es </a:t>
-            </a:r>
-            <a:r>
-              <a:rPr lang="en-US" b="1" dirty="0" err="1"/>
-              <a:t>reciente</a:t>
-            </a:r>
-            <a:r>
-              <a:rPr lang="en-US" dirty="0"/>
-              <a:t>, </a:t>
-            </a:r>
-            <a:r>
-              <a:rPr lang="en-US" dirty="0" err="1"/>
-              <a:t>tiene</a:t>
-            </a:r>
-            <a:r>
-              <a:rPr lang="en-US" dirty="0"/>
-              <a:t> </a:t>
-            </a:r>
-            <a:r>
-              <a:rPr lang="en-US" dirty="0" err="1"/>
-              <a:t>más</a:t>
-            </a:r>
-            <a:r>
-              <a:rPr lang="en-US" dirty="0"/>
-              <a:t> de 50 </a:t>
-            </a:r>
-            <a:r>
-              <a:rPr lang="en-US" dirty="0" err="1"/>
-              <a:t>años</a:t>
-            </a:r>
-            <a:endParaRPr lang="en-US" dirty="0"/>
+            <a:pPr/>
+            <a:r>
+              <a:t>Fácil de integrar en JavaScript ya que es un lenguaje multiparadigma</a:t>
+            </a:r>
           </a:p>
         </p:txBody>
       </p:sp>
       <p:sp>
         <p:nvSpPr>
-          <p:cNvPr id="5" name="TextBox 3">
-            <a:extLst>
-              <a:ext uri="{FF2B5EF4-FFF2-40B4-BE49-F238E27FC236}">
-                <a16:creationId xmlns:a16="http://schemas.microsoft.com/office/drawing/2014/main" id="{E73360E9-93BB-47C9-BD8B-787F0215F172}"/>
-              </a:ext>
-            </a:extLst>
-          </p:cNvPr>
+          <p:cNvPr id="137" name="TextBox 3"/>
           <p:cNvSpPr txBox="1"/>
           <p:nvPr/>
         </p:nvSpPr>
         <p:spPr>
           <a:xfrm>
-            <a:off x="900110" y="1094267"/>
-            <a:ext cx="7653195" cy="279401"/>
+            <a:off x="900112" y="3429599"/>
+            <a:ext cx="7653195" cy="304801"/>
           </a:xfrm>
           <a:prstGeom prst="rect">
             <a:avLst/>
@@ -4416,12 +4598,12 @@
           </a:ln>
           <a:extLst>
             <a:ext uri="{C572A759-6A51-4108-AA02-DFA0A04FC94B}">
-              <ma14:wrappingTextBoxFlag xmlns:ma14="http://schemas.microsoft.com/office/mac/drawingml/2011/main" xmlns:a14="http://schemas.microsoft.com/office/drawing/2010/main" xmlns:m="http://schemas.openxmlformats.org/officeDocument/2006/math" xmlns="" val="1"/>
+              <ma14:wrappingTextBoxFlag xmlns:ma14="http://schemas.microsoft.com/office/mac/drawingml/2011/main" val="1"/>
             </a:ext>
           </a:extLst>
         </p:spPr>
         <p:txBody>
-          <a:bodyPr lIns="0" tIns="0" rIns="0" bIns="0" anchor="t">
+          <a:bodyPr lIns="0" tIns="0" rIns="0" bIns="0">
             <a:spAutoFit/>
           </a:bodyPr>
           <a:lstStyle>
@@ -4441,38 +4623,23 @@
             </a:lvl1pPr>
           </a:lstStyle>
           <a:p>
-            <a:r>
-              <a:rPr lang="en-GB" b="1" dirty="0" err="1"/>
-              <a:t>Paradigma</a:t>
-            </a:r>
-            <a:r>
-              <a:rPr lang="en-GB" dirty="0"/>
-              <a:t> de </a:t>
-            </a:r>
-            <a:r>
-              <a:rPr lang="en-GB" dirty="0" err="1"/>
-              <a:t>programación</a:t>
-            </a:r>
-            <a:endParaRPr dirty="0" err="1"/>
+            <a:pPr/>
+            <a:r>
+              <a:t>Está de moda, cada vez más lenguajes adoptan este paradigma</a:t>
+            </a:r>
           </a:p>
         </p:txBody>
       </p:sp>
       <p:sp>
         <p:nvSpPr>
-          <p:cNvPr id="6" name="TextBox 3">
-            <a:extLst>
-              <a:ext uri="{FF2B5EF4-FFF2-40B4-BE49-F238E27FC236}">
-                <a16:creationId xmlns:a16="http://schemas.microsoft.com/office/drawing/2014/main" id="{1251CE56-D5F5-4261-A35B-3D6CA8D9363D}"/>
-              </a:ext>
-            </a:extLst>
-          </p:cNvPr>
+          <p:cNvPr id="138" name="TextBox 3"/>
           <p:cNvSpPr txBox="1"/>
           <p:nvPr/>
         </p:nvSpPr>
         <p:spPr>
           <a:xfrm>
-            <a:off x="900110" y="1483489"/>
-            <a:ext cx="7653195" cy="279401"/>
+            <a:off x="900109" y="3816420"/>
+            <a:ext cx="7653195" cy="304801"/>
           </a:xfrm>
           <a:prstGeom prst="rect">
             <a:avLst/>
@@ -4482,12 +4649,12 @@
           </a:ln>
           <a:extLst>
             <a:ext uri="{C572A759-6A51-4108-AA02-DFA0A04FC94B}">
-              <ma14:wrappingTextBoxFlag xmlns:ma14="http://schemas.microsoft.com/office/mac/drawingml/2011/main" xmlns:a14="http://schemas.microsoft.com/office/drawing/2010/main" xmlns:m="http://schemas.openxmlformats.org/officeDocument/2006/math" xmlns="" val="1"/>
+              <ma14:wrappingTextBoxFlag xmlns:ma14="http://schemas.microsoft.com/office/mac/drawingml/2011/main" val="1"/>
             </a:ext>
           </a:extLst>
         </p:spPr>
         <p:txBody>
-          <a:bodyPr lIns="0" tIns="0" rIns="0" bIns="0" anchor="t">
+          <a:bodyPr lIns="0" tIns="0" rIns="0" bIns="0">
             <a:spAutoFit/>
           </a:bodyPr>
           <a:lstStyle>
@@ -4507,331 +4674,24 @@
             </a:lvl1pPr>
           </a:lstStyle>
           <a:p>
-            <a:r>
-              <a:rPr lang="en-GB" dirty="0" err="1"/>
-              <a:t>Modela</a:t>
-            </a:r>
-            <a:r>
-              <a:rPr lang="en-GB" dirty="0"/>
-              <a:t> </a:t>
-            </a:r>
-            <a:r>
-              <a:rPr lang="en-GB" dirty="0" err="1"/>
-              <a:t>soluciones</a:t>
-            </a:r>
-            <a:r>
-              <a:rPr lang="en-GB" dirty="0"/>
-              <a:t> en </a:t>
-            </a:r>
-            <a:r>
-              <a:rPr lang="en-GB" dirty="0" err="1"/>
-              <a:t>torno</a:t>
-            </a:r>
-            <a:r>
-              <a:rPr lang="en-GB" dirty="0"/>
-              <a:t> a </a:t>
-            </a:r>
-            <a:r>
-              <a:rPr lang="en-GB" b="1" dirty="0" err="1"/>
-              <a:t>funciones</a:t>
-            </a:r>
-          </a:p>
-        </p:txBody>
-      </p:sp>
-      <p:sp>
-        <p:nvSpPr>
-          <p:cNvPr id="7" name="TextBox 3">
-            <a:extLst>
-              <a:ext uri="{FF2B5EF4-FFF2-40B4-BE49-F238E27FC236}">
-                <a16:creationId xmlns:a16="http://schemas.microsoft.com/office/drawing/2014/main" id="{B8304F32-D02C-44C9-9E2C-F7EE3374CB62}"/>
-              </a:ext>
-            </a:extLst>
-          </p:cNvPr>
-          <p:cNvSpPr txBox="1"/>
-          <p:nvPr/>
-        </p:nvSpPr>
-        <p:spPr>
-          <a:xfrm>
-            <a:off x="900112" y="3040378"/>
-            <a:ext cx="7653195" cy="279401"/>
-          </a:xfrm>
-          <a:prstGeom prst="rect">
-            <a:avLst/>
-          </a:prstGeom>
-          <a:ln w="12700">
-            <a:miter lim="400000"/>
-          </a:ln>
-          <a:extLst>
-            <a:ext uri="{C572A759-6A51-4108-AA02-DFA0A04FC94B}">
-              <ma14:wrappingTextBoxFlag xmlns:ma14="http://schemas.microsoft.com/office/mac/drawingml/2011/main" xmlns:a14="http://schemas.microsoft.com/office/drawing/2010/main" xmlns:m="http://schemas.openxmlformats.org/officeDocument/2006/math" xmlns="" val="1"/>
-            </a:ext>
-          </a:extLst>
-        </p:spPr>
-        <p:txBody>
-          <a:bodyPr lIns="0" tIns="0" rIns="0" bIns="0" anchor="t">
-            <a:spAutoFit/>
-          </a:bodyPr>
-          <a:lstStyle/>
-          <a:p>
-            <a:pPr marL="285750" indent="-285750">
-              <a:buSzPct val="100000"/>
-              <a:buFont typeface="Arial"/>
-              <a:buChar char="•"/>
-              <a:defRPr>
-                <a:solidFill>
-                  <a:srgbClr val="242415"/>
-                </a:solidFill>
-                <a:latin typeface="Open Sans"/>
-                <a:ea typeface="Open Sans"/>
-                <a:cs typeface="Open Sans"/>
-                <a:sym typeface="Open Sans"/>
-              </a:defRPr>
-            </a:pPr>
-            <a:r>
-              <a:rPr lang="en-US" dirty="0" err="1"/>
-              <a:t>Fácil</a:t>
-            </a:r>
-            <a:r>
-              <a:rPr lang="en-US" dirty="0"/>
-              <a:t> de </a:t>
-            </a:r>
-            <a:r>
-              <a:rPr lang="en-US" dirty="0" err="1"/>
-              <a:t>integrar</a:t>
-            </a:r>
-            <a:r>
-              <a:rPr lang="en-US" dirty="0"/>
-              <a:t> en JavaScript </a:t>
-            </a:r>
-            <a:r>
-              <a:rPr lang="en-US" dirty="0" err="1"/>
-              <a:t>ya</a:t>
-            </a:r>
-            <a:r>
-              <a:rPr lang="en-US" dirty="0"/>
-              <a:t> que es un </a:t>
-            </a:r>
-            <a:r>
-              <a:rPr lang="en-US" dirty="0" err="1"/>
-              <a:t>lenguage</a:t>
-            </a:r>
-            <a:r>
-              <a:rPr lang="en-US" dirty="0"/>
-              <a:t> </a:t>
-            </a:r>
-            <a:r>
-              <a:rPr lang="en-US" dirty="0" err="1"/>
-              <a:t>multiparadigma</a:t>
-            </a:r>
-          </a:p>
-        </p:txBody>
-      </p:sp>
-      <p:sp>
-        <p:nvSpPr>
-          <p:cNvPr id="8" name="TextBox 3">
-            <a:extLst>
-              <a:ext uri="{FF2B5EF4-FFF2-40B4-BE49-F238E27FC236}">
-                <a16:creationId xmlns:a16="http://schemas.microsoft.com/office/drawing/2014/main" id="{F46CD173-39DD-4D21-8347-51D6DEB34691}"/>
-              </a:ext>
-            </a:extLst>
-          </p:cNvPr>
-          <p:cNvSpPr txBox="1"/>
-          <p:nvPr/>
-        </p:nvSpPr>
-        <p:spPr>
-          <a:xfrm>
-            <a:off x="900112" y="3429600"/>
-            <a:ext cx="7653195" cy="276999"/>
-          </a:xfrm>
-          <a:prstGeom prst="rect">
-            <a:avLst/>
-          </a:prstGeom>
-          <a:ln w="12700">
-            <a:miter lim="400000"/>
-          </a:ln>
-          <a:extLst>
-            <a:ext uri="{C572A759-6A51-4108-AA02-DFA0A04FC94B}">
-              <ma14:wrappingTextBoxFlag xmlns:ma14="http://schemas.microsoft.com/office/mac/drawingml/2011/main" xmlns:a14="http://schemas.microsoft.com/office/drawing/2010/main" xmlns:m="http://schemas.openxmlformats.org/officeDocument/2006/math" xmlns="" val="1"/>
-            </a:ext>
-          </a:extLst>
-        </p:spPr>
-        <p:txBody>
-          <a:bodyPr lIns="0" tIns="0" rIns="0" bIns="0" anchor="t">
-            <a:spAutoFit/>
-          </a:bodyPr>
-          <a:lstStyle/>
-          <a:p>
-            <a:pPr marL="285750" indent="-285750">
-              <a:buSzPct val="100000"/>
-              <a:buFont typeface="Arial"/>
-              <a:buChar char="•"/>
-              <a:defRPr>
-                <a:solidFill>
-                  <a:srgbClr val="242415"/>
-                </a:solidFill>
-                <a:latin typeface="Open Sans"/>
-                <a:ea typeface="Open Sans"/>
-                <a:cs typeface="Open Sans"/>
-                <a:sym typeface="Open Sans"/>
-              </a:defRPr>
-            </a:pPr>
-            <a:r>
-              <a:rPr lang="en-US" dirty="0" err="1"/>
-              <a:t>Está</a:t>
-            </a:r>
-            <a:r>
-              <a:rPr lang="en-US" dirty="0"/>
-              <a:t> de </a:t>
-            </a:r>
-            <a:r>
-              <a:rPr lang="en-US" dirty="0" err="1"/>
-              <a:t>moda</a:t>
-            </a:r>
-            <a:r>
-              <a:rPr lang="en-US" dirty="0"/>
-              <a:t>, </a:t>
-            </a:r>
-            <a:r>
-              <a:rPr lang="en-US" dirty="0" err="1"/>
-              <a:t>cada</a:t>
-            </a:r>
-            <a:r>
-              <a:rPr lang="en-US" dirty="0"/>
-              <a:t> </a:t>
-            </a:r>
-            <a:r>
-              <a:rPr lang="en-US" dirty="0" err="1"/>
-              <a:t>vez</a:t>
-            </a:r>
-            <a:r>
-              <a:rPr lang="en-US" dirty="0"/>
-              <a:t> </a:t>
-            </a:r>
-            <a:r>
-              <a:rPr lang="en-US" dirty="0" err="1"/>
-              <a:t>más</a:t>
-            </a:r>
-            <a:r>
-              <a:rPr lang="en-US" dirty="0"/>
-              <a:t> </a:t>
-            </a:r>
-            <a:r>
-              <a:rPr lang="en-US" dirty="0" err="1"/>
-              <a:t>lenguajes</a:t>
-            </a:r>
-            <a:r>
-              <a:rPr lang="en-US" dirty="0"/>
-              <a:t> </a:t>
-            </a:r>
-            <a:r>
-              <a:rPr lang="en-US" dirty="0" err="1"/>
-              <a:t>adoptan</a:t>
-            </a:r>
-            <a:r>
-              <a:rPr lang="en-US" dirty="0"/>
-              <a:t> </a:t>
-            </a:r>
-            <a:r>
-              <a:rPr lang="en-US" dirty="0" err="1"/>
-              <a:t>este</a:t>
-            </a:r>
-            <a:r>
-              <a:rPr lang="en-US" dirty="0"/>
-              <a:t> </a:t>
-            </a:r>
-            <a:r>
-              <a:rPr lang="en-US" dirty="0" err="1"/>
-              <a:t>paradigma</a:t>
-            </a:r>
-            <a:endParaRPr lang="en-US" dirty="0"/>
-          </a:p>
-        </p:txBody>
-      </p:sp>
-      <p:sp>
-        <p:nvSpPr>
-          <p:cNvPr id="9" name="TextBox 3">
-            <a:extLst>
-              <a:ext uri="{FF2B5EF4-FFF2-40B4-BE49-F238E27FC236}">
-                <a16:creationId xmlns:a16="http://schemas.microsoft.com/office/drawing/2014/main" id="{F322B547-8EBF-4910-B2C5-45844AF78EE5}"/>
-              </a:ext>
-            </a:extLst>
-          </p:cNvPr>
-          <p:cNvSpPr txBox="1"/>
-          <p:nvPr/>
-        </p:nvSpPr>
-        <p:spPr>
-          <a:xfrm>
-            <a:off x="900109" y="3816420"/>
-            <a:ext cx="7653195" cy="279401"/>
-          </a:xfrm>
-          <a:prstGeom prst="rect">
-            <a:avLst/>
-          </a:prstGeom>
-          <a:ln w="12700">
-            <a:miter lim="400000"/>
-          </a:ln>
-          <a:extLst>
-            <a:ext uri="{C572A759-6A51-4108-AA02-DFA0A04FC94B}">
-              <ma14:wrappingTextBoxFlag xmlns:ma14="http://schemas.microsoft.com/office/mac/drawingml/2011/main" xmlns:a14="http://schemas.microsoft.com/office/drawing/2010/main" xmlns:m="http://schemas.openxmlformats.org/officeDocument/2006/math" xmlns="" val="1"/>
-            </a:ext>
-          </a:extLst>
-        </p:spPr>
-        <p:txBody>
-          <a:bodyPr lIns="0" tIns="0" rIns="0" bIns="0" anchor="t">
-            <a:spAutoFit/>
-          </a:bodyPr>
-          <a:lstStyle>
-            <a:lvl1pPr marL="285750" indent="-285750">
-              <a:buSzPct val="100000"/>
-              <a:buFont typeface="Arial"/>
-              <a:buChar char="•"/>
-              <a:defRPr>
-                <a:solidFill>
-                  <a:srgbClr val="242415"/>
-                </a:solidFill>
-                <a:latin typeface="Open Sans"/>
-                <a:ea typeface="Open Sans"/>
-                <a:cs typeface="Open Sans"/>
-                <a:sym typeface="Open Sans"/>
-              </a:defRPr>
-            </a:lvl1pPr>
-          </a:lstStyle>
-          <a:p>
-            <a:r>
-              <a:rPr lang="en-US" dirty="0"/>
-              <a:t>Tiene puntos </a:t>
-            </a:r>
-            <a:r>
-              <a:rPr lang="en-US" dirty="0" err="1"/>
-              <a:t>fuertes</a:t>
-            </a:r>
-            <a:r>
-              <a:rPr lang="en-US" dirty="0"/>
-              <a:t> y puntos </a:t>
-            </a:r>
-            <a:r>
-              <a:rPr lang="en-US" dirty="0" err="1"/>
-              <a:t>débiles</a:t>
+            <a:pPr/>
+            <a:r>
+              <a:t>Tiene puntos fuertes y puntos débiles</a:t>
             </a:r>
           </a:p>
         </p:txBody>
       </p:sp>
     </p:spTree>
-    <p:extLst>
-      <p:ext uri="{BB962C8B-B14F-4D97-AF65-F5344CB8AC3E}">
-        <p14:creationId xmlns:p14="http://schemas.microsoft.com/office/powerpoint/2010/main" val="722088944"/>
-      </p:ext>
-    </p:extLst>
   </p:cSld>
   <p:clrMapOvr>
     <a:masterClrMapping/>
   </p:clrMapOvr>
-  <p:transition spd="med"/>
+  <p:transition xmlns:p14="http://schemas.microsoft.com/office/powerpoint/2010/main" spd="med" advClick="1"/>
 </p:sld>
 </file>
 
 <file path=ppt/slides/slide4.xml><?xml version="1.0" encoding="utf-8"?>
-<p:sld xmlns:a="http://schemas.openxmlformats.org/drawingml/2006/main" xmlns:r="http://schemas.openxmlformats.org/officeDocument/2006/relationships" xmlns:p="http://schemas.openxmlformats.org/presentationml/2006/main">
+<p:sld xmlns:a="http://schemas.openxmlformats.org/drawingml/2006/main" xmlns:r="http://schemas.openxmlformats.org/officeDocument/2006/relationships" xmlns:p="http://schemas.openxmlformats.org/presentationml/2006/main" xmlns:m="http://schemas.openxmlformats.org/officeDocument/2006/math" xmlns:a14="http://schemas.microsoft.com/office/drawing/2010/main" showMasterSp="1" showMasterPhAnim="1">
   <p:cSld>
     <p:spTree>
       <p:nvGrpSpPr>
@@ -4849,10 +4709,8 @@
       </p:grpSpPr>
       <p:sp>
         <p:nvSpPr>
-          <p:cNvPr id="112" name="Title 1"/>
-          <p:cNvSpPr txBox="1">
-            <a:spLocks noGrp="1"/>
-          </p:cNvSpPr>
+          <p:cNvPr id="140" name="Title 1"/>
+          <p:cNvSpPr txBox="1"/>
           <p:nvPr>
             <p:ph type="title"/>
           </p:nvPr>
@@ -4870,7 +4728,7 @@
           <a:bodyPr lIns="0" tIns="0" rIns="0" bIns="0" anchor="b"/>
           <a:lstStyle>
             <a:lvl1pPr>
-              <a:defRPr sz="4000" spc="-300">
+              <a:defRPr spc="-300" sz="4000">
                 <a:solidFill>
                   <a:srgbClr val="242415"/>
                 </a:solidFill>
@@ -4882,8 +4740,8 @@
             </a:lvl1pPr>
           </a:lstStyle>
           <a:p>
-            <a:r>
-              <a:rPr lang="en-GB" dirty="0" err="1"/>
+            <a:pPr/>
+            <a:r>
               <a:t>Características</a:t>
             </a:r>
           </a:p>
@@ -4891,7 +4749,7 @@
       </p:sp>
       <p:sp>
         <p:nvSpPr>
-          <p:cNvPr id="113" name="Rectángulo 17"/>
+          <p:cNvPr id="141" name="Rectángulo 17"/>
           <p:cNvSpPr/>
           <p:nvPr/>
         </p:nvSpPr>
@@ -4911,7 +4769,7 @@
           </a:ln>
         </p:spPr>
         <p:txBody>
-          <a:bodyPr lIns="45719" rIns="45719" anchor="ctr"/>
+          <a:bodyPr lIns="45718" tIns="45718" rIns="45718" bIns="45718" anchor="ctr"/>
           <a:lstStyle/>
           <a:p>
             <a:pPr algn="ctr">
@@ -4921,26 +4779,19 @@
                 </a:solidFill>
               </a:defRPr>
             </a:pPr>
-            <a:endParaRPr/>
           </a:p>
         </p:txBody>
       </p:sp>
       <p:sp>
         <p:nvSpPr>
-          <p:cNvPr id="13" name="Rectángulo 16">
-            <a:extLst>
-              <a:ext uri="{FF2B5EF4-FFF2-40B4-BE49-F238E27FC236}">
-                <a16:creationId xmlns:a16="http://schemas.microsoft.com/office/drawing/2014/main" id="{BD1EB85E-8B11-4CB3-8D90-C00393553C89}"/>
-              </a:ext>
-            </a:extLst>
-          </p:cNvPr>
+          <p:cNvPr id="142" name="Rectángulo 16"/>
           <p:cNvSpPr/>
           <p:nvPr/>
         </p:nvSpPr>
         <p:spPr>
           <a:xfrm>
-            <a:off x="1044098" y="1064531"/>
-            <a:ext cx="5614677" cy="369330"/>
+            <a:off x="1044097" y="1064530"/>
+            <a:ext cx="5575359" cy="396239"/>
           </a:xfrm>
           <a:prstGeom prst="rect">
             <a:avLst/>
@@ -4948,24 +4799,22 @@
           <a:solidFill>
             <a:srgbClr val="A6A6A6"/>
           </a:solidFill>
-          <a:ln w="12700" cap="flat">
-            <a:noFill/>
+          <a:ln w="12700">
             <a:miter lim="400000"/>
           </a:ln>
-          <a:effectLst/>
           <a:extLst>
             <a:ext uri="{C572A759-6A51-4108-AA02-DFA0A04FC94B}">
-              <ma14:wrappingTextBoxFlag xmlns:ma14="http://schemas.microsoft.com/office/mac/drawingml/2011/main" xmlns:a14="http://schemas.microsoft.com/office/drawing/2010/main" xmlns:m="http://schemas.openxmlformats.org/officeDocument/2006/math" xmlns="" val="1"/>
+              <ma14:wrappingTextBoxFlag xmlns:ma14="http://schemas.microsoft.com/office/mac/drawingml/2011/main" val="1"/>
             </a:ext>
           </a:extLst>
         </p:spPr>
         <p:txBody>
-          <a:bodyPr wrap="none" lIns="45719" tIns="45719" rIns="45719" bIns="45719" numCol="1" anchor="t">
+          <a:bodyPr wrap="none" lIns="45718" tIns="45718" rIns="45718" bIns="45718">
             <a:spAutoFit/>
           </a:bodyPr>
           <a:lstStyle>
             <a:lvl1pPr>
-              <a:defRPr sz="1200">
+              <a:defRPr>
                 <a:solidFill>
                   <a:srgbClr val="FFFFFF"/>
                 </a:solidFill>
@@ -4977,8 +4826,8 @@
             </a:lvl1pPr>
           </a:lstStyle>
           <a:p>
-            <a:r>
-              <a:rPr lang="es-ES_tradnl" sz="1800" dirty="0"/>
+            <a:pPr/>
+            <a:r>
               <a:t>Funciones como ciudadanos de primer y alto orden</a:t>
             </a:r>
           </a:p>
@@ -4986,20 +4835,14 @@
       </p:sp>
       <p:sp>
         <p:nvSpPr>
-          <p:cNvPr id="14" name="Rectángulo 16">
-            <a:extLst>
-              <a:ext uri="{FF2B5EF4-FFF2-40B4-BE49-F238E27FC236}">
-                <a16:creationId xmlns:a16="http://schemas.microsoft.com/office/drawing/2014/main" id="{4520B66C-DA59-493E-AC54-5BC277932CBC}"/>
-              </a:ext>
-            </a:extLst>
-          </p:cNvPr>
+          <p:cNvPr id="143" name="Rectángulo 16"/>
           <p:cNvSpPr/>
           <p:nvPr/>
         </p:nvSpPr>
         <p:spPr>
           <a:xfrm>
             <a:off x="1044097" y="2104293"/>
-            <a:ext cx="1587933" cy="369330"/>
+            <a:ext cx="1589815" cy="396239"/>
           </a:xfrm>
           <a:prstGeom prst="rect">
             <a:avLst/>
@@ -5007,24 +4850,22 @@
           <a:solidFill>
             <a:srgbClr val="A6A6A6"/>
           </a:solidFill>
-          <a:ln w="12700" cap="flat">
-            <a:noFill/>
+          <a:ln w="12700">
             <a:miter lim="400000"/>
           </a:ln>
-          <a:effectLst/>
           <a:extLst>
             <a:ext uri="{C572A759-6A51-4108-AA02-DFA0A04FC94B}">
-              <ma14:wrappingTextBoxFlag xmlns:ma14="http://schemas.microsoft.com/office/mac/drawingml/2011/main" xmlns:a14="http://schemas.microsoft.com/office/drawing/2010/main" xmlns:m="http://schemas.openxmlformats.org/officeDocument/2006/math" xmlns="" val="1"/>
+              <ma14:wrappingTextBoxFlag xmlns:ma14="http://schemas.microsoft.com/office/mac/drawingml/2011/main" val="1"/>
             </a:ext>
           </a:extLst>
         </p:spPr>
         <p:txBody>
-          <a:bodyPr wrap="none" lIns="45719" tIns="45719" rIns="45719" bIns="45719" numCol="1" anchor="t">
+          <a:bodyPr wrap="none" lIns="45718" tIns="45718" rIns="45718" bIns="45718">
             <a:spAutoFit/>
           </a:bodyPr>
           <a:lstStyle>
             <a:lvl1pPr>
-              <a:defRPr sz="1200">
+              <a:defRPr>
                 <a:solidFill>
                   <a:srgbClr val="FFFFFF"/>
                 </a:solidFill>
@@ -5036,8 +4877,8 @@
             </a:lvl1pPr>
           </a:lstStyle>
           <a:p>
-            <a:r>
-              <a:rPr lang="es-ES_tradnl" sz="1800" dirty="0"/>
+            <a:pPr/>
+            <a:r>
               <a:t>Inmutabilidad</a:t>
             </a:r>
           </a:p>
@@ -5045,20 +4886,14 @@
       </p:sp>
       <p:sp>
         <p:nvSpPr>
-          <p:cNvPr id="15" name="Rectángulo 16">
-            <a:extLst>
-              <a:ext uri="{FF2B5EF4-FFF2-40B4-BE49-F238E27FC236}">
-                <a16:creationId xmlns:a16="http://schemas.microsoft.com/office/drawing/2014/main" id="{DAE1E861-09B4-4C49-B221-85FB48D1929F}"/>
-              </a:ext>
-            </a:extLst>
-          </p:cNvPr>
+          <p:cNvPr id="144" name="Rectángulo 16"/>
           <p:cNvSpPr/>
           <p:nvPr/>
         </p:nvSpPr>
         <p:spPr>
           <a:xfrm>
-            <a:off x="1044097" y="1584412"/>
-            <a:ext cx="4765085" cy="369330"/>
+            <a:off x="1044096" y="1584412"/>
+            <a:ext cx="4704938" cy="396239"/>
           </a:xfrm>
           <a:prstGeom prst="rect">
             <a:avLst/>
@@ -5066,24 +4901,22 @@
           <a:solidFill>
             <a:srgbClr val="A6A6A6"/>
           </a:solidFill>
-          <a:ln w="12700" cap="flat">
-            <a:noFill/>
+          <a:ln w="12700">
             <a:miter lim="400000"/>
           </a:ln>
-          <a:effectLst/>
           <a:extLst>
             <a:ext uri="{C572A759-6A51-4108-AA02-DFA0A04FC94B}">
-              <ma14:wrappingTextBoxFlag xmlns:ma14="http://schemas.microsoft.com/office/mac/drawingml/2011/main" xmlns:a14="http://schemas.microsoft.com/office/drawing/2010/main" xmlns:m="http://schemas.openxmlformats.org/officeDocument/2006/math" xmlns="" val="1"/>
+              <ma14:wrappingTextBoxFlag xmlns:ma14="http://schemas.microsoft.com/office/mac/drawingml/2011/main" val="1"/>
             </a:ext>
           </a:extLst>
         </p:spPr>
         <p:txBody>
-          <a:bodyPr wrap="none" lIns="45719" tIns="45719" rIns="45719" bIns="45719" numCol="1" anchor="t">
+          <a:bodyPr wrap="none" lIns="45718" tIns="45718" rIns="45718" bIns="45718">
             <a:spAutoFit/>
           </a:bodyPr>
           <a:lstStyle>
             <a:lvl1pPr>
-              <a:defRPr sz="1200">
+              <a:defRPr>
                 <a:solidFill>
                   <a:srgbClr val="FFFFFF"/>
                 </a:solidFill>
@@ -5095,8 +4928,8 @@
             </a:lvl1pPr>
           </a:lstStyle>
           <a:p>
-            <a:r>
-              <a:rPr lang="es-ES_tradnl" sz="1800" dirty="0"/>
+            <a:pPr/>
+            <a:r>
               <a:t>Funciones Puras, Transparencia Referencial</a:t>
             </a:r>
           </a:p>
@@ -5104,20 +4937,14 @@
       </p:sp>
       <p:sp>
         <p:nvSpPr>
-          <p:cNvPr id="16" name="Rectángulo 16">
-            <a:extLst>
-              <a:ext uri="{FF2B5EF4-FFF2-40B4-BE49-F238E27FC236}">
-                <a16:creationId xmlns:a16="http://schemas.microsoft.com/office/drawing/2014/main" id="{FFDFFDD7-A121-4040-AB62-63BBF6ED5A85}"/>
-              </a:ext>
-            </a:extLst>
-          </p:cNvPr>
+          <p:cNvPr id="145" name="Rectángulo 16"/>
           <p:cNvSpPr/>
           <p:nvPr/>
         </p:nvSpPr>
         <p:spPr>
           <a:xfrm>
-            <a:off x="2786308" y="2104291"/>
-            <a:ext cx="1462899" cy="369330"/>
+            <a:off x="2786308" y="2104290"/>
+            <a:ext cx="1462679" cy="396239"/>
           </a:xfrm>
           <a:prstGeom prst="rect">
             <a:avLst/>
@@ -5125,24 +4952,22 @@
           <a:solidFill>
             <a:srgbClr val="A6A6A6"/>
           </a:solidFill>
-          <a:ln w="12700" cap="flat">
-            <a:noFill/>
+          <a:ln w="12700">
             <a:miter lim="400000"/>
           </a:ln>
-          <a:effectLst/>
           <a:extLst>
             <a:ext uri="{C572A759-6A51-4108-AA02-DFA0A04FC94B}">
-              <ma14:wrappingTextBoxFlag xmlns:ma14="http://schemas.microsoft.com/office/mac/drawingml/2011/main" xmlns:a14="http://schemas.microsoft.com/office/drawing/2010/main" xmlns:m="http://schemas.openxmlformats.org/officeDocument/2006/math" xmlns="" val="1"/>
+              <ma14:wrappingTextBoxFlag xmlns:ma14="http://schemas.microsoft.com/office/mac/drawingml/2011/main" val="1"/>
             </a:ext>
           </a:extLst>
         </p:spPr>
         <p:txBody>
-          <a:bodyPr wrap="none" lIns="45719" tIns="45719" rIns="45719" bIns="45719" numCol="1" anchor="t">
+          <a:bodyPr wrap="none" lIns="45718" tIns="45718" rIns="45718" bIns="45718">
             <a:spAutoFit/>
           </a:bodyPr>
           <a:lstStyle>
             <a:lvl1pPr>
-              <a:defRPr sz="1200">
+              <a:defRPr>
                 <a:solidFill>
                   <a:srgbClr val="FFFFFF"/>
                 </a:solidFill>
@@ -5154,34 +4979,23 @@
             </a:lvl1pPr>
           </a:lstStyle>
           <a:p>
-            <a:r>
-              <a:rPr lang="es-ES" sz="1800" dirty="0"/>
-              <a:t>R</a:t>
-            </a:r>
-            <a:r>
-              <a:rPr lang="es-ES_tradnl" sz="1800" dirty="0" err="1"/>
-              <a:t>ecursividad</a:t>
-            </a:r>
-            <a:endParaRPr lang="es-ES_tradnl" sz="1800" dirty="0"/>
+            <a:pPr/>
+            <a:r>
+              <a:t>Recursividad</a:t>
+            </a:r>
           </a:p>
         </p:txBody>
       </p:sp>
       <p:sp>
         <p:nvSpPr>
-          <p:cNvPr id="17" name="Rectángulo 16">
-            <a:extLst>
-              <a:ext uri="{FF2B5EF4-FFF2-40B4-BE49-F238E27FC236}">
-                <a16:creationId xmlns:a16="http://schemas.microsoft.com/office/drawing/2014/main" id="{ACD39980-1085-495D-8B36-7EC80EA68BDB}"/>
-              </a:ext>
-            </a:extLst>
-          </p:cNvPr>
+          <p:cNvPr id="146" name="Rectángulo 16"/>
           <p:cNvSpPr/>
           <p:nvPr/>
         </p:nvSpPr>
         <p:spPr>
           <a:xfrm>
-            <a:off x="1044097" y="2624174"/>
-            <a:ext cx="3578863" cy="369330"/>
+            <a:off x="1044097" y="2624173"/>
+            <a:ext cx="3548207" cy="396239"/>
           </a:xfrm>
           <a:prstGeom prst="rect">
             <a:avLst/>
@@ -5189,24 +5003,22 @@
           <a:solidFill>
             <a:srgbClr val="A6A6A6"/>
           </a:solidFill>
-          <a:ln w="12700" cap="flat">
-            <a:noFill/>
+          <a:ln w="12700">
             <a:miter lim="400000"/>
           </a:ln>
-          <a:effectLst/>
           <a:extLst>
             <a:ext uri="{C572A759-6A51-4108-AA02-DFA0A04FC94B}">
-              <ma14:wrappingTextBoxFlag xmlns:ma14="http://schemas.microsoft.com/office/mac/drawingml/2011/main" xmlns:a14="http://schemas.microsoft.com/office/drawing/2010/main" xmlns:m="http://schemas.openxmlformats.org/officeDocument/2006/math" xmlns="" val="1"/>
+              <ma14:wrappingTextBoxFlag xmlns:ma14="http://schemas.microsoft.com/office/mac/drawingml/2011/main" val="1"/>
             </a:ext>
           </a:extLst>
         </p:spPr>
         <p:txBody>
-          <a:bodyPr wrap="none" lIns="45719" tIns="45719" rIns="45719" bIns="45719" numCol="1" anchor="t">
+          <a:bodyPr wrap="none" lIns="45718" tIns="45718" rIns="45718" bIns="45718">
             <a:spAutoFit/>
           </a:bodyPr>
           <a:lstStyle>
             <a:lvl1pPr>
-              <a:defRPr sz="1200">
+              <a:defRPr>
                 <a:solidFill>
                   <a:srgbClr val="FFFFFF"/>
                 </a:solidFill>
@@ -5218,30 +5030,23 @@
             </a:lvl1pPr>
           </a:lstStyle>
           <a:p>
-            <a:r>
-              <a:rPr lang="es-ES" sz="1800" dirty="0"/>
+            <a:pPr/>
+            <a:r>
               <a:t>Estructuras de datos algebraicas</a:t>
             </a:r>
-            <a:endParaRPr lang="es-ES_tradnl" sz="1800" dirty="0"/>
           </a:p>
         </p:txBody>
       </p:sp>
       <p:sp>
         <p:nvSpPr>
-          <p:cNvPr id="18" name="Rectángulo 17">
-            <a:extLst>
-              <a:ext uri="{FF2B5EF4-FFF2-40B4-BE49-F238E27FC236}">
-                <a16:creationId xmlns:a16="http://schemas.microsoft.com/office/drawing/2014/main" id="{2703B444-B9B1-4BC4-868C-7465809F43A3}"/>
-              </a:ext>
-            </a:extLst>
-          </p:cNvPr>
+          <p:cNvPr id="147" name="Rectángulo 17"/>
           <p:cNvSpPr/>
           <p:nvPr/>
         </p:nvSpPr>
         <p:spPr>
           <a:xfrm>
-            <a:off x="1044097" y="3144055"/>
-            <a:ext cx="1852428" cy="369330"/>
+            <a:off x="1044097" y="3144054"/>
+            <a:ext cx="1847437" cy="396239"/>
           </a:xfrm>
           <a:prstGeom prst="rect">
             <a:avLst/>
@@ -5249,24 +5054,22 @@
           <a:solidFill>
             <a:srgbClr val="A6A6A6"/>
           </a:solidFill>
-          <a:ln w="12700" cap="flat">
-            <a:noFill/>
+          <a:ln w="12700">
             <a:miter lim="400000"/>
           </a:ln>
-          <a:effectLst/>
           <a:extLst>
             <a:ext uri="{C572A759-6A51-4108-AA02-DFA0A04FC94B}">
-              <ma14:wrappingTextBoxFlag xmlns:ma14="http://schemas.microsoft.com/office/mac/drawingml/2011/main" xmlns:a14="http://schemas.microsoft.com/office/drawing/2010/main" xmlns:m="http://schemas.openxmlformats.org/officeDocument/2006/math" xmlns="" val="1"/>
+              <ma14:wrappingTextBoxFlag xmlns:ma14="http://schemas.microsoft.com/office/mac/drawingml/2011/main" val="1"/>
             </a:ext>
           </a:extLst>
         </p:spPr>
         <p:txBody>
-          <a:bodyPr wrap="none" lIns="45719" tIns="45719" rIns="45719" bIns="45719" numCol="1" anchor="t">
+          <a:bodyPr wrap="none" lIns="45718" tIns="45718" rIns="45718" bIns="45718">
             <a:spAutoFit/>
           </a:bodyPr>
           <a:lstStyle>
             <a:lvl1pPr>
-              <a:defRPr sz="1200">
+              <a:defRPr i="1">
                 <a:solidFill>
                   <a:srgbClr val="FFFFFF"/>
                 </a:solidFill>
@@ -5278,38 +5081,23 @@
             </a:lvl1pPr>
           </a:lstStyle>
           <a:p>
-            <a:r>
-              <a:rPr lang="es-ES" sz="1800" i="1" dirty="0" err="1"/>
-              <a:t>Pattern</a:t>
-            </a:r>
-            <a:r>
-              <a:rPr lang="es-ES" sz="1800" i="1" dirty="0"/>
-              <a:t> </a:t>
-            </a:r>
-            <a:r>
-              <a:rPr lang="es-ES" sz="1800" i="1" dirty="0" err="1"/>
-              <a:t>matching</a:t>
-            </a:r>
-            <a:endParaRPr lang="es-ES_tradnl" sz="1800" i="1" dirty="0"/>
+            <a:pPr/>
+            <a:r>
+              <a:t>Pattern matching</a:t>
+            </a:r>
           </a:p>
         </p:txBody>
       </p:sp>
       <p:sp>
         <p:nvSpPr>
-          <p:cNvPr id="19" name="Rectángulo 18">
-            <a:extLst>
-              <a:ext uri="{FF2B5EF4-FFF2-40B4-BE49-F238E27FC236}">
-                <a16:creationId xmlns:a16="http://schemas.microsoft.com/office/drawing/2014/main" id="{21D8179C-844B-4E70-AC21-2B5A5A44BBAF}"/>
-              </a:ext>
-            </a:extLst>
-          </p:cNvPr>
+          <p:cNvPr id="148" name="Rectángulo 18"/>
           <p:cNvSpPr/>
           <p:nvPr/>
         </p:nvSpPr>
         <p:spPr>
           <a:xfrm>
-            <a:off x="3046078" y="3144055"/>
-            <a:ext cx="1676098" cy="369330"/>
+            <a:off x="3046077" y="3144054"/>
+            <a:ext cx="1671188" cy="396239"/>
           </a:xfrm>
           <a:prstGeom prst="rect">
             <a:avLst/>
@@ -5317,24 +5105,22 @@
           <a:solidFill>
             <a:srgbClr val="A6A6A6"/>
           </a:solidFill>
-          <a:ln w="12700" cap="flat">
-            <a:noFill/>
+          <a:ln w="12700">
             <a:miter lim="400000"/>
           </a:ln>
-          <a:effectLst/>
           <a:extLst>
             <a:ext uri="{C572A759-6A51-4108-AA02-DFA0A04FC94B}">
-              <ma14:wrappingTextBoxFlag xmlns:ma14="http://schemas.microsoft.com/office/mac/drawingml/2011/main" xmlns:a14="http://schemas.microsoft.com/office/drawing/2010/main" xmlns:m="http://schemas.openxmlformats.org/officeDocument/2006/math" xmlns="" val="1"/>
+              <ma14:wrappingTextBoxFlag xmlns:ma14="http://schemas.microsoft.com/office/mac/drawingml/2011/main" val="1"/>
             </a:ext>
           </a:extLst>
         </p:spPr>
         <p:txBody>
-          <a:bodyPr wrap="none" lIns="45719" tIns="45719" rIns="45719" bIns="45719" numCol="1" anchor="t">
+          <a:bodyPr wrap="none" lIns="45718" tIns="45718" rIns="45718" bIns="45718">
             <a:spAutoFit/>
           </a:bodyPr>
           <a:lstStyle>
             <a:lvl1pPr>
-              <a:defRPr sz="1200">
+              <a:defRPr i="1">
                 <a:solidFill>
                   <a:srgbClr val="FFFFFF"/>
                 </a:solidFill>
@@ -5346,38 +5132,23 @@
             </a:lvl1pPr>
           </a:lstStyle>
           <a:p>
-            <a:r>
-              <a:rPr lang="es-ES" sz="1800" i="1" dirty="0" err="1"/>
-              <a:t>Lazy</a:t>
-            </a:r>
-            <a:r>
-              <a:rPr lang="es-ES" sz="1800" i="1" dirty="0"/>
-              <a:t> </a:t>
-            </a:r>
-            <a:r>
-              <a:rPr lang="es-ES" sz="1800" i="1" dirty="0" err="1"/>
-              <a:t>Evaluation</a:t>
-            </a:r>
-            <a:endParaRPr lang="es-ES_tradnl" sz="1800" i="1" dirty="0"/>
+            <a:pPr/>
+            <a:r>
+              <a:t>Lazy Evaluation</a:t>
+            </a:r>
           </a:p>
         </p:txBody>
       </p:sp>
       <p:sp>
         <p:nvSpPr>
-          <p:cNvPr id="20" name="Rectángulo 19">
-            <a:extLst>
-              <a:ext uri="{FF2B5EF4-FFF2-40B4-BE49-F238E27FC236}">
-                <a16:creationId xmlns:a16="http://schemas.microsoft.com/office/drawing/2014/main" id="{E9062AB0-48BA-4781-BD34-38DF2304F81E}"/>
-              </a:ext>
-            </a:extLst>
-          </p:cNvPr>
+          <p:cNvPr id="149" name="Rectángulo 19"/>
           <p:cNvSpPr/>
           <p:nvPr/>
         </p:nvSpPr>
         <p:spPr>
           <a:xfrm>
-            <a:off x="1044097" y="3663935"/>
-            <a:ext cx="2867130" cy="369330"/>
+            <a:off x="1044097" y="3663934"/>
+            <a:ext cx="2838632" cy="396239"/>
           </a:xfrm>
           <a:prstGeom prst="rect">
             <a:avLst/>
@@ -5385,24 +5156,22 @@
           <a:solidFill>
             <a:srgbClr val="A6A6A6"/>
           </a:solidFill>
-          <a:ln w="12700" cap="flat">
-            <a:noFill/>
+          <a:ln w="12700">
             <a:miter lim="400000"/>
           </a:ln>
-          <a:effectLst/>
           <a:extLst>
             <a:ext uri="{C572A759-6A51-4108-AA02-DFA0A04FC94B}">
-              <ma14:wrappingTextBoxFlag xmlns:ma14="http://schemas.microsoft.com/office/mac/drawingml/2011/main" xmlns:a14="http://schemas.microsoft.com/office/drawing/2010/main" xmlns:m="http://schemas.openxmlformats.org/officeDocument/2006/math" xmlns="" val="1"/>
+              <ma14:wrappingTextBoxFlag xmlns:ma14="http://schemas.microsoft.com/office/mac/drawingml/2011/main" val="1"/>
             </a:ext>
           </a:extLst>
         </p:spPr>
         <p:txBody>
-          <a:bodyPr wrap="none" lIns="45719" tIns="45719" rIns="45719" bIns="45719" numCol="1" anchor="t">
+          <a:bodyPr wrap="none" lIns="45718" tIns="45718" rIns="45718" bIns="45718">
             <a:spAutoFit/>
           </a:bodyPr>
           <a:lstStyle>
             <a:lvl1pPr>
-              <a:defRPr sz="1200">
+              <a:defRPr>
                 <a:solidFill>
                   <a:srgbClr val="FFFFFF"/>
                 </a:solidFill>
@@ -5414,30 +5183,23 @@
             </a:lvl1pPr>
           </a:lstStyle>
           <a:p>
-            <a:r>
-              <a:rPr lang="es-ES" sz="1800" dirty="0"/>
+            <a:pPr/>
+            <a:r>
               <a:t>Programación Declarativa</a:t>
             </a:r>
-            <a:endParaRPr lang="es-ES_tradnl" sz="1800" dirty="0"/>
           </a:p>
         </p:txBody>
       </p:sp>
       <p:sp>
         <p:nvSpPr>
-          <p:cNvPr id="21" name="Rectángulo 20">
-            <a:extLst>
-              <a:ext uri="{FF2B5EF4-FFF2-40B4-BE49-F238E27FC236}">
-                <a16:creationId xmlns:a16="http://schemas.microsoft.com/office/drawing/2014/main" id="{611C7EAF-E69B-48ED-B5EB-06B53B3FD001}"/>
-              </a:ext>
-            </a:extLst>
-          </p:cNvPr>
+          <p:cNvPr id="150" name="Rectángulo 20"/>
           <p:cNvSpPr/>
           <p:nvPr/>
         </p:nvSpPr>
         <p:spPr>
           <a:xfrm>
-            <a:off x="1044097" y="4183814"/>
-            <a:ext cx="4776306" cy="369330"/>
+            <a:off x="1044096" y="4183814"/>
+            <a:ext cx="4740656" cy="396239"/>
           </a:xfrm>
           <a:prstGeom prst="rect">
             <a:avLst/>
@@ -5445,24 +5207,22 @@
           <a:solidFill>
             <a:srgbClr val="A6A6A6"/>
           </a:solidFill>
-          <a:ln w="12700" cap="flat">
-            <a:noFill/>
+          <a:ln w="12700">
             <a:miter lim="400000"/>
           </a:ln>
-          <a:effectLst/>
           <a:extLst>
             <a:ext uri="{C572A759-6A51-4108-AA02-DFA0A04FC94B}">
-              <ma14:wrappingTextBoxFlag xmlns:ma14="http://schemas.microsoft.com/office/mac/drawingml/2011/main" xmlns:a14="http://schemas.microsoft.com/office/drawing/2010/main" xmlns:m="http://schemas.openxmlformats.org/officeDocument/2006/math" xmlns="" val="1"/>
+              <ma14:wrappingTextBoxFlag xmlns:ma14="http://schemas.microsoft.com/office/mac/drawingml/2011/main" val="1"/>
             </a:ext>
           </a:extLst>
         </p:spPr>
         <p:txBody>
-          <a:bodyPr wrap="none" lIns="45719" tIns="45719" rIns="45719" bIns="45719" numCol="1" anchor="t">
+          <a:bodyPr wrap="none" lIns="45718" tIns="45718" rIns="45718" bIns="45718">
             <a:spAutoFit/>
           </a:bodyPr>
           <a:lstStyle>
             <a:lvl1pPr>
-              <a:defRPr sz="1200">
+              <a:defRPr>
                 <a:solidFill>
                   <a:srgbClr val="FFFFFF"/>
                 </a:solidFill>
@@ -5474,30 +5234,24 @@
             </a:lvl1pPr>
           </a:lstStyle>
           <a:p>
-            <a:r>
-              <a:rPr lang="es-ES" sz="1800" dirty="0"/>
+            <a:pPr/>
+            <a:r>
               <a:t>Guardas, condiciones a nivel de declaración</a:t>
             </a:r>
-            <a:endParaRPr lang="es-ES_tradnl" sz="1800" dirty="0"/>
           </a:p>
         </p:txBody>
       </p:sp>
     </p:spTree>
-    <p:extLst>
-      <p:ext uri="{BB962C8B-B14F-4D97-AF65-F5344CB8AC3E}">
-        <p14:creationId xmlns:p14="http://schemas.microsoft.com/office/powerpoint/2010/main" val="2942175619"/>
-      </p:ext>
-    </p:extLst>
   </p:cSld>
   <p:clrMapOvr>
     <a:masterClrMapping/>
   </p:clrMapOvr>
-  <p:transition spd="med"/>
+  <p:transition xmlns:p14="http://schemas.microsoft.com/office/powerpoint/2010/main" spd="med" advClick="1"/>
 </p:sld>
 </file>
 
 <file path=ppt/slides/slide5.xml><?xml version="1.0" encoding="utf-8"?>
-<p:sld xmlns:a="http://schemas.openxmlformats.org/drawingml/2006/main" xmlns:r="http://schemas.openxmlformats.org/officeDocument/2006/relationships" xmlns:p="http://schemas.openxmlformats.org/presentationml/2006/main">
+<p:sld xmlns:a="http://schemas.openxmlformats.org/drawingml/2006/main" xmlns:r="http://schemas.openxmlformats.org/officeDocument/2006/relationships" xmlns:p="http://schemas.openxmlformats.org/presentationml/2006/main" xmlns:m="http://schemas.openxmlformats.org/officeDocument/2006/math" xmlns:a14="http://schemas.microsoft.com/office/drawing/2010/main" showMasterSp="1" showMasterPhAnim="1">
   <p:cSld>
     <p:spTree>
       <p:nvGrpSpPr>
@@ -5515,10 +5269,8 @@
       </p:grpSpPr>
       <p:sp>
         <p:nvSpPr>
-          <p:cNvPr id="112" name="Title 1"/>
-          <p:cNvSpPr txBox="1">
-            <a:spLocks noGrp="1"/>
-          </p:cNvSpPr>
+          <p:cNvPr id="152" name="Title 1"/>
+          <p:cNvSpPr txBox="1"/>
           <p:nvPr>
             <p:ph type="title"/>
           </p:nvPr>
@@ -5536,7 +5288,7 @@
           <a:bodyPr lIns="0" tIns="0" rIns="0" bIns="0" anchor="b"/>
           <a:lstStyle>
             <a:lvl1pPr>
-              <a:defRPr sz="4000" spc="-300">
+              <a:defRPr spc="-300" sz="4000">
                 <a:solidFill>
                   <a:srgbClr val="242415"/>
                 </a:solidFill>
@@ -5548,17 +5300,16 @@
             </a:lvl1pPr>
           </a:lstStyle>
           <a:p>
-            <a:r>
-              <a:rPr lang="en-GB" dirty="0"/>
+            <a:pPr/>
+            <a:r>
               <a:t>FP vs OOP</a:t>
             </a:r>
-            <a:endParaRPr lang="en-GB" dirty="0" err="1"/>
           </a:p>
         </p:txBody>
       </p:sp>
       <p:sp>
         <p:nvSpPr>
-          <p:cNvPr id="113" name="Rectángulo 17"/>
+          <p:cNvPr id="153" name="Rectángulo 17"/>
           <p:cNvSpPr/>
           <p:nvPr/>
         </p:nvSpPr>
@@ -5578,7 +5329,7 @@
           </a:ln>
         </p:spPr>
         <p:txBody>
-          <a:bodyPr lIns="45719" rIns="45719" anchor="ctr"/>
+          <a:bodyPr lIns="45718" tIns="45718" rIns="45718" bIns="45718" anchor="ctr"/>
           <a:lstStyle/>
           <a:p>
             <a:pPr algn="ctr">
@@ -5588,55 +5339,28 @@
                 </a:solidFill>
               </a:defRPr>
             </a:pPr>
-            <a:endParaRPr/>
           </a:p>
         </p:txBody>
       </p:sp>
       <p:graphicFrame>
         <p:nvGraphicFramePr>
-          <p:cNvPr id="10" name="Table 10">
-            <a:extLst>
-              <a:ext uri="{FF2B5EF4-FFF2-40B4-BE49-F238E27FC236}">
-                <a16:creationId xmlns:a16="http://schemas.microsoft.com/office/drawing/2014/main" id="{6A088E68-58D9-411A-9F9C-2F18C3D8F17F}"/>
-              </a:ext>
-            </a:extLst>
-          </p:cNvPr>
-          <p:cNvGraphicFramePr>
-            <a:graphicFrameLocks noGrp="1"/>
-          </p:cNvGraphicFramePr>
-          <p:nvPr>
-            <p:extLst>
-              <p:ext uri="{D42A27DB-BD31-4B8C-83A1-F6EECF244321}">
-                <p14:modId xmlns:p14="http://schemas.microsoft.com/office/powerpoint/2010/main" val="255277329"/>
-              </p:ext>
-            </p:extLst>
-          </p:nvPr>
+          <p:cNvPr id="154" name="Table 10"/>
+          <p:cNvGraphicFramePr/>
+          <p:nvPr/>
         </p:nvGraphicFramePr>
         <p:xfrm>
-          <a:off x="688964" y="1171198"/>
-          <a:ext cx="7840470" cy="2904223"/>
+          <a:off x="688964" y="1171197"/>
+          <a:ext cx="7840471" cy="2904224"/>
         </p:xfrm>
-        <a:graphic>
+        <a:graphic xmlns:a="http://schemas.openxmlformats.org/drawingml/2006/main">
           <a:graphicData uri="http://schemas.openxmlformats.org/drawingml/2006/table">
             <a:tbl>
-              <a:tblPr firstRow="1">
-                <a:tableStyleId>{1FECB4D8-DB02-4DC6-A0A2-4F2EBAE1DC90}</a:tableStyleId>
+              <a:tblPr firstCol="0" firstRow="1" lastCol="0" lastRow="0" bandCol="0" bandRow="0" rtl="0">
+                <a:tableStyleId>{4C3C2611-4C71-4FC5-86AE-919BDF0F9419}</a:tableStyleId>
               </a:tblPr>
               <a:tblGrid>
-                <a:gridCol w="3920235">
-                  <a:extLst>
-                    <a:ext uri="{9D8B030D-6E8A-4147-A177-3AD203B41FA5}">
-                      <a16:colId xmlns:a16="http://schemas.microsoft.com/office/drawing/2014/main" val="2432647363"/>
-                    </a:ext>
-                  </a:extLst>
-                </a:gridCol>
-                <a:gridCol w="3920235">
-                  <a:extLst>
-                    <a:ext uri="{9D8B030D-6E8A-4147-A177-3AD203B41FA5}">
-                      <a16:colId xmlns:a16="http://schemas.microsoft.com/office/drawing/2014/main" val="195682591"/>
-                    </a:ext>
-                  </a:extLst>
-                </a:gridCol>
+                <a:gridCol w="3920235"/>
+                <a:gridCol w="3920235"/>
               </a:tblGrid>
               <a:tr h="414889">
                 <a:tc>
@@ -5644,65 +5368,44 @@
                     <a:bodyPr/>
                     <a:lstStyle/>
                     <a:p>
+                      <a:pPr algn="l">
+                        <a:defRPr b="0" sz="1800">
+                          <a:solidFill>
+                            <a:srgbClr val="000000"/>
+                          </a:solidFill>
+                        </a:defRPr>
+                      </a:pPr>
                       <a:r>
-                        <a:rPr lang="en-US" dirty="0" err="1"/>
-                        <a:t>Programación</a:t>
-                      </a:r>
-                      <a:r>
-                        <a:rPr lang="en-US" dirty="0"/>
-                        <a:t> </a:t>
-                      </a:r>
-                      <a:r>
-                        <a:rPr lang="en-US" dirty="0" err="1"/>
-                        <a:t>funcional</a:t>
+                        <a:rPr b="1">
+                          <a:solidFill>
+                            <a:srgbClr val="FFFFFF"/>
+                          </a:solidFill>
+                        </a:rPr>
+                        <a:t>Programación funcional</a:t>
                       </a:r>
                     </a:p>
                   </a:txBody>
-                  <a:tcPr>
-                    <a:lnL w="12700" cap="flat" cmpd="sng" algn="ctr">
+                  <a:tcPr marL="45720" marR="45720" marT="45720" marB="45720" anchor="t" anchorCtr="0" horzOverflow="overflow">
+                    <a:lnL w="12700">
                       <a:solidFill>
                         <a:srgbClr val="006A7B"/>
                       </a:solidFill>
-                      <a:prstDash val="solid"/>
-                      <a:round/>
-                      <a:headEnd type="none" w="med" len="med"/>
-                      <a:tailEnd type="none" w="med" len="med"/>
                     </a:lnL>
-                    <a:lnR w="12700" cap="flat" cmpd="sng" algn="ctr">
+                    <a:lnR w="12700">
                       <a:solidFill>
                         <a:srgbClr val="006A7B"/>
                       </a:solidFill>
-                      <a:prstDash val="solid"/>
-                      <a:round/>
-                      <a:headEnd type="none" w="med" len="med"/>
-                      <a:tailEnd type="none" w="med" len="med"/>
                     </a:lnR>
-                    <a:lnT w="12700" cap="flat" cmpd="sng" algn="ctr">
+                    <a:lnT w="12700">
                       <a:solidFill>
                         <a:srgbClr val="006A7B"/>
                       </a:solidFill>
-                      <a:prstDash val="solid"/>
-                      <a:round/>
-                      <a:headEnd type="none" w="med" len="med"/>
-                      <a:tailEnd type="none" w="med" len="med"/>
                     </a:lnT>
-                    <a:lnB w="12700" cap="flat" cmpd="sng" algn="ctr">
+                    <a:lnB w="12700">
                       <a:solidFill>
                         <a:srgbClr val="006A7B"/>
                       </a:solidFill>
-                      <a:prstDash val="solid"/>
-                      <a:round/>
-                      <a:headEnd type="none" w="med" len="med"/>
-                      <a:tailEnd type="none" w="med" len="med"/>
                     </a:lnB>
-                    <a:lnTlToBr w="12700" cmpd="sng">
-                      <a:noFill/>
-                      <a:prstDash val="solid"/>
-                    </a:lnTlToBr>
-                    <a:lnBlToTr w="12700" cmpd="sng">
-                      <a:noFill/>
-                      <a:prstDash val="solid"/>
-                    </a:lnBlToTr>
                     <a:solidFill>
                       <a:srgbClr val="006A7B"/>
                     </a:solidFill>
@@ -5713,83 +5416,49 @@
                     <a:bodyPr/>
                     <a:lstStyle/>
                     <a:p>
+                      <a:pPr algn="l">
+                        <a:defRPr b="0" sz="1800">
+                          <a:solidFill>
+                            <a:srgbClr val="000000"/>
+                          </a:solidFill>
+                        </a:defRPr>
+                      </a:pPr>
                       <a:r>
-                        <a:rPr lang="en-US" dirty="0" err="1"/>
-                        <a:t>Programación</a:t>
-                      </a:r>
-                      <a:r>
-                        <a:rPr lang="en-US" dirty="0"/>
-                        <a:t> </a:t>
-                      </a:r>
-                      <a:r>
-                        <a:rPr lang="en-US" dirty="0" err="1"/>
-                        <a:t>Orientada</a:t>
-                      </a:r>
-                      <a:r>
-                        <a:rPr lang="en-US" dirty="0"/>
-                        <a:t> a </a:t>
-                      </a:r>
-                      <a:r>
-                        <a:rPr lang="en-US" dirty="0" err="1"/>
-                        <a:t>Objectos</a:t>
+                        <a:rPr b="1">
+                          <a:solidFill>
+                            <a:srgbClr val="FFFFFF"/>
+                          </a:solidFill>
+                        </a:rPr>
+                        <a:t>Programación Orientada a Objectos</a:t>
                       </a:r>
                     </a:p>
                   </a:txBody>
-                  <a:tcPr>
-                    <a:lnL w="12700" cap="flat" cmpd="sng" algn="ctr">
+                  <a:tcPr marL="45720" marR="45720" marT="45720" marB="45720" anchor="t" anchorCtr="0" horzOverflow="overflow">
+                    <a:lnL w="12700">
                       <a:solidFill>
                         <a:srgbClr val="006A7B"/>
                       </a:solidFill>
-                      <a:prstDash val="solid"/>
-                      <a:round/>
-                      <a:headEnd type="none" w="med" len="med"/>
-                      <a:tailEnd type="none" w="med" len="med"/>
                     </a:lnL>
-                    <a:lnR w="12700" cap="flat" cmpd="sng" algn="ctr">
+                    <a:lnR w="12700">
                       <a:solidFill>
                         <a:srgbClr val="006A7B"/>
                       </a:solidFill>
-                      <a:prstDash val="solid"/>
-                      <a:round/>
-                      <a:headEnd type="none" w="med" len="med"/>
-                      <a:tailEnd type="none" w="med" len="med"/>
                     </a:lnR>
-                    <a:lnT w="12700" cap="flat" cmpd="sng" algn="ctr">
+                    <a:lnT w="12700">
                       <a:solidFill>
                         <a:srgbClr val="006A7B"/>
                       </a:solidFill>
-                      <a:prstDash val="solid"/>
-                      <a:round/>
-                      <a:headEnd type="none" w="med" len="med"/>
-                      <a:tailEnd type="none" w="med" len="med"/>
                     </a:lnT>
-                    <a:lnB w="12700" cap="flat" cmpd="sng" algn="ctr">
+                    <a:lnB w="12700">
                       <a:solidFill>
                         <a:srgbClr val="006A7B"/>
                       </a:solidFill>
-                      <a:prstDash val="solid"/>
-                      <a:round/>
-                      <a:headEnd type="none" w="med" len="med"/>
-                      <a:tailEnd type="none" w="med" len="med"/>
                     </a:lnB>
-                    <a:lnTlToBr w="12700" cmpd="sng">
-                      <a:noFill/>
-                      <a:prstDash val="solid"/>
-                    </a:lnTlToBr>
-                    <a:lnBlToTr w="12700" cmpd="sng">
-                      <a:noFill/>
-                      <a:prstDash val="solid"/>
-                    </a:lnBlToTr>
                     <a:solidFill>
                       <a:srgbClr val="006A7B"/>
                     </a:solidFill>
                   </a:tcPr>
                 </a:tc>
-                <a:extLst>
-                  <a:ext uri="{0D108BD9-81ED-4DB2-BD59-A6C34878D82A}">
-                    <a16:rowId xmlns:a16="http://schemas.microsoft.com/office/drawing/2014/main" val="3638730495"/>
-                  </a:ext>
-                </a:extLst>
               </a:tr>
               <a:tr h="414889">
                 <a:tc>
@@ -5797,80 +5466,38 @@
                     <a:bodyPr/>
                     <a:lstStyle/>
                     <a:p>
-                      <a:pPr lvl="0">
-                        <a:buNone/>
+                      <a:pPr algn="l">
+                        <a:defRPr sz="1800"/>
                       </a:pPr>
                       <a:r>
-                        <a:rPr lang="en-US" dirty="0" err="1"/>
-                        <a:t>Enfatiza</a:t>
-                      </a:r>
-                      <a:r>
-                        <a:rPr lang="en-US" dirty="0"/>
-                        <a:t> el </a:t>
-                      </a:r>
-                      <a:r>
-                        <a:rPr lang="en-US" dirty="0" err="1"/>
-                        <a:t>uso</a:t>
-                      </a:r>
-                      <a:r>
-                        <a:rPr lang="en-US" dirty="0"/>
-                        <a:t> de </a:t>
-                      </a:r>
-                      <a:r>
-                        <a:rPr lang="en-US" dirty="0" err="1"/>
-                        <a:t>funciones</a:t>
-                      </a:r>
-                      <a:r>
-                        <a:rPr lang="en-US" dirty="0"/>
-                        <a:t> y variables</a:t>
+                        <a:t>Enfatiza el uso de funciones y variables</a:t>
                       </a:r>
                     </a:p>
                   </a:txBody>
-                  <a:tcPr>
-                    <a:lnL w="12700" cap="flat" cmpd="sng" algn="ctr">
+                  <a:tcPr marL="45720" marR="45720" marT="45720" marB="45720" anchor="t" anchorCtr="0" horzOverflow="overflow">
+                    <a:lnL w="12700">
                       <a:solidFill>
                         <a:srgbClr val="006A7B"/>
                       </a:solidFill>
-                      <a:prstDash val="solid"/>
-                      <a:round/>
-                      <a:headEnd type="none" w="med" len="med"/>
-                      <a:tailEnd type="none" w="med" len="med"/>
                     </a:lnL>
-                    <a:lnR w="12700" cap="flat" cmpd="sng" algn="ctr">
+                    <a:lnR w="12700">
                       <a:solidFill>
                         <a:srgbClr val="006A7B"/>
                       </a:solidFill>
-                      <a:prstDash val="solid"/>
-                      <a:round/>
-                      <a:headEnd type="none" w="med" len="med"/>
-                      <a:tailEnd type="none" w="med" len="med"/>
                     </a:lnR>
-                    <a:lnT w="12700" cap="flat" cmpd="sng" algn="ctr">
+                    <a:lnT w="12700">
                       <a:solidFill>
                         <a:srgbClr val="006A7B"/>
                       </a:solidFill>
-                      <a:prstDash val="solid"/>
-                      <a:round/>
-                      <a:headEnd type="none" w="med" len="med"/>
-                      <a:tailEnd type="none" w="med" len="med"/>
                     </a:lnT>
-                    <a:lnB w="12700" cap="flat" cmpd="sng" algn="ctr">
+                    <a:lnB w="12700">
                       <a:solidFill>
                         <a:srgbClr val="006A7B"/>
                       </a:solidFill>
-                      <a:prstDash val="solid"/>
-                      <a:round/>
-                      <a:headEnd type="none" w="med" len="med"/>
-                      <a:tailEnd type="none" w="med" len="med"/>
                     </a:lnB>
-                    <a:lnTlToBr w="12700" cmpd="sng">
-                      <a:noFill/>
-                      <a:prstDash val="solid"/>
-                    </a:lnTlToBr>
-                    <a:lnBlToTr w="12700" cmpd="sng">
-                      <a:noFill/>
-                      <a:prstDash val="solid"/>
-                    </a:lnBlToTr>
+                    <a:solidFill>
+                      <a:srgbClr val="FFFFFF"/>
+                    </a:solidFill>
                   </a:tcPr>
                 </a:tc>
                 <a:tc>
@@ -5878,91 +5505,40 @@
                     <a:bodyPr/>
                     <a:lstStyle/>
                     <a:p>
-                      <a:pPr lvl="0">
-                        <a:buNone/>
+                      <a:pPr algn="l">
+                        <a:defRPr sz="1800"/>
                       </a:pPr>
                       <a:r>
-                        <a:rPr lang="en-US" dirty="0" err="1"/>
-                        <a:t>Enfatiza</a:t>
-                      </a:r>
-                      <a:r>
-                        <a:rPr lang="en-US" dirty="0"/>
-                        <a:t> el </a:t>
-                      </a:r>
-                      <a:r>
-                        <a:rPr lang="en-US" dirty="0" err="1"/>
-                        <a:t>uso</a:t>
-                      </a:r>
-                      <a:r>
-                        <a:rPr lang="en-US" dirty="0"/>
-                        <a:t> de </a:t>
-                      </a:r>
-                      <a:r>
-                        <a:rPr lang="en-US" dirty="0" err="1"/>
-                        <a:t>objetos</a:t>
-                      </a:r>
-                      <a:r>
-                        <a:rPr lang="en-US" dirty="0"/>
-                        <a:t> y </a:t>
-                      </a:r>
-                      <a:r>
-                        <a:rPr lang="en-US" dirty="0" err="1"/>
-                        <a:t>métodos</a:t>
+                        <a:t>Enfatiza el uso de objetos y métodos</a:t>
                       </a:r>
                     </a:p>
                   </a:txBody>
-                  <a:tcPr>
-                    <a:lnL w="12700" cap="flat" cmpd="sng" algn="ctr">
+                  <a:tcPr marL="45720" marR="45720" marT="45720" marB="45720" anchor="t" anchorCtr="0" horzOverflow="overflow">
+                    <a:lnL w="12700">
                       <a:solidFill>
                         <a:srgbClr val="006A7B"/>
                       </a:solidFill>
-                      <a:prstDash val="solid"/>
-                      <a:round/>
-                      <a:headEnd type="none" w="med" len="med"/>
-                      <a:tailEnd type="none" w="med" len="med"/>
                     </a:lnL>
-                    <a:lnR w="12700" cap="flat" cmpd="sng" algn="ctr">
+                    <a:lnR w="12700">
                       <a:solidFill>
                         <a:srgbClr val="006A7B"/>
                       </a:solidFill>
-                      <a:prstDash val="solid"/>
-                      <a:round/>
-                      <a:headEnd type="none" w="med" len="med"/>
-                      <a:tailEnd type="none" w="med" len="med"/>
                     </a:lnR>
-                    <a:lnT w="12700" cap="flat" cmpd="sng" algn="ctr">
+                    <a:lnT w="12700">
                       <a:solidFill>
                         <a:srgbClr val="006A7B"/>
                       </a:solidFill>
-                      <a:prstDash val="solid"/>
-                      <a:round/>
-                      <a:headEnd type="none" w="med" len="med"/>
-                      <a:tailEnd type="none" w="med" len="med"/>
                     </a:lnT>
-                    <a:lnB w="12700" cap="flat" cmpd="sng" algn="ctr">
+                    <a:lnB w="12700">
                       <a:solidFill>
                         <a:srgbClr val="006A7B"/>
                       </a:solidFill>
-                      <a:prstDash val="solid"/>
-                      <a:round/>
-                      <a:headEnd type="none" w="med" len="med"/>
-                      <a:tailEnd type="none" w="med" len="med"/>
                     </a:lnB>
-                    <a:lnTlToBr w="12700" cmpd="sng">
-                      <a:noFill/>
-                      <a:prstDash val="solid"/>
-                    </a:lnTlToBr>
-                    <a:lnBlToTr w="12700" cmpd="sng">
-                      <a:noFill/>
-                      <a:prstDash val="solid"/>
-                    </a:lnBlToTr>
+                    <a:solidFill>
+                      <a:srgbClr val="FFFFFF"/>
+                    </a:solidFill>
                   </a:tcPr>
                 </a:tc>
-                <a:extLst>
-                  <a:ext uri="{0D108BD9-81ED-4DB2-BD59-A6C34878D82A}">
-                    <a16:rowId xmlns:a16="http://schemas.microsoft.com/office/drawing/2014/main" val="1500066006"/>
-                  </a:ext>
-                </a:extLst>
               </a:tr>
               <a:tr h="414889">
                 <a:tc>
@@ -5970,73 +5546,38 @@
                     <a:bodyPr/>
                     <a:lstStyle/>
                     <a:p>
+                      <a:pPr algn="l">
+                        <a:defRPr sz="1800"/>
+                      </a:pPr>
                       <a:r>
-                        <a:rPr lang="en-US" dirty="0" err="1"/>
-                        <a:t>Usa</a:t>
-                      </a:r>
-                      <a:r>
-                        <a:rPr lang="en-US" dirty="0"/>
-                        <a:t> </a:t>
-                      </a:r>
-                      <a:r>
-                        <a:rPr lang="en-US" dirty="0" err="1"/>
-                        <a:t>datos</a:t>
-                      </a:r>
-                      <a:r>
-                        <a:rPr lang="en-US" dirty="0"/>
-                        <a:t> </a:t>
-                      </a:r>
-                      <a:r>
-                        <a:rPr lang="en-US" dirty="0" err="1"/>
-                        <a:t>inmutables</a:t>
+                        <a:t>Usa datos inmutables</a:t>
                       </a:r>
                     </a:p>
                   </a:txBody>
-                  <a:tcPr>
-                    <a:lnL w="12700" cap="flat" cmpd="sng" algn="ctr">
+                  <a:tcPr marL="45720" marR="45720" marT="45720" marB="45720" anchor="t" anchorCtr="0" horzOverflow="overflow">
+                    <a:lnL w="12700">
                       <a:solidFill>
                         <a:srgbClr val="006A7B"/>
                       </a:solidFill>
-                      <a:prstDash val="solid"/>
-                      <a:round/>
-                      <a:headEnd type="none" w="med" len="med"/>
-                      <a:tailEnd type="none" w="med" len="med"/>
                     </a:lnL>
-                    <a:lnR w="12700" cap="flat" cmpd="sng" algn="ctr">
+                    <a:lnR w="12700">
                       <a:solidFill>
                         <a:srgbClr val="006A7B"/>
                       </a:solidFill>
-                      <a:prstDash val="solid"/>
-                      <a:round/>
-                      <a:headEnd type="none" w="med" len="med"/>
-                      <a:tailEnd type="none" w="med" len="med"/>
                     </a:lnR>
-                    <a:lnT w="12700" cap="flat" cmpd="sng" algn="ctr">
+                    <a:lnT w="12700">
                       <a:solidFill>
                         <a:srgbClr val="006A7B"/>
                       </a:solidFill>
-                      <a:prstDash val="solid"/>
-                      <a:round/>
-                      <a:headEnd type="none" w="med" len="med"/>
-                      <a:tailEnd type="none" w="med" len="med"/>
                     </a:lnT>
-                    <a:lnB w="12700" cap="flat" cmpd="sng" algn="ctr">
+                    <a:lnB w="12700">
                       <a:solidFill>
                         <a:srgbClr val="006A7B"/>
                       </a:solidFill>
-                      <a:prstDash val="solid"/>
-                      <a:round/>
-                      <a:headEnd type="none" w="med" len="med"/>
-                      <a:tailEnd type="none" w="med" len="med"/>
                     </a:lnB>
-                    <a:lnTlToBr w="12700" cmpd="sng">
-                      <a:noFill/>
-                      <a:prstDash val="solid"/>
-                    </a:lnTlToBr>
-                    <a:lnBlToTr w="12700" cmpd="sng">
-                      <a:noFill/>
-                      <a:prstDash val="solid"/>
-                    </a:lnBlToTr>
+                    <a:solidFill>
+                      <a:srgbClr val="FFFFFF"/>
+                    </a:solidFill>
                   </a:tcPr>
                 </a:tc>
                 <a:tc>
@@ -6044,80 +5585,40 @@
                     <a:bodyPr/>
                     <a:lstStyle/>
                     <a:p>
+                      <a:pPr algn="l">
+                        <a:defRPr sz="1800"/>
+                      </a:pPr>
                       <a:r>
-                        <a:rPr lang="en-US" dirty="0" err="1"/>
-                        <a:t>Usa</a:t>
-                      </a:r>
-                      <a:r>
-                        <a:rPr lang="en-US" dirty="0"/>
-                        <a:t> </a:t>
-                      </a:r>
-                      <a:r>
-                        <a:rPr lang="en-US" dirty="0" err="1"/>
-                        <a:t>datos</a:t>
-                      </a:r>
-                      <a:r>
-                        <a:rPr lang="en-US" dirty="0"/>
-                        <a:t> </a:t>
-                      </a:r>
-                      <a:r>
-                        <a:rPr lang="en-US" dirty="0" err="1"/>
-                        <a:t>mutables</a:t>
+                        <a:t>Usa datos mutables</a:t>
                       </a:r>
                     </a:p>
                   </a:txBody>
-                  <a:tcPr>
-                    <a:lnL w="12700" cap="flat" cmpd="sng" algn="ctr">
+                  <a:tcPr marL="45720" marR="45720" marT="45720" marB="45720" anchor="t" anchorCtr="0" horzOverflow="overflow">
+                    <a:lnL w="12700">
                       <a:solidFill>
                         <a:srgbClr val="006A7B"/>
                       </a:solidFill>
-                      <a:prstDash val="solid"/>
-                      <a:round/>
-                      <a:headEnd type="none" w="med" len="med"/>
-                      <a:tailEnd type="none" w="med" len="med"/>
                     </a:lnL>
-                    <a:lnR w="12700" cap="flat" cmpd="sng" algn="ctr">
+                    <a:lnR w="12700">
                       <a:solidFill>
                         <a:srgbClr val="006A7B"/>
                       </a:solidFill>
-                      <a:prstDash val="solid"/>
-                      <a:round/>
-                      <a:headEnd type="none" w="med" len="med"/>
-                      <a:tailEnd type="none" w="med" len="med"/>
                     </a:lnR>
-                    <a:lnT w="12700" cap="flat" cmpd="sng" algn="ctr">
+                    <a:lnT w="12700">
                       <a:solidFill>
                         <a:srgbClr val="006A7B"/>
                       </a:solidFill>
-                      <a:prstDash val="solid"/>
-                      <a:round/>
-                      <a:headEnd type="none" w="med" len="med"/>
-                      <a:tailEnd type="none" w="med" len="med"/>
                     </a:lnT>
-                    <a:lnB w="12700" cap="flat" cmpd="sng" algn="ctr">
+                    <a:lnB w="12700">
                       <a:solidFill>
                         <a:srgbClr val="006A7B"/>
                       </a:solidFill>
-                      <a:prstDash val="solid"/>
-                      <a:round/>
-                      <a:headEnd type="none" w="med" len="med"/>
-                      <a:tailEnd type="none" w="med" len="med"/>
                     </a:lnB>
-                    <a:lnTlToBr w="12700" cmpd="sng">
-                      <a:noFill/>
-                      <a:prstDash val="solid"/>
-                    </a:lnTlToBr>
-                    <a:lnBlToTr w="12700" cmpd="sng">
-                      <a:noFill/>
-                      <a:prstDash val="solid"/>
-                    </a:lnBlToTr>
+                    <a:solidFill>
+                      <a:srgbClr val="FFFFFF"/>
+                    </a:solidFill>
                   </a:tcPr>
                 </a:tc>
-                <a:extLst>
-                  <a:ext uri="{0D108BD9-81ED-4DB2-BD59-A6C34878D82A}">
-                    <a16:rowId xmlns:a16="http://schemas.microsoft.com/office/drawing/2014/main" val="1778471902"/>
-                  </a:ext>
-                </a:extLst>
               </a:tr>
               <a:tr h="414889">
                 <a:tc>
@@ -6125,65 +5626,38 @@
                     <a:bodyPr/>
                     <a:lstStyle/>
                     <a:p>
+                      <a:pPr algn="l">
+                        <a:defRPr sz="1800"/>
+                      </a:pPr>
                       <a:r>
-                        <a:rPr lang="en-US" dirty="0" err="1"/>
-                        <a:t>Programación</a:t>
-                      </a:r>
-                      <a:r>
-                        <a:rPr lang="en-US" dirty="0"/>
-                        <a:t> </a:t>
-                      </a:r>
-                      <a:r>
-                        <a:rPr lang="en-US" dirty="0" err="1"/>
-                        <a:t>declarativa</a:t>
+                        <a:t>Programación declarativa</a:t>
                       </a:r>
                     </a:p>
                   </a:txBody>
-                  <a:tcPr>
-                    <a:lnL w="12700" cap="flat" cmpd="sng" algn="ctr">
+                  <a:tcPr marL="45720" marR="45720" marT="45720" marB="45720" anchor="t" anchorCtr="0" horzOverflow="overflow">
+                    <a:lnL w="12700">
                       <a:solidFill>
                         <a:srgbClr val="006A7B"/>
                       </a:solidFill>
-                      <a:prstDash val="solid"/>
-                      <a:round/>
-                      <a:headEnd type="none" w="med" len="med"/>
-                      <a:tailEnd type="none" w="med" len="med"/>
                     </a:lnL>
-                    <a:lnR w="12700" cap="flat" cmpd="sng" algn="ctr">
+                    <a:lnR w="12700">
                       <a:solidFill>
                         <a:srgbClr val="006A7B"/>
                       </a:solidFill>
-                      <a:prstDash val="solid"/>
-                      <a:round/>
-                      <a:headEnd type="none" w="med" len="med"/>
-                      <a:tailEnd type="none" w="med" len="med"/>
                     </a:lnR>
-                    <a:lnT w="12700" cap="flat" cmpd="sng" algn="ctr">
+                    <a:lnT w="12700">
                       <a:solidFill>
                         <a:srgbClr val="006A7B"/>
                       </a:solidFill>
-                      <a:prstDash val="solid"/>
-                      <a:round/>
-                      <a:headEnd type="none" w="med" len="med"/>
-                      <a:tailEnd type="none" w="med" len="med"/>
                     </a:lnT>
-                    <a:lnB w="12700" cap="flat" cmpd="sng" algn="ctr">
+                    <a:lnB w="12700">
                       <a:solidFill>
                         <a:srgbClr val="006A7B"/>
                       </a:solidFill>
-                      <a:prstDash val="solid"/>
-                      <a:round/>
-                      <a:headEnd type="none" w="med" len="med"/>
-                      <a:tailEnd type="none" w="med" len="med"/>
                     </a:lnB>
-                    <a:lnTlToBr w="12700" cmpd="sng">
-                      <a:noFill/>
-                      <a:prstDash val="solid"/>
-                    </a:lnTlToBr>
-                    <a:lnBlToTr w="12700" cmpd="sng">
-                      <a:noFill/>
-                      <a:prstDash val="solid"/>
-                    </a:lnBlToTr>
+                    <a:solidFill>
+                      <a:srgbClr val="FFFFFF"/>
+                    </a:solidFill>
                   </a:tcPr>
                 </a:tc>
                 <a:tc>
@@ -6191,72 +5665,40 @@
                     <a:bodyPr/>
                     <a:lstStyle/>
                     <a:p>
+                      <a:pPr algn="l">
+                        <a:defRPr sz="1800"/>
+                      </a:pPr>
                       <a:r>
-                        <a:rPr lang="en-US" dirty="0" err="1"/>
-                        <a:t>Programación</a:t>
-                      </a:r>
-                      <a:r>
-                        <a:rPr lang="en-US" dirty="0"/>
-                        <a:t> </a:t>
-                      </a:r>
-                      <a:r>
-                        <a:rPr lang="en-US" dirty="0" err="1"/>
-                        <a:t>imperativa</a:t>
+                        <a:t>Programación imperativa</a:t>
                       </a:r>
                     </a:p>
                   </a:txBody>
-                  <a:tcPr>
-                    <a:lnL w="12700" cap="flat" cmpd="sng" algn="ctr">
+                  <a:tcPr marL="45720" marR="45720" marT="45720" marB="45720" anchor="t" anchorCtr="0" horzOverflow="overflow">
+                    <a:lnL w="12700">
                       <a:solidFill>
                         <a:srgbClr val="006A7B"/>
                       </a:solidFill>
-                      <a:prstDash val="solid"/>
-                      <a:round/>
-                      <a:headEnd type="none" w="med" len="med"/>
-                      <a:tailEnd type="none" w="med" len="med"/>
                     </a:lnL>
-                    <a:lnR w="12700" cap="flat" cmpd="sng" algn="ctr">
+                    <a:lnR w="12700">
                       <a:solidFill>
                         <a:srgbClr val="006A7B"/>
                       </a:solidFill>
-                      <a:prstDash val="solid"/>
-                      <a:round/>
-                      <a:headEnd type="none" w="med" len="med"/>
-                      <a:tailEnd type="none" w="med" len="med"/>
                     </a:lnR>
-                    <a:lnT w="12700" cap="flat" cmpd="sng" algn="ctr">
+                    <a:lnT w="12700">
                       <a:solidFill>
                         <a:srgbClr val="006A7B"/>
                       </a:solidFill>
-                      <a:prstDash val="solid"/>
-                      <a:round/>
-                      <a:headEnd type="none" w="med" len="med"/>
-                      <a:tailEnd type="none" w="med" len="med"/>
                     </a:lnT>
-                    <a:lnB w="12700" cap="flat" cmpd="sng" algn="ctr">
+                    <a:lnB w="12700">
                       <a:solidFill>
                         <a:srgbClr val="006A7B"/>
                       </a:solidFill>
-                      <a:prstDash val="solid"/>
-                      <a:round/>
-                      <a:headEnd type="none" w="med" len="med"/>
-                      <a:tailEnd type="none" w="med" len="med"/>
                     </a:lnB>
-                    <a:lnTlToBr w="12700" cmpd="sng">
-                      <a:noFill/>
-                      <a:prstDash val="solid"/>
-                    </a:lnTlToBr>
-                    <a:lnBlToTr w="12700" cmpd="sng">
-                      <a:noFill/>
-                      <a:prstDash val="solid"/>
-                    </a:lnBlToTr>
+                    <a:solidFill>
+                      <a:srgbClr val="FFFFFF"/>
+                    </a:solidFill>
                   </a:tcPr>
                 </a:tc>
-                <a:extLst>
-                  <a:ext uri="{0D108BD9-81ED-4DB2-BD59-A6C34878D82A}">
-                    <a16:rowId xmlns:a16="http://schemas.microsoft.com/office/drawing/2014/main" val="867105915"/>
-                  </a:ext>
-                </a:extLst>
               </a:tr>
               <a:tr h="414889">
                 <a:tc>
@@ -6264,81 +5706,38 @@
                     <a:bodyPr/>
                     <a:lstStyle/>
                     <a:p>
+                      <a:pPr algn="l">
+                        <a:defRPr sz="1800"/>
+                      </a:pPr>
                       <a:r>
-                        <a:rPr lang="en-US" dirty="0"/>
-                        <a:t>Se </a:t>
-                      </a:r>
-                      <a:r>
-                        <a:rPr lang="en-US" dirty="0" err="1"/>
-                        <a:t>enfoca</a:t>
-                      </a:r>
-                      <a:r>
-                        <a:rPr lang="en-US" dirty="0"/>
-                        <a:t> en "</a:t>
-                      </a:r>
-                      <a:r>
-                        <a:rPr lang="en-US" dirty="0" err="1"/>
-                        <a:t>qué</a:t>
-                      </a:r>
-                      <a:r>
-                        <a:rPr lang="en-US" dirty="0"/>
-                        <a:t> se </a:t>
-                      </a:r>
-                      <a:r>
-                        <a:rPr lang="en-US" dirty="0" err="1"/>
-                        <a:t>hace</a:t>
-                      </a:r>
-                      <a:r>
-                        <a:rPr lang="en-US" dirty="0"/>
-                        <a:t>"</a:t>
+                        <a:t>Se enfoca en "qué se hace"</a:t>
                       </a:r>
                     </a:p>
                   </a:txBody>
-                  <a:tcPr>
-                    <a:lnL w="12700" cap="flat" cmpd="sng" algn="ctr">
+                  <a:tcPr marL="45720" marR="45720" marT="45720" marB="45720" anchor="t" anchorCtr="0" horzOverflow="overflow">
+                    <a:lnL w="12700">
                       <a:solidFill>
                         <a:srgbClr val="006A7B"/>
                       </a:solidFill>
-                      <a:prstDash val="solid"/>
-                      <a:round/>
-                      <a:headEnd type="none" w="med" len="med"/>
-                      <a:tailEnd type="none" w="med" len="med"/>
                     </a:lnL>
-                    <a:lnR w="12700" cap="flat" cmpd="sng" algn="ctr">
+                    <a:lnR w="12700">
                       <a:solidFill>
                         <a:srgbClr val="006A7B"/>
                       </a:solidFill>
-                      <a:prstDash val="solid"/>
-                      <a:round/>
-                      <a:headEnd type="none" w="med" len="med"/>
-                      <a:tailEnd type="none" w="med" len="med"/>
                     </a:lnR>
-                    <a:lnT w="12700" cap="flat" cmpd="sng" algn="ctr">
+                    <a:lnT w="12700">
                       <a:solidFill>
                         <a:srgbClr val="006A7B"/>
                       </a:solidFill>
-                      <a:prstDash val="solid"/>
-                      <a:round/>
-                      <a:headEnd type="none" w="med" len="med"/>
-                      <a:tailEnd type="none" w="med" len="med"/>
                     </a:lnT>
-                    <a:lnB w="12700" cap="flat" cmpd="sng" algn="ctr">
+                    <a:lnB w="12700">
                       <a:solidFill>
                         <a:srgbClr val="006A7B"/>
                       </a:solidFill>
-                      <a:prstDash val="solid"/>
-                      <a:round/>
-                      <a:headEnd type="none" w="med" len="med"/>
-                      <a:tailEnd type="none" w="med" len="med"/>
                     </a:lnB>
-                    <a:lnTlToBr w="12700" cmpd="sng">
-                      <a:noFill/>
-                      <a:prstDash val="solid"/>
-                    </a:lnTlToBr>
-                    <a:lnBlToTr w="12700" cmpd="sng">
-                      <a:noFill/>
-                      <a:prstDash val="solid"/>
-                    </a:lnBlToTr>
+                    <a:solidFill>
+                      <a:srgbClr val="FFFFFF"/>
+                    </a:solidFill>
                   </a:tcPr>
                 </a:tc>
                 <a:tc>
@@ -6346,88 +5745,40 @@
                     <a:bodyPr/>
                     <a:lstStyle/>
                     <a:p>
+                      <a:pPr algn="l">
+                        <a:defRPr sz="1800"/>
+                      </a:pPr>
                       <a:r>
-                        <a:rPr lang="en-US" dirty="0"/>
-                        <a:t>Se </a:t>
-                      </a:r>
-                      <a:r>
-                        <a:rPr lang="en-US" dirty="0" err="1"/>
-                        <a:t>enfoca</a:t>
-                      </a:r>
-                      <a:r>
-                        <a:rPr lang="en-US" dirty="0"/>
-                        <a:t> en "</a:t>
-                      </a:r>
-                      <a:r>
-                        <a:rPr lang="en-US" dirty="0" err="1"/>
-                        <a:t>cómo</a:t>
-                      </a:r>
-                      <a:r>
-                        <a:rPr lang="en-US" dirty="0"/>
-                        <a:t> se </a:t>
-                      </a:r>
-                      <a:r>
-                        <a:rPr lang="en-US" dirty="0" err="1"/>
-                        <a:t>hace</a:t>
-                      </a:r>
-                      <a:r>
-                        <a:rPr lang="en-US" dirty="0"/>
-                        <a:t>"</a:t>
+                        <a:t>Se enfoca en "cómo se hace"</a:t>
                       </a:r>
                     </a:p>
                   </a:txBody>
-                  <a:tcPr>
-                    <a:lnL w="12700" cap="flat" cmpd="sng" algn="ctr">
+                  <a:tcPr marL="45720" marR="45720" marT="45720" marB="45720" anchor="t" anchorCtr="0" horzOverflow="overflow">
+                    <a:lnL w="12700">
                       <a:solidFill>
                         <a:srgbClr val="006A7B"/>
                       </a:solidFill>
-                      <a:prstDash val="solid"/>
-                      <a:round/>
-                      <a:headEnd type="none" w="med" len="med"/>
-                      <a:tailEnd type="none" w="med" len="med"/>
                     </a:lnL>
-                    <a:lnR w="12700" cap="flat" cmpd="sng" algn="ctr">
+                    <a:lnR w="12700">
                       <a:solidFill>
                         <a:srgbClr val="006A7B"/>
                       </a:solidFill>
-                      <a:prstDash val="solid"/>
-                      <a:round/>
-                      <a:headEnd type="none" w="med" len="med"/>
-                      <a:tailEnd type="none" w="med" len="med"/>
                     </a:lnR>
-                    <a:lnT w="12700" cap="flat" cmpd="sng" algn="ctr">
+                    <a:lnT w="12700">
                       <a:solidFill>
                         <a:srgbClr val="006A7B"/>
                       </a:solidFill>
-                      <a:prstDash val="solid"/>
-                      <a:round/>
-                      <a:headEnd type="none" w="med" len="med"/>
-                      <a:tailEnd type="none" w="med" len="med"/>
                     </a:lnT>
-                    <a:lnB w="12700" cap="flat" cmpd="sng" algn="ctr">
+                    <a:lnB w="12700">
                       <a:solidFill>
                         <a:srgbClr val="006A7B"/>
                       </a:solidFill>
-                      <a:prstDash val="solid"/>
-                      <a:round/>
-                      <a:headEnd type="none" w="med" len="med"/>
-                      <a:tailEnd type="none" w="med" len="med"/>
                     </a:lnB>
-                    <a:lnTlToBr w="12700" cmpd="sng">
-                      <a:noFill/>
-                      <a:prstDash val="solid"/>
-                    </a:lnTlToBr>
-                    <a:lnBlToTr w="12700" cmpd="sng">
-                      <a:noFill/>
-                      <a:prstDash val="solid"/>
-                    </a:lnBlToTr>
+                    <a:solidFill>
+                      <a:srgbClr val="FFFFFF"/>
+                    </a:solidFill>
                   </a:tcPr>
                 </a:tc>
-                <a:extLst>
-                  <a:ext uri="{0D108BD9-81ED-4DB2-BD59-A6C34878D82A}">
-                    <a16:rowId xmlns:a16="http://schemas.microsoft.com/office/drawing/2014/main" val="3751465394"/>
-                  </a:ext>
-                </a:extLst>
               </a:tr>
               <a:tr h="414889">
                 <a:tc>
@@ -6435,73 +5786,38 @@
                     <a:bodyPr/>
                     <a:lstStyle/>
                     <a:p>
+                      <a:pPr algn="l">
+                        <a:defRPr sz="1800"/>
+                      </a:pPr>
                       <a:r>
-                        <a:rPr lang="en-US" dirty="0" err="1"/>
-                        <a:t>Soporta</a:t>
-                      </a:r>
-                      <a:r>
-                        <a:rPr lang="en-US" dirty="0"/>
-                        <a:t> </a:t>
-                      </a:r>
-                      <a:r>
-                        <a:rPr lang="en-US" dirty="0" err="1"/>
-                        <a:t>programación</a:t>
-                      </a:r>
-                      <a:r>
-                        <a:rPr lang="en-US" dirty="0"/>
-                        <a:t> </a:t>
-                      </a:r>
-                      <a:r>
-                        <a:rPr lang="en-US" dirty="0" err="1"/>
-                        <a:t>concurrente</a:t>
+                        <a:t>Soporta programación concurrente</a:t>
                       </a:r>
                     </a:p>
                   </a:txBody>
-                  <a:tcPr>
-                    <a:lnL w="12700" cap="flat" cmpd="sng" algn="ctr">
+                  <a:tcPr marL="45720" marR="45720" marT="45720" marB="45720" anchor="t" anchorCtr="0" horzOverflow="overflow">
+                    <a:lnL w="12700">
                       <a:solidFill>
                         <a:srgbClr val="006A7B"/>
                       </a:solidFill>
-                      <a:prstDash val="solid"/>
-                      <a:round/>
-                      <a:headEnd type="none" w="med" len="med"/>
-                      <a:tailEnd type="none" w="med" len="med"/>
                     </a:lnL>
-                    <a:lnR w="12700" cap="flat" cmpd="sng" algn="ctr">
+                    <a:lnR w="12700">
                       <a:solidFill>
                         <a:srgbClr val="006A7B"/>
                       </a:solidFill>
-                      <a:prstDash val="solid"/>
-                      <a:round/>
-                      <a:headEnd type="none" w="med" len="med"/>
-                      <a:tailEnd type="none" w="med" len="med"/>
                     </a:lnR>
-                    <a:lnT w="12700" cap="flat" cmpd="sng" algn="ctr">
+                    <a:lnT w="12700">
                       <a:solidFill>
                         <a:srgbClr val="006A7B"/>
                       </a:solidFill>
-                      <a:prstDash val="solid"/>
-                      <a:round/>
-                      <a:headEnd type="none" w="med" len="med"/>
-                      <a:tailEnd type="none" w="med" len="med"/>
                     </a:lnT>
-                    <a:lnB w="12700" cap="flat" cmpd="sng" algn="ctr">
+                    <a:lnB w="12700">
                       <a:solidFill>
                         <a:srgbClr val="006A7B"/>
                       </a:solidFill>
-                      <a:prstDash val="solid"/>
-                      <a:round/>
-                      <a:headEnd type="none" w="med" len="med"/>
-                      <a:tailEnd type="none" w="med" len="med"/>
                     </a:lnB>
-                    <a:lnTlToBr w="12700" cmpd="sng">
-                      <a:noFill/>
-                      <a:prstDash val="solid"/>
-                    </a:lnTlToBr>
-                    <a:lnBlToTr w="12700" cmpd="sng">
-                      <a:noFill/>
-                      <a:prstDash val="solid"/>
-                    </a:lnBlToTr>
+                    <a:solidFill>
+                      <a:srgbClr val="FFFFFF"/>
+                    </a:solidFill>
                   </a:tcPr>
                 </a:tc>
                 <a:tc>
@@ -6509,118 +5825,40 @@
                     <a:bodyPr/>
                     <a:lstStyle/>
                     <a:p>
-                      <a:pPr lvl="0" algn="l">
-                        <a:buNone/>
+                      <a:pPr algn="l">
+                        <a:defRPr sz="1800"/>
                       </a:pPr>
                       <a:r>
-                        <a:rPr lang="en-US" sz="1800" b="0" i="0" u="none" strike="noStrike" noProof="0" dirty="0">
-                          <a:solidFill>
-                            <a:srgbClr val="000000"/>
-                          </a:solidFill>
-                          <a:latin typeface="Calibri"/>
-                        </a:rPr>
-                        <a:t>No </a:t>
+                        <a:t>No soporta programación concurrente</a:t>
                       </a:r>
-                      <a:r>
-                        <a:rPr lang="en-US" sz="1800" b="0" i="0" u="none" strike="noStrike" noProof="0" dirty="0" err="1">
-                          <a:solidFill>
-                            <a:srgbClr val="000000"/>
-                          </a:solidFill>
-                          <a:latin typeface="Calibri"/>
-                        </a:rPr>
-                        <a:t>soporta</a:t>
-                      </a:r>
-                      <a:r>
-                        <a:rPr lang="en-US" sz="1800" b="0" i="0" u="none" strike="noStrike" noProof="0" dirty="0">
-                          <a:solidFill>
-                            <a:srgbClr val="000000"/>
-                          </a:solidFill>
-                          <a:latin typeface="Calibri"/>
-                        </a:rPr>
-                        <a:t> </a:t>
-                      </a:r>
-                      <a:r>
-                        <a:rPr lang="en-US" sz="1800" b="0" i="0" u="none" strike="noStrike" noProof="0" dirty="0" err="1">
-                          <a:solidFill>
-                            <a:srgbClr val="000000"/>
-                          </a:solidFill>
-                          <a:latin typeface="Calibri"/>
-                        </a:rPr>
-                        <a:t>programación</a:t>
-                      </a:r>
-                      <a:r>
-                        <a:rPr lang="en-US" sz="1800" b="0" i="0" u="none" strike="noStrike" noProof="0" dirty="0">
-                          <a:solidFill>
-                            <a:srgbClr val="000000"/>
-                          </a:solidFill>
-                          <a:latin typeface="Calibri"/>
-                        </a:rPr>
-                        <a:t> </a:t>
-                      </a:r>
-                      <a:r>
-                        <a:rPr lang="en-US" sz="1800" b="0" i="0" u="none" strike="noStrike" noProof="0" dirty="0" err="1">
-                          <a:solidFill>
-                            <a:srgbClr val="000000"/>
-                          </a:solidFill>
-                          <a:latin typeface="Calibri"/>
-                        </a:rPr>
-                        <a:t>concurrente</a:t>
-                      </a:r>
-                      <a:endParaRPr lang="en-US" dirty="0" err="1"/>
                     </a:p>
                   </a:txBody>
-                  <a:tcPr>
-                    <a:lnL w="12700" cap="flat" cmpd="sng" algn="ctr">
+                  <a:tcPr marL="45720" marR="45720" marT="45720" marB="45720" anchor="t" anchorCtr="0" horzOverflow="overflow">
+                    <a:lnL w="12700">
                       <a:solidFill>
                         <a:srgbClr val="006A7B"/>
                       </a:solidFill>
-                      <a:prstDash val="solid"/>
-                      <a:round/>
-                      <a:headEnd type="none" w="med" len="med"/>
-                      <a:tailEnd type="none" w="med" len="med"/>
                     </a:lnL>
-                    <a:lnR w="12700" cap="flat" cmpd="sng" algn="ctr">
+                    <a:lnR w="12700">
                       <a:solidFill>
                         <a:srgbClr val="006A7B"/>
                       </a:solidFill>
-                      <a:prstDash val="solid"/>
-                      <a:round/>
-                      <a:headEnd type="none" w="med" len="med"/>
-                      <a:tailEnd type="none" w="med" len="med"/>
                     </a:lnR>
-                    <a:lnT w="12700" cap="flat" cmpd="sng" algn="ctr">
+                    <a:lnT w="12700">
                       <a:solidFill>
                         <a:srgbClr val="006A7B"/>
                       </a:solidFill>
-                      <a:prstDash val="solid"/>
-                      <a:round/>
-                      <a:headEnd type="none" w="med" len="med"/>
-                      <a:tailEnd type="none" w="med" len="med"/>
                     </a:lnT>
-                    <a:lnB w="12700" cap="flat" cmpd="sng" algn="ctr">
+                    <a:lnB w="12700">
                       <a:solidFill>
                         <a:srgbClr val="006A7B"/>
                       </a:solidFill>
-                      <a:prstDash val="solid"/>
-                      <a:round/>
-                      <a:headEnd type="none" w="med" len="med"/>
-                      <a:tailEnd type="none" w="med" len="med"/>
                     </a:lnB>
-                    <a:lnTlToBr w="12700" cmpd="sng">
-                      <a:noFill/>
-                      <a:prstDash val="solid"/>
-                    </a:lnTlToBr>
-                    <a:lnBlToTr w="12700" cmpd="sng">
-                      <a:noFill/>
-                      <a:prstDash val="solid"/>
-                    </a:lnBlToTr>
+                    <a:solidFill>
+                      <a:srgbClr val="FFFFFF"/>
+                    </a:solidFill>
                   </a:tcPr>
                 </a:tc>
-                <a:extLst>
-                  <a:ext uri="{0D108BD9-81ED-4DB2-BD59-A6C34878D82A}">
-                    <a16:rowId xmlns:a16="http://schemas.microsoft.com/office/drawing/2014/main" val="2181120578"/>
-                  </a:ext>
-                </a:extLst>
               </a:tr>
               <a:tr h="414889">
                 <a:tc>
@@ -6628,73 +5866,38 @@
                     <a:bodyPr/>
                     <a:lstStyle/>
                     <a:p>
+                      <a:pPr algn="l">
+                        <a:defRPr sz="1800"/>
+                      </a:pPr>
                       <a:r>
-                        <a:rPr lang="en-US" dirty="0" err="1"/>
-                        <a:t>Iteración</a:t>
-                      </a:r>
-                      <a:r>
-                        <a:rPr lang="en-US" dirty="0"/>
-                        <a:t> </a:t>
-                      </a:r>
-                      <a:r>
-                        <a:rPr lang="en-US" dirty="0" err="1"/>
-                        <a:t>mediante</a:t>
-                      </a:r>
-                      <a:r>
-                        <a:rPr lang="en-US" dirty="0"/>
-                        <a:t> </a:t>
-                      </a:r>
-                      <a:r>
-                        <a:rPr lang="en-US" dirty="0" err="1"/>
-                        <a:t>recursividad</a:t>
+                        <a:t>Iteración mediante recursividad</a:t>
                       </a:r>
                     </a:p>
                   </a:txBody>
-                  <a:tcPr>
-                    <a:lnL w="12700" cap="flat" cmpd="sng" algn="ctr">
+                  <a:tcPr marL="45720" marR="45720" marT="45720" marB="45720" anchor="t" anchorCtr="0" horzOverflow="overflow">
+                    <a:lnL w="12700">
                       <a:solidFill>
                         <a:srgbClr val="006A7B"/>
                       </a:solidFill>
-                      <a:prstDash val="solid"/>
-                      <a:round/>
-                      <a:headEnd type="none" w="med" len="med"/>
-                      <a:tailEnd type="none" w="med" len="med"/>
                     </a:lnL>
-                    <a:lnR w="12700" cap="flat" cmpd="sng" algn="ctr">
+                    <a:lnR w="12700">
                       <a:solidFill>
                         <a:srgbClr val="006A7B"/>
                       </a:solidFill>
-                      <a:prstDash val="solid"/>
-                      <a:round/>
-                      <a:headEnd type="none" w="med" len="med"/>
-                      <a:tailEnd type="none" w="med" len="med"/>
                     </a:lnR>
-                    <a:lnT w="12700" cap="flat" cmpd="sng" algn="ctr">
+                    <a:lnT w="12700">
                       <a:solidFill>
                         <a:srgbClr val="006A7B"/>
                       </a:solidFill>
-                      <a:prstDash val="solid"/>
-                      <a:round/>
-                      <a:headEnd type="none" w="med" len="med"/>
-                      <a:tailEnd type="none" w="med" len="med"/>
                     </a:lnT>
-                    <a:lnB w="12700" cap="flat" cmpd="sng" algn="ctr">
+                    <a:lnB w="12700">
                       <a:solidFill>
                         <a:srgbClr val="006A7B"/>
                       </a:solidFill>
-                      <a:prstDash val="solid"/>
-                      <a:round/>
-                      <a:headEnd type="none" w="med" len="med"/>
-                      <a:tailEnd type="none" w="med" len="med"/>
                     </a:lnB>
-                    <a:lnTlToBr w="12700" cmpd="sng">
-                      <a:noFill/>
-                      <a:prstDash val="solid"/>
-                    </a:lnTlToBr>
-                    <a:lnBlToTr w="12700" cmpd="sng">
-                      <a:noFill/>
-                      <a:prstDash val="solid"/>
-                    </a:lnBlToTr>
+                    <a:solidFill>
+                      <a:srgbClr val="FFFFFF"/>
+                    </a:solidFill>
                   </a:tcPr>
                 </a:tc>
                 <a:tc>
@@ -6702,101 +5905,56 @@
                     <a:bodyPr/>
                     <a:lstStyle/>
                     <a:p>
+                      <a:pPr algn="l">
+                        <a:defRPr sz="1800"/>
+                      </a:pPr>
                       <a:r>
-                        <a:rPr lang="en-US" dirty="0" err="1"/>
-                        <a:t>Iteración</a:t>
-                      </a:r>
-                      <a:r>
-                        <a:rPr lang="en-US" dirty="0"/>
-                        <a:t> </a:t>
-                      </a:r>
-                      <a:r>
-                        <a:rPr lang="en-US" dirty="0" err="1"/>
-                        <a:t>mediante</a:t>
-                      </a:r>
-                      <a:r>
-                        <a:rPr lang="en-US" dirty="0"/>
-                        <a:t> </a:t>
-                      </a:r>
-                      <a:r>
-                        <a:rPr lang="en-US" dirty="0" err="1"/>
-                        <a:t>bucles</a:t>
+                        <a:t>Iteración mediante bucles</a:t>
                       </a:r>
                     </a:p>
                   </a:txBody>
-                  <a:tcPr>
-                    <a:lnL w="12700" cap="flat" cmpd="sng" algn="ctr">
+                  <a:tcPr marL="45720" marR="45720" marT="45720" marB="45720" anchor="t" anchorCtr="0" horzOverflow="overflow">
+                    <a:lnL w="12700">
                       <a:solidFill>
                         <a:srgbClr val="006A7B"/>
                       </a:solidFill>
-                      <a:prstDash val="solid"/>
-                      <a:round/>
-                      <a:headEnd type="none" w="med" len="med"/>
-                      <a:tailEnd type="none" w="med" len="med"/>
                     </a:lnL>
-                    <a:lnR w="12700" cap="flat" cmpd="sng" algn="ctr">
+                    <a:lnR w="12700">
                       <a:solidFill>
                         <a:srgbClr val="006A7B"/>
                       </a:solidFill>
-                      <a:prstDash val="solid"/>
-                      <a:round/>
-                      <a:headEnd type="none" w="med" len="med"/>
-                      <a:tailEnd type="none" w="med" len="med"/>
                     </a:lnR>
-                    <a:lnT w="12700" cap="flat" cmpd="sng" algn="ctr">
+                    <a:lnT w="12700">
                       <a:solidFill>
                         <a:srgbClr val="006A7B"/>
                       </a:solidFill>
-                      <a:prstDash val="solid"/>
-                      <a:round/>
-                      <a:headEnd type="none" w="med" len="med"/>
-                      <a:tailEnd type="none" w="med" len="med"/>
                     </a:lnT>
-                    <a:lnB w="12700" cap="flat" cmpd="sng" algn="ctr">
+                    <a:lnB w="12700">
                       <a:solidFill>
                         <a:srgbClr val="006A7B"/>
                       </a:solidFill>
-                      <a:prstDash val="solid"/>
-                      <a:round/>
-                      <a:headEnd type="none" w="med" len="med"/>
-                      <a:tailEnd type="none" w="med" len="med"/>
                     </a:lnB>
-                    <a:lnTlToBr w="12700" cmpd="sng">
-                      <a:noFill/>
-                      <a:prstDash val="solid"/>
-                    </a:lnTlToBr>
-                    <a:lnBlToTr w="12700" cmpd="sng">
-                      <a:noFill/>
-                      <a:prstDash val="solid"/>
-                    </a:lnBlToTr>
+                    <a:solidFill>
+                      <a:srgbClr val="FFFFFF"/>
+                    </a:solidFill>
                   </a:tcPr>
                 </a:tc>
-                <a:extLst>
-                  <a:ext uri="{0D108BD9-81ED-4DB2-BD59-A6C34878D82A}">
-                    <a16:rowId xmlns:a16="http://schemas.microsoft.com/office/drawing/2014/main" val="2958808024"/>
-                  </a:ext>
-                </a:extLst>
               </a:tr>
             </a:tbl>
           </a:graphicData>
         </a:graphic>
       </p:graphicFrame>
     </p:spTree>
-    <p:extLst>
-      <p:ext uri="{BB962C8B-B14F-4D97-AF65-F5344CB8AC3E}">
-        <p14:creationId xmlns:p14="http://schemas.microsoft.com/office/powerpoint/2010/main" val="4161404639"/>
-      </p:ext>
-    </p:extLst>
   </p:cSld>
   <p:clrMapOvr>
     <a:masterClrMapping/>
   </p:clrMapOvr>
-  <p:transition spd="med"/>
+  <p:transition xmlns:p14="http://schemas.microsoft.com/office/powerpoint/2010/main" spd="med" advClick="1"/>
 </p:sld>
 </file>
 
 <file path=ppt/slides/slide6.xml><?xml version="1.0" encoding="utf-8"?>
-<p:sld xmlns:a="http://schemas.openxmlformats.org/drawingml/2006/main" xmlns:r="http://schemas.openxmlformats.org/officeDocument/2006/relationships" xmlns:p="http://schemas.openxmlformats.org/presentationml/2006/main">
+<p:sld xmlns:a="http://schemas.openxmlformats.org/drawingml/2006/main" xmlns:r="http://schemas.openxmlformats.org/officeDocument/2006/relationships" xmlns:p="http://schemas.openxmlformats.org/presentationml/2006/main" xmlns:m="http://schemas.openxmlformats.org/officeDocument/2006/math" xmlns:a14="http://schemas.microsoft.com/office/drawing/2010/main" showMasterSp="1" showMasterPhAnim="1">
   <p:cSld>
     <p:spTree>
       <p:nvGrpSpPr>
@@ -6814,14 +5972,16 @@
       </p:grpSpPr>
       <p:pic>
         <p:nvPicPr>
-          <p:cNvPr id="292" name="Imagen 5" descr="Imagen 5"/>
+          <p:cNvPr id="156" name="Imagen 5" descr="Imagen 5"/>
           <p:cNvPicPr>
-            <a:picLocks/>
+            <a:picLocks noChangeAspect="0"/>
           </p:cNvPicPr>
           <p:nvPr/>
         </p:nvPicPr>
         <p:blipFill>
-          <a:blip r:embed="rId2"/>
+          <a:blip r:embed="rId2">
+            <a:extLst/>
+          </a:blip>
           <a:stretch>
             <a:fillRect/>
           </a:stretch>
@@ -6829,7 +5989,7 @@
         <p:spPr>
           <a:xfrm>
             <a:off x="2740790" y="788750"/>
-            <a:ext cx="3810001" cy="2143126"/>
+            <a:ext cx="3810002" cy="2143126"/>
           </a:xfrm>
           <a:prstGeom prst="rect">
             <a:avLst/>
@@ -6841,14 +6001,14 @@
       </p:pic>
       <p:sp>
         <p:nvSpPr>
-          <p:cNvPr id="293" name="Rectángulo 6"/>
+          <p:cNvPr id="157" name="Rectángulo 6"/>
           <p:cNvSpPr/>
           <p:nvPr/>
         </p:nvSpPr>
         <p:spPr>
           <a:xfrm rot="5400000">
-            <a:off x="4426749" y="2036654"/>
-            <a:ext cx="252001" cy="3395926"/>
+            <a:off x="4426749" y="2036653"/>
+            <a:ext cx="252002" cy="3395928"/>
           </a:xfrm>
           <a:prstGeom prst="rect">
             <a:avLst/>
@@ -6861,7 +6021,7 @@
           </a:ln>
         </p:spPr>
         <p:txBody>
-          <a:bodyPr lIns="45719" rIns="45719" anchor="ctr"/>
+          <a:bodyPr lIns="45718" tIns="45718" rIns="45718" bIns="45718" anchor="ctr"/>
           <a:lstStyle/>
           <a:p>
             <a:pPr algn="ctr">
@@ -6871,20 +6031,19 @@
                 </a:solidFill>
               </a:defRPr>
             </a:pPr>
-            <a:endParaRPr/>
           </a:p>
         </p:txBody>
       </p:sp>
       <p:sp>
         <p:nvSpPr>
-          <p:cNvPr id="294" name="Title 1"/>
+          <p:cNvPr id="158" name="Title 1"/>
           <p:cNvSpPr txBox="1"/>
           <p:nvPr/>
         </p:nvSpPr>
         <p:spPr>
           <a:xfrm>
-            <a:off x="2854787" y="3044164"/>
-            <a:ext cx="3434425" cy="609601"/>
+            <a:off x="2854786" y="3044163"/>
+            <a:ext cx="3434426" cy="622301"/>
           </a:xfrm>
           <a:prstGeom prst="rect">
             <a:avLst/>
@@ -6894,7 +6053,7 @@
           </a:ln>
           <a:extLst>
             <a:ext uri="{C572A759-6A51-4108-AA02-DFA0A04FC94B}">
-              <ma14:wrappingTextBoxFlag xmlns:ma14="http://schemas.microsoft.com/office/mac/drawingml/2011/main" xmlns:a14="http://schemas.microsoft.com/office/drawing/2010/main" xmlns:m="http://schemas.openxmlformats.org/officeDocument/2006/math" xmlns="" val="1"/>
+              <ma14:wrappingTextBoxFlag xmlns:ma14="http://schemas.microsoft.com/office/mac/drawingml/2011/main" val="1"/>
             </a:ext>
           </a:extLst>
         </p:spPr>
@@ -6907,7 +6066,7 @@
               <a:tabLst>
                 <a:tab pos="88900" algn="l"/>
               </a:tabLst>
-              <a:defRPr sz="4000" spc="-300">
+              <a:defRPr spc="-300" sz="4000">
                 <a:solidFill>
                   <a:srgbClr val="242415"/>
                 </a:solidFill>
@@ -6919,37 +6078,24 @@
             </a:lvl1pPr>
           </a:lstStyle>
           <a:p>
-            <a:r>
-              <a:rPr dirty="0"/>
-              <a:t>A por </a:t>
-            </a:r>
-            <a:r>
-              <a:rPr dirty="0" err="1"/>
-              <a:t>código</a:t>
-            </a:r>
-            <a:r>
-              <a:rPr dirty="0"/>
-              <a:t> !!!</a:t>
+            <a:pPr/>
+            <a:r>
+              <a:t>A por código !!!</a:t>
             </a:r>
           </a:p>
         </p:txBody>
       </p:sp>
     </p:spTree>
-    <p:extLst>
-      <p:ext uri="{BB962C8B-B14F-4D97-AF65-F5344CB8AC3E}">
-        <p14:creationId xmlns:p14="http://schemas.microsoft.com/office/powerpoint/2010/main" val="1065653312"/>
-      </p:ext>
-    </p:extLst>
   </p:cSld>
   <p:clrMapOvr>
     <a:masterClrMapping/>
   </p:clrMapOvr>
-  <p:transition spd="med"/>
+  <p:transition xmlns:p14="http://schemas.microsoft.com/office/powerpoint/2010/main" spd="med" advClick="1"/>
 </p:sld>
 </file>
 
 <file path=ppt/slides/slide7.xml><?xml version="1.0" encoding="utf-8"?>
-<p:sld xmlns:a="http://schemas.openxmlformats.org/drawingml/2006/main" xmlns:r="http://schemas.openxmlformats.org/officeDocument/2006/relationships" xmlns:p="http://schemas.openxmlformats.org/presentationml/2006/main">
+<p:sld xmlns:a="http://schemas.openxmlformats.org/drawingml/2006/main" xmlns:r="http://schemas.openxmlformats.org/officeDocument/2006/relationships" xmlns:p="http://schemas.openxmlformats.org/presentationml/2006/main" xmlns:m="http://schemas.openxmlformats.org/officeDocument/2006/math" xmlns:a14="http://schemas.microsoft.com/office/drawing/2010/main" showMasterSp="1" showMasterPhAnim="1">
   <p:cSld>
     <p:spTree>
       <p:nvGrpSpPr>
@@ -6967,14 +6113,14 @@
       </p:grpSpPr>
       <p:sp>
         <p:nvSpPr>
-          <p:cNvPr id="301" name="Rectángulo 3"/>
+          <p:cNvPr id="160" name="Rectángulo 3"/>
           <p:cNvSpPr/>
           <p:nvPr/>
         </p:nvSpPr>
         <p:spPr>
           <a:xfrm>
-            <a:off x="0" y="3443907"/>
-            <a:ext cx="9144000" cy="1699593"/>
+            <a:off x="0" y="3443906"/>
+            <a:ext cx="9144000" cy="1699594"/>
           </a:xfrm>
           <a:prstGeom prst="rect">
             <a:avLst/>
@@ -6987,7 +6133,7 @@
           </a:ln>
         </p:spPr>
         <p:txBody>
-          <a:bodyPr lIns="45719" rIns="45719" anchor="ctr"/>
+          <a:bodyPr lIns="45718" tIns="45718" rIns="45718" bIns="45718" anchor="ctr"/>
           <a:lstStyle/>
           <a:p>
             <a:pPr algn="ctr">
@@ -6997,28 +6143,29 @@
                 </a:solidFill>
               </a:defRPr>
             </a:pPr>
-            <a:endParaRPr/>
           </a:p>
         </p:txBody>
       </p:sp>
       <p:pic>
         <p:nvPicPr>
-          <p:cNvPr id="302" name="Gráfico 10" descr="Gráfico 10"/>
+          <p:cNvPr id="161" name="Gráfico 10" descr="Gráfico 10"/>
           <p:cNvPicPr>
             <a:picLocks noChangeAspect="1"/>
           </p:cNvPicPr>
           <p:nvPr/>
         </p:nvPicPr>
         <p:blipFill>
-          <a:blip r:embed="rId2"/>
+          <a:blip r:embed="rId2">
+            <a:extLst/>
+          </a:blip>
           <a:stretch>
             <a:fillRect/>
           </a:stretch>
         </p:blipFill>
         <p:spPr>
           <a:xfrm>
-            <a:off x="2207873" y="765889"/>
-            <a:ext cx="4728254" cy="1696294"/>
+            <a:off x="2207872" y="765889"/>
+            <a:ext cx="4728256" cy="1696294"/>
           </a:xfrm>
           <a:prstGeom prst="rect">
             <a:avLst/>
@@ -7030,14 +6177,16 @@
       </p:pic>
       <p:pic>
         <p:nvPicPr>
-          <p:cNvPr id="303" name="Gráfico 13" descr="Gráfico 13"/>
+          <p:cNvPr id="162" name="Gráfico 13" descr="Gráfico 13"/>
           <p:cNvPicPr>
             <a:picLocks noChangeAspect="1"/>
           </p:cNvPicPr>
           <p:nvPr/>
         </p:nvPicPr>
         <p:blipFill>
-          <a:blip r:embed="rId3"/>
+          <a:blip r:embed="rId3">
+            <a:extLst/>
+          </a:blip>
           <a:stretch>
             <a:fillRect/>
           </a:stretch>
@@ -7045,7 +6194,7 @@
         <p:spPr>
           <a:xfrm>
             <a:off x="4218292" y="4329110"/>
-            <a:ext cx="360001" cy="360001"/>
+            <a:ext cx="360002" cy="360002"/>
           </a:xfrm>
           <a:prstGeom prst="rect">
             <a:avLst/>
@@ -7057,14 +6206,16 @@
       </p:pic>
       <p:pic>
         <p:nvPicPr>
-          <p:cNvPr id="304" name="Gráfico 15" descr="Gráfico 15"/>
+          <p:cNvPr id="163" name="Gráfico 15" descr="Gráfico 15"/>
           <p:cNvPicPr>
             <a:picLocks noChangeAspect="1"/>
           </p:cNvPicPr>
           <p:nvPr/>
         </p:nvPicPr>
         <p:blipFill>
-          <a:blip r:embed="rId4"/>
+          <a:blip r:embed="rId4">
+            <a:extLst/>
+          </a:blip>
           <a:stretch>
             <a:fillRect/>
           </a:stretch>
@@ -7072,7 +6223,7 @@
         <p:spPr>
           <a:xfrm>
             <a:off x="4218292" y="3786080"/>
-            <a:ext cx="360001" cy="360001"/>
+            <a:ext cx="360002" cy="360002"/>
           </a:xfrm>
           <a:prstGeom prst="rect">
             <a:avLst/>
@@ -7084,22 +6235,24 @@
       </p:pic>
       <p:pic>
         <p:nvPicPr>
-          <p:cNvPr id="305" name="Gráfico 17" descr="Gráfico 17"/>
+          <p:cNvPr id="164" name="Gráfico 17" descr="Gráfico 17"/>
           <p:cNvPicPr>
             <a:picLocks noChangeAspect="1"/>
           </p:cNvPicPr>
           <p:nvPr/>
         </p:nvPicPr>
         <p:blipFill>
-          <a:blip r:embed="rId5"/>
+          <a:blip r:embed="rId5">
+            <a:extLst/>
+          </a:blip>
           <a:stretch>
             <a:fillRect/>
           </a:stretch>
         </p:blipFill>
         <p:spPr>
           <a:xfrm>
-            <a:off x="1365921" y="4333776"/>
-            <a:ext cx="360001" cy="360001"/>
+            <a:off x="1365920" y="4333776"/>
+            <a:ext cx="360002" cy="360002"/>
           </a:xfrm>
           <a:prstGeom prst="rect">
             <a:avLst/>
@@ -7111,22 +6264,24 @@
       </p:pic>
       <p:pic>
         <p:nvPicPr>
-          <p:cNvPr id="306" name="Gráfico 2" descr="Gráfico 2"/>
+          <p:cNvPr id="165" name="Gráfico 2" descr="Gráfico 2"/>
           <p:cNvPicPr>
             <a:picLocks noChangeAspect="1"/>
           </p:cNvPicPr>
           <p:nvPr/>
         </p:nvPicPr>
         <p:blipFill>
-          <a:blip r:embed="rId6"/>
+          <a:blip r:embed="rId6">
+            <a:extLst/>
+          </a:blip>
           <a:stretch>
             <a:fillRect/>
           </a:stretch>
         </p:blipFill>
         <p:spPr>
           <a:xfrm>
-            <a:off x="1365921" y="3800404"/>
-            <a:ext cx="360001" cy="360001"/>
+            <a:off x="1365920" y="3800404"/>
+            <a:ext cx="360002" cy="360002"/>
           </a:xfrm>
           <a:prstGeom prst="rect">
             <a:avLst/>
@@ -7138,28 +6293,28 @@
       </p:pic>
       <p:grpSp>
         <p:nvGrpSpPr>
-          <p:cNvPr id="311" name="Grupo 5"/>
+          <p:cNvPr id="170" name="Grupo 5"/>
           <p:cNvGrpSpPr/>
           <p:nvPr/>
         </p:nvGrpSpPr>
         <p:grpSpPr>
           <a:xfrm>
-            <a:off x="1771311" y="3781414"/>
-            <a:ext cx="6298731" cy="918538"/>
+            <a:off x="1771310" y="3781414"/>
+            <a:ext cx="6298733" cy="918536"/>
             <a:chOff x="0" y="0"/>
-            <a:chExt cx="6298730" cy="918537"/>
+            <a:chExt cx="6298731" cy="918535"/>
           </a:xfrm>
         </p:grpSpPr>
         <p:sp>
           <p:nvSpPr>
-            <p:cNvPr id="307" name="CuadroTexto 18"/>
+            <p:cNvPr id="166" name="CuadroTexto 18"/>
             <p:cNvSpPr txBox="1"/>
             <p:nvPr/>
           </p:nvSpPr>
           <p:spPr>
             <a:xfrm>
-              <a:off x="2852369" y="0"/>
-              <a:ext cx="3282596" cy="370840"/>
+              <a:off x="2852369" y="-1"/>
+              <a:ext cx="3282597" cy="370839"/>
             </a:xfrm>
             <a:prstGeom prst="rect">
               <a:avLst/>
@@ -7172,12 +6327,12 @@
             <a:effectLst/>
             <a:extLst>
               <a:ext uri="{C572A759-6A51-4108-AA02-DFA0A04FC94B}">
-                <ma14:wrappingTextBoxFlag xmlns="" xmlns:m="http://schemas.openxmlformats.org/officeDocument/2006/math" xmlns:a14="http://schemas.microsoft.com/office/drawing/2010/main" xmlns:ma14="http://schemas.microsoft.com/office/mac/drawingml/2011/main" val="1"/>
+                <ma14:wrappingTextBoxFlag xmlns:ma14="http://schemas.microsoft.com/office/mac/drawingml/2011/main" val="1"/>
               </a:ext>
             </a:extLst>
           </p:spPr>
           <p:txBody>
-            <a:bodyPr wrap="square" lIns="45719" tIns="45719" rIns="45719" bIns="45719" numCol="1" anchor="t">
+            <a:bodyPr wrap="square" lIns="45718" tIns="45718" rIns="45718" bIns="45718" numCol="1" anchor="t">
               <a:spAutoFit/>
             </a:bodyPr>
             <a:lstStyle>
@@ -7194,6 +6349,7 @@
               </a:lvl1pPr>
             </a:lstStyle>
             <a:p>
+              <a:pPr/>
               <a:r>
                 <a:t>github.com/lemoncode</a:t>
               </a:r>
@@ -7202,14 +6358,14 @@
         </p:sp>
         <p:sp>
           <p:nvSpPr>
-            <p:cNvPr id="308" name="CuadroTexto 7"/>
+            <p:cNvPr id="167" name="CuadroTexto 7"/>
             <p:cNvSpPr txBox="1"/>
             <p:nvPr/>
           </p:nvSpPr>
           <p:spPr>
             <a:xfrm>
-              <a:off x="0" y="547697"/>
-              <a:ext cx="1972172" cy="370841"/>
+              <a:off x="-1" y="547697"/>
+              <a:ext cx="1972173" cy="370839"/>
             </a:xfrm>
             <a:prstGeom prst="rect">
               <a:avLst/>
@@ -7222,12 +6378,12 @@
             <a:effectLst/>
             <a:extLst>
               <a:ext uri="{C572A759-6A51-4108-AA02-DFA0A04FC94B}">
-                <ma14:wrappingTextBoxFlag xmlns="" xmlns:m="http://schemas.openxmlformats.org/officeDocument/2006/math" xmlns:a14="http://schemas.microsoft.com/office/drawing/2010/main" xmlns:ma14="http://schemas.microsoft.com/office/mac/drawingml/2011/main" val="1"/>
+                <ma14:wrappingTextBoxFlag xmlns:ma14="http://schemas.microsoft.com/office/mac/drawingml/2011/main" val="1"/>
               </a:ext>
             </a:extLst>
           </p:spPr>
           <p:txBody>
-            <a:bodyPr wrap="square" lIns="45719" tIns="45719" rIns="45719" bIns="45719" numCol="1" anchor="t">
+            <a:bodyPr wrap="square" lIns="45718" tIns="45718" rIns="45718" bIns="45718" numCol="1" anchor="t">
               <a:spAutoFit/>
             </a:bodyPr>
             <a:lstStyle>
@@ -7244,6 +6400,7 @@
               </a:lvl1pPr>
             </a:lstStyle>
             <a:p>
+              <a:pPr/>
               <a:r>
                 <a:t>@lemoncoders</a:t>
               </a:r>
@@ -7252,14 +6409,14 @@
         </p:sp>
         <p:sp>
           <p:nvSpPr>
-            <p:cNvPr id="309" name="CuadroTexto 8"/>
+            <p:cNvPr id="168" name="CuadroTexto 8"/>
             <p:cNvSpPr txBox="1"/>
             <p:nvPr/>
           </p:nvSpPr>
           <p:spPr>
             <a:xfrm>
               <a:off x="2852369" y="543031"/>
-              <a:ext cx="3446362" cy="370841"/>
+              <a:ext cx="3446363" cy="370839"/>
             </a:xfrm>
             <a:prstGeom prst="rect">
               <a:avLst/>
@@ -7272,12 +6429,12 @@
             <a:effectLst/>
             <a:extLst>
               <a:ext uri="{C572A759-6A51-4108-AA02-DFA0A04FC94B}">
-                <ma14:wrappingTextBoxFlag xmlns="" xmlns:m="http://schemas.openxmlformats.org/officeDocument/2006/math" xmlns:a14="http://schemas.microsoft.com/office/drawing/2010/main" xmlns:ma14="http://schemas.microsoft.com/office/mac/drawingml/2011/main" val="1"/>
+                <ma14:wrappingTextBoxFlag xmlns:ma14="http://schemas.microsoft.com/office/mac/drawingml/2011/main" val="1"/>
               </a:ext>
             </a:extLst>
           </p:spPr>
           <p:txBody>
-            <a:bodyPr wrap="square" lIns="45719" tIns="45719" rIns="45719" bIns="45719" numCol="1" anchor="t">
+            <a:bodyPr wrap="square" lIns="45718" tIns="45718" rIns="45718" bIns="45718" numCol="1" anchor="t">
               <a:spAutoFit/>
             </a:bodyPr>
             <a:lstStyle>
@@ -7294,6 +6451,7 @@
               </a:lvl1pPr>
             </a:lstStyle>
             <a:p>
+              <a:pPr/>
               <a:r>
                 <a:t>facebook.com/lemoncoders</a:t>
               </a:r>
@@ -7302,14 +6460,14 @@
         </p:sp>
         <p:sp>
           <p:nvSpPr>
-            <p:cNvPr id="310" name="CuadroTexto 12"/>
+            <p:cNvPr id="169" name="CuadroTexto 12"/>
             <p:cNvSpPr txBox="1"/>
             <p:nvPr/>
           </p:nvSpPr>
           <p:spPr>
             <a:xfrm>
-              <a:off x="5137" y="14325"/>
-              <a:ext cx="2027658" cy="370840"/>
+              <a:off x="5136" y="14325"/>
+              <a:ext cx="2027659" cy="370839"/>
             </a:xfrm>
             <a:prstGeom prst="rect">
               <a:avLst/>
@@ -7322,12 +6480,12 @@
             <a:effectLst/>
             <a:extLst>
               <a:ext uri="{C572A759-6A51-4108-AA02-DFA0A04FC94B}">
-                <ma14:wrappingTextBoxFlag xmlns="" xmlns:m="http://schemas.openxmlformats.org/officeDocument/2006/math" xmlns:a14="http://schemas.microsoft.com/office/drawing/2010/main" xmlns:ma14="http://schemas.microsoft.com/office/mac/drawingml/2011/main" val="1"/>
+                <ma14:wrappingTextBoxFlag xmlns:ma14="http://schemas.microsoft.com/office/mac/drawingml/2011/main" val="1"/>
               </a:ext>
             </a:extLst>
           </p:spPr>
           <p:txBody>
-            <a:bodyPr wrap="square" lIns="45719" tIns="45719" rIns="45719" bIns="45719" numCol="1" anchor="t">
+            <a:bodyPr wrap="square" lIns="45718" tIns="45718" rIns="45718" bIns="45718" numCol="1" anchor="t">
               <a:spAutoFit/>
             </a:bodyPr>
             <a:lstStyle>
@@ -7344,6 +6502,7 @@
               </a:lvl1pPr>
             </a:lstStyle>
             <a:p>
+              <a:pPr/>
               <a:r>
                 <a:t>lemoncode.net</a:t>
               </a:r>
@@ -7356,12 +6515,12 @@
   <p:clrMapOvr>
     <a:masterClrMapping/>
   </p:clrMapOvr>
-  <p:transition spd="med"/>
+  <p:transition xmlns:p14="http://schemas.microsoft.com/office/powerpoint/2010/main" spd="med" advClick="1"/>
 </p:sld>
 </file>
 
 <file path=ppt/theme/theme1.xml><?xml version="1.0" encoding="utf-8"?>
-<a:theme xmlns:a="http://schemas.openxmlformats.org/drawingml/2006/main" name="Office Theme">
+<a:theme xmlns:a="http://schemas.openxmlformats.org/drawingml/2006/main" xmlns:r="http://schemas.openxmlformats.org/officeDocument/2006/relationships" name="Office Theme">
   <a:themeElements>
     <a:clrScheme name="Office Theme">
       <a:dk1>
@@ -7403,14 +6562,14 @@
     </a:clrScheme>
     <a:fontScheme name="Office Theme">
       <a:majorFont>
+        <a:latin typeface="Calibri"/>
+        <a:ea typeface="Calibri"/>
+        <a:cs typeface="Calibri"/>
+      </a:majorFont>
+      <a:minorFont>
         <a:latin typeface="Helvetica"/>
         <a:ea typeface="Helvetica"/>
         <a:cs typeface="Helvetica"/>
-      </a:majorFont>
-      <a:minorFont>
-        <a:latin typeface="Calibri"/>
-        <a:ea typeface="Calibri"/>
-        <a:cs typeface="Calibri"/>
       </a:minorFont>
     </a:fontScheme>
     <a:fmtScheme name="Office Theme">
@@ -7492,13 +6651,7 @@
           <a:effectLst/>
         </a:effectStyle>
         <a:effectStyle>
-          <a:effectLst>
-            <a:outerShdw blurRad="38100" dist="20000" dir="5400000" rotWithShape="0">
-              <a:srgbClr val="000000">
-                <a:alpha val="38000"/>
-              </a:srgbClr>
-            </a:outerShdw>
-          </a:effectLst>
+          <a:effectLst/>
         </a:effectStyle>
       </a:effectStyleLst>
       <a:bgFillStyleLst>
@@ -7569,7 +6722,7 @@
         <a:effectLst/>
         <a:sp3d/>
       </a:spPr>
-      <a:bodyPr rot="0" spcFirstLastPara="1" vertOverflow="overflow" horzOverflow="overflow" vert="horz" wrap="square" lIns="45719" tIns="45719" rIns="45719" bIns="45719" numCol="1" spcCol="38100" rtlCol="0" anchor="ctr">
+      <a:bodyPr rot="0" spcFirstLastPara="1" vertOverflow="overflow" horzOverflow="overflow" vert="horz" wrap="square" lIns="45718" tIns="45718" rIns="45718" bIns="45718" numCol="1" spcCol="38100" rtlCol="0" anchor="ctr" upright="0">
         <a:spAutoFit/>
       </a:bodyPr>
       <a:lstStyle>
@@ -7588,7 +6741,7 @@
           <a:buFontTx/>
           <a:buNone/>
           <a:tabLst/>
-          <a:defRPr kumimoji="0" sz="1800" b="0" i="0" u="none" strike="noStrike" cap="none" spc="0" normalizeH="0" baseline="0">
+          <a:defRPr b="0" baseline="0" cap="none" i="0" spc="0" strike="noStrike" sz="1800" u="none" kumimoji="0" normalizeH="0">
             <a:ln>
               <a:noFill/>
             </a:ln>
@@ -7597,9 +6750,9 @@
             </a:solidFill>
             <a:effectLst/>
             <a:uFillTx/>
-            <a:latin typeface="+mn-lt"/>
-            <a:ea typeface="+mn-ea"/>
-            <a:cs typeface="+mn-cs"/>
+            <a:latin typeface="+mj-lt"/>
+            <a:ea typeface="+mj-ea"/>
+            <a:cs typeface="+mj-cs"/>
             <a:sym typeface="Calibri"/>
           </a:defRPr>
         </a:defPPr>
@@ -7618,7 +6771,7 @@
           <a:buFontTx/>
           <a:buNone/>
           <a:tabLst/>
-          <a:defRPr kumimoji="0" sz="1800" b="0" i="0" u="none" strike="noStrike" cap="none" spc="0" normalizeH="0" baseline="0">
+          <a:defRPr b="0" baseline="0" cap="none" i="0" spc="0" strike="noStrike" sz="1800" u="none" kumimoji="0" normalizeH="0">
             <a:ln>
               <a:noFill/>
             </a:ln>
@@ -7644,7 +6797,7 @@
           <a:buFontTx/>
           <a:buNone/>
           <a:tabLst/>
-          <a:defRPr kumimoji="0" sz="1800" b="0" i="0" u="none" strike="noStrike" cap="none" spc="0" normalizeH="0" baseline="0">
+          <a:defRPr b="0" baseline="0" cap="none" i="0" spc="0" strike="noStrike" sz="1800" u="none" kumimoji="0" normalizeH="0">
             <a:ln>
               <a:noFill/>
             </a:ln>
@@ -7670,7 +6823,7 @@
           <a:buFontTx/>
           <a:buNone/>
           <a:tabLst/>
-          <a:defRPr kumimoji="0" sz="1800" b="0" i="0" u="none" strike="noStrike" cap="none" spc="0" normalizeH="0" baseline="0">
+          <a:defRPr b="0" baseline="0" cap="none" i="0" spc="0" strike="noStrike" sz="1800" u="none" kumimoji="0" normalizeH="0">
             <a:ln>
               <a:noFill/>
             </a:ln>
@@ -7696,7 +6849,7 @@
           <a:buFontTx/>
           <a:buNone/>
           <a:tabLst/>
-          <a:defRPr kumimoji="0" sz="1800" b="0" i="0" u="none" strike="noStrike" cap="none" spc="0" normalizeH="0" baseline="0">
+          <a:defRPr b="0" baseline="0" cap="none" i="0" spc="0" strike="noStrike" sz="1800" u="none" kumimoji="0" normalizeH="0">
             <a:ln>
               <a:noFill/>
             </a:ln>
@@ -7722,7 +6875,7 @@
           <a:buFontTx/>
           <a:buNone/>
           <a:tabLst/>
-          <a:defRPr kumimoji="0" sz="1800" b="0" i="0" u="none" strike="noStrike" cap="none" spc="0" normalizeH="0" baseline="0">
+          <a:defRPr b="0" baseline="0" cap="none" i="0" spc="0" strike="noStrike" sz="1800" u="none" kumimoji="0" normalizeH="0">
             <a:ln>
               <a:noFill/>
             </a:ln>
@@ -7748,7 +6901,7 @@
           <a:buFontTx/>
           <a:buNone/>
           <a:tabLst/>
-          <a:defRPr kumimoji="0" sz="1800" b="0" i="0" u="none" strike="noStrike" cap="none" spc="0" normalizeH="0" baseline="0">
+          <a:defRPr b="0" baseline="0" cap="none" i="0" spc="0" strike="noStrike" sz="1800" u="none" kumimoji="0" normalizeH="0">
             <a:ln>
               <a:noFill/>
             </a:ln>
@@ -7774,7 +6927,7 @@
           <a:buFontTx/>
           <a:buNone/>
           <a:tabLst/>
-          <a:defRPr kumimoji="0" sz="1800" b="0" i="0" u="none" strike="noStrike" cap="none" spc="0" normalizeH="0" baseline="0">
+          <a:defRPr b="0" baseline="0" cap="none" i="0" spc="0" strike="noStrike" sz="1800" u="none" kumimoji="0" normalizeH="0">
             <a:ln>
               <a:noFill/>
             </a:ln>
@@ -7800,7 +6953,7 @@
           <a:buFontTx/>
           <a:buNone/>
           <a:tabLst/>
-          <a:defRPr kumimoji="0" sz="1800" b="0" i="0" u="none" strike="noStrike" cap="none" spc="0" normalizeH="0" baseline="0">
+          <a:defRPr b="0" baseline="0" cap="none" i="0" spc="0" strike="noStrike" sz="1800" u="none" kumimoji="0" normalizeH="0">
             <a:ln>
               <a:noFill/>
             </a:ln>
@@ -7826,7 +6979,7 @@
           <a:buFontTx/>
           <a:buNone/>
           <a:tabLst/>
-          <a:defRPr kumimoji="0" sz="1800" b="0" i="0" u="none" strike="noStrike" cap="none" spc="0" normalizeH="0" baseline="0">
+          <a:defRPr b="0" baseline="0" cap="none" i="0" spc="0" strike="noStrike" sz="1800" u="none" kumimoji="0" normalizeH="0">
             <a:ln>
               <a:noFill/>
             </a:ln>
@@ -7839,15 +6992,9 @@
         </a:lvl9pPr>
       </a:lstStyle>
       <a:style>
-        <a:lnRef idx="0">
-          <a:scrgbClr r="0" g="0" b="0"/>
-        </a:lnRef>
-        <a:fillRef idx="0">
-          <a:scrgbClr r="0" g="0" b="0"/>
-        </a:fillRef>
-        <a:effectRef idx="0">
-          <a:scrgbClr r="0" g="0" b="0"/>
-        </a:effectRef>
+        <a:lnRef idx="0"/>
+        <a:fillRef idx="0"/>
+        <a:effectRef idx="0"/>
         <a:fontRef idx="none"/>
       </a:style>
     </a:spDef>
@@ -7861,16 +7008,10 @@
           <a:prstDash val="solid"/>
           <a:round/>
         </a:ln>
-        <a:effectLst>
-          <a:outerShdw blurRad="38100" dist="20000" dir="5400000" rotWithShape="0">
-            <a:srgbClr val="000000">
-              <a:alpha val="38000"/>
-            </a:srgbClr>
-          </a:outerShdw>
-        </a:effectLst>
+        <a:effectLst/>
         <a:sp3d/>
       </a:spPr>
-      <a:bodyPr rot="0" spcFirstLastPara="1" vertOverflow="overflow" horzOverflow="overflow" vert="horz" wrap="square" lIns="91439" tIns="45719" rIns="91439" bIns="45719" numCol="1" spcCol="38100" rtlCol="0" anchor="t">
+      <a:bodyPr rot="0" spcFirstLastPara="1" vertOverflow="overflow" horzOverflow="overflow" vert="horz" wrap="square" lIns="91439" tIns="45719" rIns="91439" bIns="45719" numCol="1" spcCol="38100" rtlCol="0" anchor="t" upright="0">
         <a:noAutofit/>
       </a:bodyPr>
       <a:lstStyle>
@@ -7889,7 +7030,7 @@
           <a:buFontTx/>
           <a:buNone/>
           <a:tabLst/>
-          <a:defRPr kumimoji="0" sz="1800" b="0" i="0" u="none" strike="noStrike" cap="none" spc="0" normalizeH="0" baseline="0">
+          <a:defRPr b="0" baseline="0" cap="none" i="0" spc="0" strike="noStrike" sz="1800" u="none" kumimoji="0" normalizeH="0">
             <a:ln>
               <a:noFill/>
             </a:ln>
@@ -7915,7 +7056,7 @@
           <a:buFontTx/>
           <a:buNone/>
           <a:tabLst/>
-          <a:defRPr kumimoji="0" sz="1800" b="0" i="0" u="none" strike="noStrike" cap="none" spc="0" normalizeH="0" baseline="0">
+          <a:defRPr b="0" baseline="0" cap="none" i="0" spc="0" strike="noStrike" sz="1800" u="none" kumimoji="0" normalizeH="0">
             <a:ln>
               <a:noFill/>
             </a:ln>
@@ -7941,7 +7082,7 @@
           <a:buFontTx/>
           <a:buNone/>
           <a:tabLst/>
-          <a:defRPr kumimoji="0" sz="1800" b="0" i="0" u="none" strike="noStrike" cap="none" spc="0" normalizeH="0" baseline="0">
+          <a:defRPr b="0" baseline="0" cap="none" i="0" spc="0" strike="noStrike" sz="1800" u="none" kumimoji="0" normalizeH="0">
             <a:ln>
               <a:noFill/>
             </a:ln>
@@ -7967,7 +7108,7 @@
           <a:buFontTx/>
           <a:buNone/>
           <a:tabLst/>
-          <a:defRPr kumimoji="0" sz="1800" b="0" i="0" u="none" strike="noStrike" cap="none" spc="0" normalizeH="0" baseline="0">
+          <a:defRPr b="0" baseline="0" cap="none" i="0" spc="0" strike="noStrike" sz="1800" u="none" kumimoji="0" normalizeH="0">
             <a:ln>
               <a:noFill/>
             </a:ln>
@@ -7993,7 +7134,7 @@
           <a:buFontTx/>
           <a:buNone/>
           <a:tabLst/>
-          <a:defRPr kumimoji="0" sz="1800" b="0" i="0" u="none" strike="noStrike" cap="none" spc="0" normalizeH="0" baseline="0">
+          <a:defRPr b="0" baseline="0" cap="none" i="0" spc="0" strike="noStrike" sz="1800" u="none" kumimoji="0" normalizeH="0">
             <a:ln>
               <a:noFill/>
             </a:ln>
@@ -8019,7 +7160,7 @@
           <a:buFontTx/>
           <a:buNone/>
           <a:tabLst/>
-          <a:defRPr kumimoji="0" sz="1800" b="0" i="0" u="none" strike="noStrike" cap="none" spc="0" normalizeH="0" baseline="0">
+          <a:defRPr b="0" baseline="0" cap="none" i="0" spc="0" strike="noStrike" sz="1800" u="none" kumimoji="0" normalizeH="0">
             <a:ln>
               <a:noFill/>
             </a:ln>
@@ -8045,7 +7186,7 @@
           <a:buFontTx/>
           <a:buNone/>
           <a:tabLst/>
-          <a:defRPr kumimoji="0" sz="1800" b="0" i="0" u="none" strike="noStrike" cap="none" spc="0" normalizeH="0" baseline="0">
+          <a:defRPr b="0" baseline="0" cap="none" i="0" spc="0" strike="noStrike" sz="1800" u="none" kumimoji="0" normalizeH="0">
             <a:ln>
               <a:noFill/>
             </a:ln>
@@ -8071,7 +7212,7 @@
           <a:buFontTx/>
           <a:buNone/>
           <a:tabLst/>
-          <a:defRPr kumimoji="0" sz="1800" b="0" i="0" u="none" strike="noStrike" cap="none" spc="0" normalizeH="0" baseline="0">
+          <a:defRPr b="0" baseline="0" cap="none" i="0" spc="0" strike="noStrike" sz="1800" u="none" kumimoji="0" normalizeH="0">
             <a:ln>
               <a:noFill/>
             </a:ln>
@@ -8097,7 +7238,7 @@
           <a:buFontTx/>
           <a:buNone/>
           <a:tabLst/>
-          <a:defRPr kumimoji="0" sz="1800" b="0" i="0" u="none" strike="noStrike" cap="none" spc="0" normalizeH="0" baseline="0">
+          <a:defRPr b="0" baseline="0" cap="none" i="0" spc="0" strike="noStrike" sz="1800" u="none" kumimoji="0" normalizeH="0">
             <a:ln>
               <a:noFill/>
             </a:ln>
@@ -8123,7 +7264,7 @@
           <a:buFontTx/>
           <a:buNone/>
           <a:tabLst/>
-          <a:defRPr kumimoji="0" sz="1800" b="0" i="0" u="none" strike="noStrike" cap="none" spc="0" normalizeH="0" baseline="0">
+          <a:defRPr b="0" baseline="0" cap="none" i="0" spc="0" strike="noStrike" sz="1800" u="none" kumimoji="0" normalizeH="0">
             <a:ln>
               <a:noFill/>
             </a:ln>
@@ -8136,15 +7277,9 @@
         </a:lvl9pPr>
       </a:lstStyle>
       <a:style>
-        <a:lnRef idx="0">
-          <a:scrgbClr r="0" g="0" b="0"/>
-        </a:lnRef>
-        <a:fillRef idx="0">
-          <a:scrgbClr r="0" g="0" b="0"/>
-        </a:fillRef>
-        <a:effectRef idx="0">
-          <a:scrgbClr r="0" g="0" b="0"/>
-        </a:effectRef>
+        <a:lnRef idx="0"/>
+        <a:fillRef idx="0"/>
+        <a:effectRef idx="0"/>
         <a:fontRef idx="none"/>
       </a:style>
     </a:lnDef>
@@ -8158,7 +7293,7 @@
         <a:effectLst/>
         <a:sp3d/>
       </a:spPr>
-      <a:bodyPr rot="0" spcFirstLastPara="1" vertOverflow="overflow" horzOverflow="overflow" vert="horz" wrap="square" lIns="45719" tIns="45719" rIns="45719" bIns="45719" numCol="1" spcCol="38100" rtlCol="0" anchor="t">
+      <a:bodyPr rot="0" spcFirstLastPara="1" vertOverflow="overflow" horzOverflow="overflow" vert="horz" wrap="square" lIns="45718" tIns="45718" rIns="45718" bIns="45718" numCol="1" spcCol="38100" rtlCol="0" anchor="t" upright="0">
         <a:spAutoFit/>
       </a:bodyPr>
       <a:lstStyle>
@@ -8177,7 +7312,7 @@
           <a:buFontTx/>
           <a:buNone/>
           <a:tabLst/>
-          <a:defRPr kumimoji="0" sz="1800" b="0" i="0" u="none" strike="noStrike" cap="none" spc="0" normalizeH="0" baseline="0">
+          <a:defRPr b="0" baseline="0" cap="none" i="0" spc="0" strike="noStrike" sz="1800" u="none" kumimoji="0" normalizeH="0">
             <a:ln>
               <a:noFill/>
             </a:ln>
@@ -8186,9 +7321,9 @@
             </a:solidFill>
             <a:effectLst/>
             <a:uFillTx/>
-            <a:latin typeface="+mn-lt"/>
-            <a:ea typeface="+mn-ea"/>
-            <a:cs typeface="+mn-cs"/>
+            <a:latin typeface="+mj-lt"/>
+            <a:ea typeface="+mj-ea"/>
+            <a:cs typeface="+mj-cs"/>
             <a:sym typeface="Calibri"/>
           </a:defRPr>
         </a:defPPr>
@@ -8207,7 +7342,7 @@
           <a:buFontTx/>
           <a:buNone/>
           <a:tabLst/>
-          <a:defRPr kumimoji="0" sz="1800" b="0" i="0" u="none" strike="noStrike" cap="none" spc="0" normalizeH="0" baseline="0">
+          <a:defRPr b="0" baseline="0" cap="none" i="0" spc="0" strike="noStrike" sz="1800" u="none" kumimoji="0" normalizeH="0">
             <a:ln>
               <a:noFill/>
             </a:ln>
@@ -8233,7 +7368,7 @@
           <a:buFontTx/>
           <a:buNone/>
           <a:tabLst/>
-          <a:defRPr kumimoji="0" sz="1800" b="0" i="0" u="none" strike="noStrike" cap="none" spc="0" normalizeH="0" baseline="0">
+          <a:defRPr b="0" baseline="0" cap="none" i="0" spc="0" strike="noStrike" sz="1800" u="none" kumimoji="0" normalizeH="0">
             <a:ln>
               <a:noFill/>
             </a:ln>
@@ -8259,7 +7394,7 @@
           <a:buFontTx/>
           <a:buNone/>
           <a:tabLst/>
-          <a:defRPr kumimoji="0" sz="1800" b="0" i="0" u="none" strike="noStrike" cap="none" spc="0" normalizeH="0" baseline="0">
+          <a:defRPr b="0" baseline="0" cap="none" i="0" spc="0" strike="noStrike" sz="1800" u="none" kumimoji="0" normalizeH="0">
             <a:ln>
               <a:noFill/>
             </a:ln>
@@ -8285,7 +7420,7 @@
           <a:buFontTx/>
           <a:buNone/>
           <a:tabLst/>
-          <a:defRPr kumimoji="0" sz="1800" b="0" i="0" u="none" strike="noStrike" cap="none" spc="0" normalizeH="0" baseline="0">
+          <a:defRPr b="0" baseline="0" cap="none" i="0" spc="0" strike="noStrike" sz="1800" u="none" kumimoji="0" normalizeH="0">
             <a:ln>
               <a:noFill/>
             </a:ln>
@@ -8311,7 +7446,7 @@
           <a:buFontTx/>
           <a:buNone/>
           <a:tabLst/>
-          <a:defRPr kumimoji="0" sz="1800" b="0" i="0" u="none" strike="noStrike" cap="none" spc="0" normalizeH="0" baseline="0">
+          <a:defRPr b="0" baseline="0" cap="none" i="0" spc="0" strike="noStrike" sz="1800" u="none" kumimoji="0" normalizeH="0">
             <a:ln>
               <a:noFill/>
             </a:ln>
@@ -8337,7 +7472,7 @@
           <a:buFontTx/>
           <a:buNone/>
           <a:tabLst/>
-          <a:defRPr kumimoji="0" sz="1800" b="0" i="0" u="none" strike="noStrike" cap="none" spc="0" normalizeH="0" baseline="0">
+          <a:defRPr b="0" baseline="0" cap="none" i="0" spc="0" strike="noStrike" sz="1800" u="none" kumimoji="0" normalizeH="0">
             <a:ln>
               <a:noFill/>
             </a:ln>
@@ -8363,7 +7498,7 @@
           <a:buFontTx/>
           <a:buNone/>
           <a:tabLst/>
-          <a:defRPr kumimoji="0" sz="1800" b="0" i="0" u="none" strike="noStrike" cap="none" spc="0" normalizeH="0" baseline="0">
+          <a:defRPr b="0" baseline="0" cap="none" i="0" spc="0" strike="noStrike" sz="1800" u="none" kumimoji="0" normalizeH="0">
             <a:ln>
               <a:noFill/>
             </a:ln>
@@ -8389,7 +7524,7 @@
           <a:buFontTx/>
           <a:buNone/>
           <a:tabLst/>
-          <a:defRPr kumimoji="0" sz="1800" b="0" i="0" u="none" strike="noStrike" cap="none" spc="0" normalizeH="0" baseline="0">
+          <a:defRPr b="0" baseline="0" cap="none" i="0" spc="0" strike="noStrike" sz="1800" u="none" kumimoji="0" normalizeH="0">
             <a:ln>
               <a:noFill/>
             </a:ln>
@@ -8415,7 +7550,7 @@
           <a:buFontTx/>
           <a:buNone/>
           <a:tabLst/>
-          <a:defRPr kumimoji="0" sz="1800" b="0" i="0" u="none" strike="noStrike" cap="none" spc="0" normalizeH="0" baseline="0">
+          <a:defRPr b="0" baseline="0" cap="none" i="0" spc="0" strike="noStrike" sz="1800" u="none" kumimoji="0" normalizeH="0">
             <a:ln>
               <a:noFill/>
             </a:ln>
@@ -8428,25 +7563,18 @@
         </a:lvl9pPr>
       </a:lstStyle>
       <a:style>
-        <a:lnRef idx="0">
-          <a:scrgbClr r="0" g="0" b="0"/>
-        </a:lnRef>
-        <a:fillRef idx="0">
-          <a:scrgbClr r="0" g="0" b="0"/>
-        </a:fillRef>
-        <a:effectRef idx="0">
-          <a:scrgbClr r="0" g="0" b="0"/>
-        </a:effectRef>
+        <a:lnRef idx="0"/>
+        <a:fillRef idx="0"/>
+        <a:effectRef idx="0"/>
         <a:fontRef idx="none"/>
       </a:style>
     </a:txDef>
   </a:objectDefaults>
-  <a:extraClrSchemeLst/>
 </a:theme>
 </file>
 
 <file path=ppt/theme/theme2.xml><?xml version="1.0" encoding="utf-8"?>
-<a:theme xmlns:a="http://schemas.openxmlformats.org/drawingml/2006/main" name="Office Theme">
+<a:theme xmlns:a="http://schemas.openxmlformats.org/drawingml/2006/main" xmlns:r="http://schemas.openxmlformats.org/officeDocument/2006/relationships" name="Office Theme">
   <a:themeElements>
     <a:clrScheme name="Office Theme">
       <a:dk1>
@@ -8488,14 +7616,14 @@
     </a:clrScheme>
     <a:fontScheme name="Office Theme">
       <a:majorFont>
+        <a:latin typeface="Calibri"/>
+        <a:ea typeface="Calibri"/>
+        <a:cs typeface="Calibri"/>
+      </a:majorFont>
+      <a:minorFont>
         <a:latin typeface="Helvetica"/>
         <a:ea typeface="Helvetica"/>
         <a:cs typeface="Helvetica"/>
-      </a:majorFont>
-      <a:minorFont>
-        <a:latin typeface="Calibri"/>
-        <a:ea typeface="Calibri"/>
-        <a:cs typeface="Calibri"/>
       </a:minorFont>
     </a:fontScheme>
     <a:fmtScheme name="Office Theme">
@@ -8577,13 +7705,7 @@
           <a:effectLst/>
         </a:effectStyle>
         <a:effectStyle>
-          <a:effectLst>
-            <a:outerShdw blurRad="38100" dist="20000" dir="5400000" rotWithShape="0">
-              <a:srgbClr val="000000">
-                <a:alpha val="38000"/>
-              </a:srgbClr>
-            </a:outerShdw>
-          </a:effectLst>
+          <a:effectLst/>
         </a:effectStyle>
       </a:effectStyleLst>
       <a:bgFillStyleLst>
@@ -8654,7 +7776,7 @@
         <a:effectLst/>
         <a:sp3d/>
       </a:spPr>
-      <a:bodyPr rot="0" spcFirstLastPara="1" vertOverflow="overflow" horzOverflow="overflow" vert="horz" wrap="square" lIns="45719" tIns="45719" rIns="45719" bIns="45719" numCol="1" spcCol="38100" rtlCol="0" anchor="ctr">
+      <a:bodyPr rot="0" spcFirstLastPara="1" vertOverflow="overflow" horzOverflow="overflow" vert="horz" wrap="square" lIns="45718" tIns="45718" rIns="45718" bIns="45718" numCol="1" spcCol="38100" rtlCol="0" anchor="ctr" upright="0">
         <a:spAutoFit/>
       </a:bodyPr>
       <a:lstStyle>
@@ -8673,7 +7795,7 @@
           <a:buFontTx/>
           <a:buNone/>
           <a:tabLst/>
-          <a:defRPr kumimoji="0" sz="1800" b="0" i="0" u="none" strike="noStrike" cap="none" spc="0" normalizeH="0" baseline="0">
+          <a:defRPr b="0" baseline="0" cap="none" i="0" spc="0" strike="noStrike" sz="1800" u="none" kumimoji="0" normalizeH="0">
             <a:ln>
               <a:noFill/>
             </a:ln>
@@ -8682,9 +7804,9 @@
             </a:solidFill>
             <a:effectLst/>
             <a:uFillTx/>
-            <a:latin typeface="+mn-lt"/>
-            <a:ea typeface="+mn-ea"/>
-            <a:cs typeface="+mn-cs"/>
+            <a:latin typeface="+mj-lt"/>
+            <a:ea typeface="+mj-ea"/>
+            <a:cs typeface="+mj-cs"/>
             <a:sym typeface="Calibri"/>
           </a:defRPr>
         </a:defPPr>
@@ -8703,7 +7825,7 @@
           <a:buFontTx/>
           <a:buNone/>
           <a:tabLst/>
-          <a:defRPr kumimoji="0" sz="1800" b="0" i="0" u="none" strike="noStrike" cap="none" spc="0" normalizeH="0" baseline="0">
+          <a:defRPr b="0" baseline="0" cap="none" i="0" spc="0" strike="noStrike" sz="1800" u="none" kumimoji="0" normalizeH="0">
             <a:ln>
               <a:noFill/>
             </a:ln>
@@ -8729,7 +7851,7 @@
           <a:buFontTx/>
           <a:buNone/>
           <a:tabLst/>
-          <a:defRPr kumimoji="0" sz="1800" b="0" i="0" u="none" strike="noStrike" cap="none" spc="0" normalizeH="0" baseline="0">
+          <a:defRPr b="0" baseline="0" cap="none" i="0" spc="0" strike="noStrike" sz="1800" u="none" kumimoji="0" normalizeH="0">
             <a:ln>
               <a:noFill/>
             </a:ln>
@@ -8755,7 +7877,7 @@
           <a:buFontTx/>
           <a:buNone/>
           <a:tabLst/>
-          <a:defRPr kumimoji="0" sz="1800" b="0" i="0" u="none" strike="noStrike" cap="none" spc="0" normalizeH="0" baseline="0">
+          <a:defRPr b="0" baseline="0" cap="none" i="0" spc="0" strike="noStrike" sz="1800" u="none" kumimoji="0" normalizeH="0">
             <a:ln>
               <a:noFill/>
             </a:ln>
@@ -8781,7 +7903,7 @@
           <a:buFontTx/>
           <a:buNone/>
           <a:tabLst/>
-          <a:defRPr kumimoji="0" sz="1800" b="0" i="0" u="none" strike="noStrike" cap="none" spc="0" normalizeH="0" baseline="0">
+          <a:defRPr b="0" baseline="0" cap="none" i="0" spc="0" strike="noStrike" sz="1800" u="none" kumimoji="0" normalizeH="0">
             <a:ln>
               <a:noFill/>
             </a:ln>
@@ -8807,7 +7929,7 @@
           <a:buFontTx/>
           <a:buNone/>
           <a:tabLst/>
-          <a:defRPr kumimoji="0" sz="1800" b="0" i="0" u="none" strike="noStrike" cap="none" spc="0" normalizeH="0" baseline="0">
+          <a:defRPr b="0" baseline="0" cap="none" i="0" spc="0" strike="noStrike" sz="1800" u="none" kumimoji="0" normalizeH="0">
             <a:ln>
               <a:noFill/>
             </a:ln>
@@ -8833,7 +7955,7 @@
           <a:buFontTx/>
           <a:buNone/>
           <a:tabLst/>
-          <a:defRPr kumimoji="0" sz="1800" b="0" i="0" u="none" strike="noStrike" cap="none" spc="0" normalizeH="0" baseline="0">
+          <a:defRPr b="0" baseline="0" cap="none" i="0" spc="0" strike="noStrike" sz="1800" u="none" kumimoji="0" normalizeH="0">
             <a:ln>
               <a:noFill/>
             </a:ln>
@@ -8859,7 +7981,7 @@
           <a:buFontTx/>
           <a:buNone/>
           <a:tabLst/>
-          <a:defRPr kumimoji="0" sz="1800" b="0" i="0" u="none" strike="noStrike" cap="none" spc="0" normalizeH="0" baseline="0">
+          <a:defRPr b="0" baseline="0" cap="none" i="0" spc="0" strike="noStrike" sz="1800" u="none" kumimoji="0" normalizeH="0">
             <a:ln>
               <a:noFill/>
             </a:ln>
@@ -8885,7 +8007,7 @@
           <a:buFontTx/>
           <a:buNone/>
           <a:tabLst/>
-          <a:defRPr kumimoji="0" sz="1800" b="0" i="0" u="none" strike="noStrike" cap="none" spc="0" normalizeH="0" baseline="0">
+          <a:defRPr b="0" baseline="0" cap="none" i="0" spc="0" strike="noStrike" sz="1800" u="none" kumimoji="0" normalizeH="0">
             <a:ln>
               <a:noFill/>
             </a:ln>
@@ -8911,7 +8033,7 @@
           <a:buFontTx/>
           <a:buNone/>
           <a:tabLst/>
-          <a:defRPr kumimoji="0" sz="1800" b="0" i="0" u="none" strike="noStrike" cap="none" spc="0" normalizeH="0" baseline="0">
+          <a:defRPr b="0" baseline="0" cap="none" i="0" spc="0" strike="noStrike" sz="1800" u="none" kumimoji="0" normalizeH="0">
             <a:ln>
               <a:noFill/>
             </a:ln>
@@ -8924,15 +8046,9 @@
         </a:lvl9pPr>
       </a:lstStyle>
       <a:style>
-        <a:lnRef idx="0">
-          <a:scrgbClr r="0" g="0" b="0"/>
-        </a:lnRef>
-        <a:fillRef idx="0">
-          <a:scrgbClr r="0" g="0" b="0"/>
-        </a:fillRef>
-        <a:effectRef idx="0">
-          <a:scrgbClr r="0" g="0" b="0"/>
-        </a:effectRef>
+        <a:lnRef idx="0"/>
+        <a:fillRef idx="0"/>
+        <a:effectRef idx="0"/>
         <a:fontRef idx="none"/>
       </a:style>
     </a:spDef>
@@ -8946,16 +8062,10 @@
           <a:prstDash val="solid"/>
           <a:round/>
         </a:ln>
-        <a:effectLst>
-          <a:outerShdw blurRad="38100" dist="20000" dir="5400000" rotWithShape="0">
-            <a:srgbClr val="000000">
-              <a:alpha val="38000"/>
-            </a:srgbClr>
-          </a:outerShdw>
-        </a:effectLst>
+        <a:effectLst/>
         <a:sp3d/>
       </a:spPr>
-      <a:bodyPr rot="0" spcFirstLastPara="1" vertOverflow="overflow" horzOverflow="overflow" vert="horz" wrap="square" lIns="91439" tIns="45719" rIns="91439" bIns="45719" numCol="1" spcCol="38100" rtlCol="0" anchor="t">
+      <a:bodyPr rot="0" spcFirstLastPara="1" vertOverflow="overflow" horzOverflow="overflow" vert="horz" wrap="square" lIns="91439" tIns="45719" rIns="91439" bIns="45719" numCol="1" spcCol="38100" rtlCol="0" anchor="t" upright="0">
         <a:noAutofit/>
       </a:bodyPr>
       <a:lstStyle>
@@ -8974,7 +8084,7 @@
           <a:buFontTx/>
           <a:buNone/>
           <a:tabLst/>
-          <a:defRPr kumimoji="0" sz="1800" b="0" i="0" u="none" strike="noStrike" cap="none" spc="0" normalizeH="0" baseline="0">
+          <a:defRPr b="0" baseline="0" cap="none" i="0" spc="0" strike="noStrike" sz="1800" u="none" kumimoji="0" normalizeH="0">
             <a:ln>
               <a:noFill/>
             </a:ln>
@@ -9000,7 +8110,7 @@
           <a:buFontTx/>
           <a:buNone/>
           <a:tabLst/>
-          <a:defRPr kumimoji="0" sz="1800" b="0" i="0" u="none" strike="noStrike" cap="none" spc="0" normalizeH="0" baseline="0">
+          <a:defRPr b="0" baseline="0" cap="none" i="0" spc="0" strike="noStrike" sz="1800" u="none" kumimoji="0" normalizeH="0">
             <a:ln>
               <a:noFill/>
             </a:ln>
@@ -9026,7 +8136,7 @@
           <a:buFontTx/>
           <a:buNone/>
           <a:tabLst/>
-          <a:defRPr kumimoji="0" sz="1800" b="0" i="0" u="none" strike="noStrike" cap="none" spc="0" normalizeH="0" baseline="0">
+          <a:defRPr b="0" baseline="0" cap="none" i="0" spc="0" strike="noStrike" sz="1800" u="none" kumimoji="0" normalizeH="0">
             <a:ln>
               <a:noFill/>
             </a:ln>
@@ -9052,7 +8162,7 @@
           <a:buFontTx/>
           <a:buNone/>
           <a:tabLst/>
-          <a:defRPr kumimoji="0" sz="1800" b="0" i="0" u="none" strike="noStrike" cap="none" spc="0" normalizeH="0" baseline="0">
+          <a:defRPr b="0" baseline="0" cap="none" i="0" spc="0" strike="noStrike" sz="1800" u="none" kumimoji="0" normalizeH="0">
             <a:ln>
               <a:noFill/>
             </a:ln>
@@ -9078,7 +8188,7 @@
           <a:buFontTx/>
           <a:buNone/>
           <a:tabLst/>
-          <a:defRPr kumimoji="0" sz="1800" b="0" i="0" u="none" strike="noStrike" cap="none" spc="0" normalizeH="0" baseline="0">
+          <a:defRPr b="0" baseline="0" cap="none" i="0" spc="0" strike="noStrike" sz="1800" u="none" kumimoji="0" normalizeH="0">
             <a:ln>
               <a:noFill/>
             </a:ln>
@@ -9104,7 +8214,7 @@
           <a:buFontTx/>
           <a:buNone/>
           <a:tabLst/>
-          <a:defRPr kumimoji="0" sz="1800" b="0" i="0" u="none" strike="noStrike" cap="none" spc="0" normalizeH="0" baseline="0">
+          <a:defRPr b="0" baseline="0" cap="none" i="0" spc="0" strike="noStrike" sz="1800" u="none" kumimoji="0" normalizeH="0">
             <a:ln>
               <a:noFill/>
             </a:ln>
@@ -9130,7 +8240,7 @@
           <a:buFontTx/>
           <a:buNone/>
           <a:tabLst/>
-          <a:defRPr kumimoji="0" sz="1800" b="0" i="0" u="none" strike="noStrike" cap="none" spc="0" normalizeH="0" baseline="0">
+          <a:defRPr b="0" baseline="0" cap="none" i="0" spc="0" strike="noStrike" sz="1800" u="none" kumimoji="0" normalizeH="0">
             <a:ln>
               <a:noFill/>
             </a:ln>
@@ -9156,7 +8266,7 @@
           <a:buFontTx/>
           <a:buNone/>
           <a:tabLst/>
-          <a:defRPr kumimoji="0" sz="1800" b="0" i="0" u="none" strike="noStrike" cap="none" spc="0" normalizeH="0" baseline="0">
+          <a:defRPr b="0" baseline="0" cap="none" i="0" spc="0" strike="noStrike" sz="1800" u="none" kumimoji="0" normalizeH="0">
             <a:ln>
               <a:noFill/>
             </a:ln>
@@ -9182,7 +8292,7 @@
           <a:buFontTx/>
           <a:buNone/>
           <a:tabLst/>
-          <a:defRPr kumimoji="0" sz="1800" b="0" i="0" u="none" strike="noStrike" cap="none" spc="0" normalizeH="0" baseline="0">
+          <a:defRPr b="0" baseline="0" cap="none" i="0" spc="0" strike="noStrike" sz="1800" u="none" kumimoji="0" normalizeH="0">
             <a:ln>
               <a:noFill/>
             </a:ln>
@@ -9208,7 +8318,7 @@
           <a:buFontTx/>
           <a:buNone/>
           <a:tabLst/>
-          <a:defRPr kumimoji="0" sz="1800" b="0" i="0" u="none" strike="noStrike" cap="none" spc="0" normalizeH="0" baseline="0">
+          <a:defRPr b="0" baseline="0" cap="none" i="0" spc="0" strike="noStrike" sz="1800" u="none" kumimoji="0" normalizeH="0">
             <a:ln>
               <a:noFill/>
             </a:ln>
@@ -9221,15 +8331,9 @@
         </a:lvl9pPr>
       </a:lstStyle>
       <a:style>
-        <a:lnRef idx="0">
-          <a:scrgbClr r="0" g="0" b="0"/>
-        </a:lnRef>
-        <a:fillRef idx="0">
-          <a:scrgbClr r="0" g="0" b="0"/>
-        </a:fillRef>
-        <a:effectRef idx="0">
-          <a:scrgbClr r="0" g="0" b="0"/>
-        </a:effectRef>
+        <a:lnRef idx="0"/>
+        <a:fillRef idx="0"/>
+        <a:effectRef idx="0"/>
         <a:fontRef idx="none"/>
       </a:style>
     </a:lnDef>
@@ -9243,7 +8347,7 @@
         <a:effectLst/>
         <a:sp3d/>
       </a:spPr>
-      <a:bodyPr rot="0" spcFirstLastPara="1" vertOverflow="overflow" horzOverflow="overflow" vert="horz" wrap="square" lIns="45719" tIns="45719" rIns="45719" bIns="45719" numCol="1" spcCol="38100" rtlCol="0" anchor="t">
+      <a:bodyPr rot="0" spcFirstLastPara="1" vertOverflow="overflow" horzOverflow="overflow" vert="horz" wrap="square" lIns="45718" tIns="45718" rIns="45718" bIns="45718" numCol="1" spcCol="38100" rtlCol="0" anchor="t" upright="0">
         <a:spAutoFit/>
       </a:bodyPr>
       <a:lstStyle>
@@ -9262,7 +8366,7 @@
           <a:buFontTx/>
           <a:buNone/>
           <a:tabLst/>
-          <a:defRPr kumimoji="0" sz="1800" b="0" i="0" u="none" strike="noStrike" cap="none" spc="0" normalizeH="0" baseline="0">
+          <a:defRPr b="0" baseline="0" cap="none" i="0" spc="0" strike="noStrike" sz="1800" u="none" kumimoji="0" normalizeH="0">
             <a:ln>
               <a:noFill/>
             </a:ln>
@@ -9271,9 +8375,9 @@
             </a:solidFill>
             <a:effectLst/>
             <a:uFillTx/>
-            <a:latin typeface="+mn-lt"/>
-            <a:ea typeface="+mn-ea"/>
-            <a:cs typeface="+mn-cs"/>
+            <a:latin typeface="+mj-lt"/>
+            <a:ea typeface="+mj-ea"/>
+            <a:cs typeface="+mj-cs"/>
             <a:sym typeface="Calibri"/>
           </a:defRPr>
         </a:defPPr>
@@ -9292,7 +8396,7 @@
           <a:buFontTx/>
           <a:buNone/>
           <a:tabLst/>
-          <a:defRPr kumimoji="0" sz="1800" b="0" i="0" u="none" strike="noStrike" cap="none" spc="0" normalizeH="0" baseline="0">
+          <a:defRPr b="0" baseline="0" cap="none" i="0" spc="0" strike="noStrike" sz="1800" u="none" kumimoji="0" normalizeH="0">
             <a:ln>
               <a:noFill/>
             </a:ln>
@@ -9318,7 +8422,7 @@
           <a:buFontTx/>
           <a:buNone/>
           <a:tabLst/>
-          <a:defRPr kumimoji="0" sz="1800" b="0" i="0" u="none" strike="noStrike" cap="none" spc="0" normalizeH="0" baseline="0">
+          <a:defRPr b="0" baseline="0" cap="none" i="0" spc="0" strike="noStrike" sz="1800" u="none" kumimoji="0" normalizeH="0">
             <a:ln>
               <a:noFill/>
             </a:ln>
@@ -9344,7 +8448,7 @@
           <a:buFontTx/>
           <a:buNone/>
           <a:tabLst/>
-          <a:defRPr kumimoji="0" sz="1800" b="0" i="0" u="none" strike="noStrike" cap="none" spc="0" normalizeH="0" baseline="0">
+          <a:defRPr b="0" baseline="0" cap="none" i="0" spc="0" strike="noStrike" sz="1800" u="none" kumimoji="0" normalizeH="0">
             <a:ln>
               <a:noFill/>
             </a:ln>
@@ -9370,7 +8474,7 @@
           <a:buFontTx/>
           <a:buNone/>
           <a:tabLst/>
-          <a:defRPr kumimoji="0" sz="1800" b="0" i="0" u="none" strike="noStrike" cap="none" spc="0" normalizeH="0" baseline="0">
+          <a:defRPr b="0" baseline="0" cap="none" i="0" spc="0" strike="noStrike" sz="1800" u="none" kumimoji="0" normalizeH="0">
             <a:ln>
               <a:noFill/>
             </a:ln>
@@ -9396,7 +8500,7 @@
           <a:buFontTx/>
           <a:buNone/>
           <a:tabLst/>
-          <a:defRPr kumimoji="0" sz="1800" b="0" i="0" u="none" strike="noStrike" cap="none" spc="0" normalizeH="0" baseline="0">
+          <a:defRPr b="0" baseline="0" cap="none" i="0" spc="0" strike="noStrike" sz="1800" u="none" kumimoji="0" normalizeH="0">
             <a:ln>
               <a:noFill/>
             </a:ln>
@@ -9422,7 +8526,7 @@
           <a:buFontTx/>
           <a:buNone/>
           <a:tabLst/>
-          <a:defRPr kumimoji="0" sz="1800" b="0" i="0" u="none" strike="noStrike" cap="none" spc="0" normalizeH="0" baseline="0">
+          <a:defRPr b="0" baseline="0" cap="none" i="0" spc="0" strike="noStrike" sz="1800" u="none" kumimoji="0" normalizeH="0">
             <a:ln>
               <a:noFill/>
             </a:ln>
@@ -9448,7 +8552,7 @@
           <a:buFontTx/>
           <a:buNone/>
           <a:tabLst/>
-          <a:defRPr kumimoji="0" sz="1800" b="0" i="0" u="none" strike="noStrike" cap="none" spc="0" normalizeH="0" baseline="0">
+          <a:defRPr b="0" baseline="0" cap="none" i="0" spc="0" strike="noStrike" sz="1800" u="none" kumimoji="0" normalizeH="0">
             <a:ln>
               <a:noFill/>
             </a:ln>
@@ -9474,7 +8578,7 @@
           <a:buFontTx/>
           <a:buNone/>
           <a:tabLst/>
-          <a:defRPr kumimoji="0" sz="1800" b="0" i="0" u="none" strike="noStrike" cap="none" spc="0" normalizeH="0" baseline="0">
+          <a:defRPr b="0" baseline="0" cap="none" i="0" spc="0" strike="noStrike" sz="1800" u="none" kumimoji="0" normalizeH="0">
             <a:ln>
               <a:noFill/>
             </a:ln>
@@ -9500,7 +8604,7 @@
           <a:buFontTx/>
           <a:buNone/>
           <a:tabLst/>
-          <a:defRPr kumimoji="0" sz="1800" b="0" i="0" u="none" strike="noStrike" cap="none" spc="0" normalizeH="0" baseline="0">
+          <a:defRPr b="0" baseline="0" cap="none" i="0" spc="0" strike="noStrike" sz="1800" u="none" kumimoji="0" normalizeH="0">
             <a:ln>
               <a:noFill/>
             </a:ln>
@@ -9513,19 +8617,12 @@
         </a:lvl9pPr>
       </a:lstStyle>
       <a:style>
-        <a:lnRef idx="0">
-          <a:scrgbClr r="0" g="0" b="0"/>
-        </a:lnRef>
-        <a:fillRef idx="0">
-          <a:scrgbClr r="0" g="0" b="0"/>
-        </a:fillRef>
-        <a:effectRef idx="0">
-          <a:scrgbClr r="0" g="0" b="0"/>
-        </a:effectRef>
+        <a:lnRef idx="0"/>
+        <a:fillRef idx="0"/>
+        <a:effectRef idx="0"/>
         <a:fontRef idx="none"/>
       </a:style>
     </a:txDef>
   </a:objectDefaults>
-  <a:extraClrSchemeLst/>
 </a:theme>
 </file>